--- a/thesis_presentation.pptx
+++ b/thesis_presentation.pptx
@@ -39217,7 +39217,7 @@
             <a:fld id="{F679B0E0-508A-4FF6-9354-C13C1EBBA3BF}" type="datetimeFigureOut">
               <a:rPr lang="ru-RU" smtClean="0"/>
               <a:pPr/>
-              <a:t>26.04.2021</a:t>
+              <a:t>27.04.2021</a:t>
             </a:fld>
             <a:endParaRPr lang="ru-RU"/>
           </a:p>
@@ -40798,7 +40798,7 @@
             <a:fld id="{099FE1D4-06A7-4C6A-B291-F757B96CFE99}" type="datetimeFigureOut">
               <a:rPr lang="ru-RU" smtClean="0"/>
               <a:pPr/>
-              <a:t>26.04.2021</a:t>
+              <a:t>27.04.2021</a:t>
             </a:fld>
             <a:endParaRPr lang="ru-RU"/>
           </a:p>
@@ -40963,7 +40963,7 @@
             <a:fld id="{099FE1D4-06A7-4C6A-B291-F757B96CFE99}" type="datetimeFigureOut">
               <a:rPr lang="ru-RU" smtClean="0"/>
               <a:pPr/>
-              <a:t>26.04.2021</a:t>
+              <a:t>27.04.2021</a:t>
             </a:fld>
             <a:endParaRPr lang="ru-RU"/>
           </a:p>
@@ -41138,7 +41138,7 @@
             <a:fld id="{099FE1D4-06A7-4C6A-B291-F757B96CFE99}" type="datetimeFigureOut">
               <a:rPr lang="ru-RU" smtClean="0"/>
               <a:pPr/>
-              <a:t>26.04.2021</a:t>
+              <a:t>27.04.2021</a:t>
             </a:fld>
             <a:endParaRPr lang="ru-RU"/>
           </a:p>
@@ -41303,7 +41303,7 @@
             <a:fld id="{099FE1D4-06A7-4C6A-B291-F757B96CFE99}" type="datetimeFigureOut">
               <a:rPr lang="ru-RU" smtClean="0"/>
               <a:pPr/>
-              <a:t>26.04.2021</a:t>
+              <a:t>27.04.2021</a:t>
             </a:fld>
             <a:endParaRPr lang="ru-RU"/>
           </a:p>
@@ -41545,7 +41545,7 @@
             <a:fld id="{099FE1D4-06A7-4C6A-B291-F757B96CFE99}" type="datetimeFigureOut">
               <a:rPr lang="ru-RU" smtClean="0"/>
               <a:pPr/>
-              <a:t>26.04.2021</a:t>
+              <a:t>27.04.2021</a:t>
             </a:fld>
             <a:endParaRPr lang="ru-RU"/>
           </a:p>
@@ -41827,7 +41827,7 @@
             <a:fld id="{099FE1D4-06A7-4C6A-B291-F757B96CFE99}" type="datetimeFigureOut">
               <a:rPr lang="ru-RU" smtClean="0"/>
               <a:pPr/>
-              <a:t>26.04.2021</a:t>
+              <a:t>27.04.2021</a:t>
             </a:fld>
             <a:endParaRPr lang="ru-RU"/>
           </a:p>
@@ -42243,7 +42243,7 @@
             <a:fld id="{099FE1D4-06A7-4C6A-B291-F757B96CFE99}" type="datetimeFigureOut">
               <a:rPr lang="ru-RU" smtClean="0"/>
               <a:pPr/>
-              <a:t>26.04.2021</a:t>
+              <a:t>27.04.2021</a:t>
             </a:fld>
             <a:endParaRPr lang="ru-RU"/>
           </a:p>
@@ -42357,7 +42357,7 @@
             <a:fld id="{099FE1D4-06A7-4C6A-B291-F757B96CFE99}" type="datetimeFigureOut">
               <a:rPr lang="ru-RU" smtClean="0"/>
               <a:pPr/>
-              <a:t>26.04.2021</a:t>
+              <a:t>27.04.2021</a:t>
             </a:fld>
             <a:endParaRPr lang="ru-RU"/>
           </a:p>
@@ -42449,7 +42449,7 @@
             <a:fld id="{099FE1D4-06A7-4C6A-B291-F757B96CFE99}" type="datetimeFigureOut">
               <a:rPr lang="ru-RU" smtClean="0"/>
               <a:pPr/>
-              <a:t>26.04.2021</a:t>
+              <a:t>27.04.2021</a:t>
             </a:fld>
             <a:endParaRPr lang="ru-RU"/>
           </a:p>
@@ -42721,7 +42721,7 @@
             <a:fld id="{099FE1D4-06A7-4C6A-B291-F757B96CFE99}" type="datetimeFigureOut">
               <a:rPr lang="ru-RU" smtClean="0"/>
               <a:pPr/>
-              <a:t>26.04.2021</a:t>
+              <a:t>27.04.2021</a:t>
             </a:fld>
             <a:endParaRPr lang="ru-RU"/>
           </a:p>
@@ -42970,7 +42970,7 @@
             <a:fld id="{099FE1D4-06A7-4C6A-B291-F757B96CFE99}" type="datetimeFigureOut">
               <a:rPr lang="ru-RU" smtClean="0"/>
               <a:pPr/>
-              <a:t>26.04.2021</a:t>
+              <a:t>27.04.2021</a:t>
             </a:fld>
             <a:endParaRPr lang="ru-RU"/>
           </a:p>
@@ -43178,7 +43178,7 @@
             <a:fld id="{099FE1D4-06A7-4C6A-B291-F757B96CFE99}" type="datetimeFigureOut">
               <a:rPr lang="ru-RU" smtClean="0"/>
               <a:pPr/>
-              <a:t>26.04.2021</a:t>
+              <a:t>27.04.2021</a:t>
             </a:fld>
             <a:endParaRPr lang="ru-RU"/>
           </a:p>

--- a/thesis_presentation.pptx
+++ b/thesis_presentation.pptx
@@ -17275,6 +17275,14 @@
             <a:t> </a:t>
           </a:r>
           <a:r>
+            <a:rPr lang="ru-RU" sz="1400" b="0" i="1" dirty="0"/>
+            <a:t>модуль</a:t>
+          </a:r>
+          <a:r>
+            <a:rPr lang="ru-RU" sz="1400" b="0" dirty="0"/>
+            <a:t> </a:t>
+          </a:r>
+          <a:r>
             <a:rPr lang="en-US" sz="1400" b="1" dirty="0"/>
             <a:t>DECIDER</a:t>
           </a:r>
@@ -22155,6 +22163,14 @@
           <a:r>
             <a:rPr lang="en-US" sz="1400" b="0" kern="1200" dirty="0"/>
             <a:t>:</a:t>
+          </a:r>
+          <a:r>
+            <a:rPr lang="ru-RU" sz="1400" b="0" kern="1200" dirty="0"/>
+            <a:t> </a:t>
+          </a:r>
+          <a:r>
+            <a:rPr lang="ru-RU" sz="1400" b="0" i="1" kern="1200" dirty="0"/>
+            <a:t>модуль</a:t>
           </a:r>
           <a:r>
             <a:rPr lang="ru-RU" sz="1400" b="0" kern="1200" dirty="0"/>
@@ -40375,7 +40391,7 @@
             <a:fld id="{F679B0E0-508A-4FF6-9354-C13C1EBBA3BF}" type="datetimeFigureOut">
               <a:rPr lang="ru-RU" smtClean="0"/>
               <a:pPr/>
-              <a:t>15.05.2021</a:t>
+              <a:t>24.05.2021</a:t>
             </a:fld>
             <a:endParaRPr lang="ru-RU"/>
           </a:p>
@@ -42217,7 +42233,7 @@
             <a:fld id="{099FE1D4-06A7-4C6A-B291-F757B96CFE99}" type="datetimeFigureOut">
               <a:rPr lang="ru-RU" smtClean="0"/>
               <a:pPr/>
-              <a:t>15.05.2021</a:t>
+              <a:t>24.05.2021</a:t>
             </a:fld>
             <a:endParaRPr lang="ru-RU"/>
           </a:p>
@@ -42382,7 +42398,7 @@
             <a:fld id="{099FE1D4-06A7-4C6A-B291-F757B96CFE99}" type="datetimeFigureOut">
               <a:rPr lang="ru-RU" smtClean="0"/>
               <a:pPr/>
-              <a:t>15.05.2021</a:t>
+              <a:t>24.05.2021</a:t>
             </a:fld>
             <a:endParaRPr lang="ru-RU"/>
           </a:p>
@@ -42557,7 +42573,7 @@
             <a:fld id="{099FE1D4-06A7-4C6A-B291-F757B96CFE99}" type="datetimeFigureOut">
               <a:rPr lang="ru-RU" smtClean="0"/>
               <a:pPr/>
-              <a:t>15.05.2021</a:t>
+              <a:t>24.05.2021</a:t>
             </a:fld>
             <a:endParaRPr lang="ru-RU"/>
           </a:p>
@@ -42722,7 +42738,7 @@
             <a:fld id="{099FE1D4-06A7-4C6A-B291-F757B96CFE99}" type="datetimeFigureOut">
               <a:rPr lang="ru-RU" smtClean="0"/>
               <a:pPr/>
-              <a:t>15.05.2021</a:t>
+              <a:t>24.05.2021</a:t>
             </a:fld>
             <a:endParaRPr lang="ru-RU"/>
           </a:p>
@@ -42964,7 +42980,7 @@
             <a:fld id="{099FE1D4-06A7-4C6A-B291-F757B96CFE99}" type="datetimeFigureOut">
               <a:rPr lang="ru-RU" smtClean="0"/>
               <a:pPr/>
-              <a:t>15.05.2021</a:t>
+              <a:t>24.05.2021</a:t>
             </a:fld>
             <a:endParaRPr lang="ru-RU"/>
           </a:p>
@@ -43246,7 +43262,7 @@
             <a:fld id="{099FE1D4-06A7-4C6A-B291-F757B96CFE99}" type="datetimeFigureOut">
               <a:rPr lang="ru-RU" smtClean="0"/>
               <a:pPr/>
-              <a:t>15.05.2021</a:t>
+              <a:t>24.05.2021</a:t>
             </a:fld>
             <a:endParaRPr lang="ru-RU"/>
           </a:p>
@@ -43662,7 +43678,7 @@
             <a:fld id="{099FE1D4-06A7-4C6A-B291-F757B96CFE99}" type="datetimeFigureOut">
               <a:rPr lang="ru-RU" smtClean="0"/>
               <a:pPr/>
-              <a:t>15.05.2021</a:t>
+              <a:t>24.05.2021</a:t>
             </a:fld>
             <a:endParaRPr lang="ru-RU"/>
           </a:p>
@@ -43776,7 +43792,7 @@
             <a:fld id="{099FE1D4-06A7-4C6A-B291-F757B96CFE99}" type="datetimeFigureOut">
               <a:rPr lang="ru-RU" smtClean="0"/>
               <a:pPr/>
-              <a:t>15.05.2021</a:t>
+              <a:t>24.05.2021</a:t>
             </a:fld>
             <a:endParaRPr lang="ru-RU"/>
           </a:p>
@@ -43868,7 +43884,7 @@
             <a:fld id="{099FE1D4-06A7-4C6A-B291-F757B96CFE99}" type="datetimeFigureOut">
               <a:rPr lang="ru-RU" smtClean="0"/>
               <a:pPr/>
-              <a:t>15.05.2021</a:t>
+              <a:t>24.05.2021</a:t>
             </a:fld>
             <a:endParaRPr lang="ru-RU"/>
           </a:p>
@@ -44140,7 +44156,7 @@
             <a:fld id="{099FE1D4-06A7-4C6A-B291-F757B96CFE99}" type="datetimeFigureOut">
               <a:rPr lang="ru-RU" smtClean="0"/>
               <a:pPr/>
-              <a:t>15.05.2021</a:t>
+              <a:t>24.05.2021</a:t>
             </a:fld>
             <a:endParaRPr lang="ru-RU"/>
           </a:p>
@@ -44389,7 +44405,7 @@
             <a:fld id="{099FE1D4-06A7-4C6A-B291-F757B96CFE99}" type="datetimeFigureOut">
               <a:rPr lang="ru-RU" smtClean="0"/>
               <a:pPr/>
-              <a:t>15.05.2021</a:t>
+              <a:t>24.05.2021</a:t>
             </a:fld>
             <a:endParaRPr lang="ru-RU"/>
           </a:p>
@@ -44597,7 +44613,7 @@
             <a:fld id="{099FE1D4-06A7-4C6A-B291-F757B96CFE99}" type="datetimeFigureOut">
               <a:rPr lang="ru-RU" smtClean="0"/>
               <a:pPr/>
-              <a:t>15.05.2021</a:t>
+              <a:t>24.05.2021</a:t>
             </a:fld>
             <a:endParaRPr lang="ru-RU"/>
           </a:p>
@@ -45434,7 +45450,7 @@
           <p:nvPr>
             <p:extLst>
               <p:ext uri="{D42A27DB-BD31-4B8C-83A1-F6EECF244321}">
-                <p14:modId xmlns:p14="http://schemas.microsoft.com/office/powerpoint/2010/main" val="3070118590"/>
+                <p14:modId xmlns:p14="http://schemas.microsoft.com/office/powerpoint/2010/main" val="4127289269"/>
               </p:ext>
             </p:extLst>
           </p:nvPr>
@@ -45756,6 +45772,18 @@
                         <a:buFont typeface="Calibri"/>
                         <a:buNone/>
                       </a:pPr>
+                      <a:r>
+                        <a:rPr lang="ru-RU" sz="1800" b="0" i="1" u="none" strike="noStrike" cap="none" dirty="0">
+                          <a:solidFill>
+                            <a:schemeClr val="dk1"/>
+                          </a:solidFill>
+                          <a:latin typeface="Calibri"/>
+                          <a:ea typeface="Calibri"/>
+                          <a:cs typeface="Calibri"/>
+                          <a:sym typeface="Calibri"/>
+                        </a:rPr>
+                        <a:t>доцент каф. 42, </a:t>
+                      </a:r>
                       <a:r>
                         <a:rPr lang="ru-RU" sz="1800" b="0" i="1" u="none" strike="noStrike" cap="none" dirty="0" err="1">
                           <a:solidFill>
@@ -46272,7 +46300,7 @@
                   <a:schemeClr val="tx1"/>
                 </a:solidFill>
               </a:rPr>
-              <a:t> из 14</a:t>
+              <a:t> из 17</a:t>
             </a:r>
           </a:p>
         </p:txBody>
@@ -46809,7 +46837,7 @@
                   <a:schemeClr val="tx1"/>
                 </a:solidFill>
               </a:rPr>
-              <a:t> из 14</a:t>
+              <a:t> из 17</a:t>
             </a:r>
           </a:p>
         </p:txBody>
@@ -47390,7 +47418,7 @@
                   <a:schemeClr val="tx1"/>
                 </a:solidFill>
               </a:rPr>
-              <a:t> из 14</a:t>
+              <a:t> из 17</a:t>
             </a:r>
           </a:p>
         </p:txBody>
@@ -48079,7 +48107,7 @@
                   <a:schemeClr val="tx1"/>
                 </a:solidFill>
               </a:rPr>
-              <a:t> из 14</a:t>
+              <a:t> из 17</a:t>
             </a:r>
           </a:p>
         </p:txBody>
@@ -48146,7 +48174,7 @@
           <p:nvPr>
             <p:extLst>
               <p:ext uri="{D42A27DB-BD31-4B8C-83A1-F6EECF244321}">
-                <p14:modId xmlns:p14="http://schemas.microsoft.com/office/powerpoint/2010/main" val="610960829"/>
+                <p14:modId xmlns:p14="http://schemas.microsoft.com/office/powerpoint/2010/main" val="2168643004"/>
               </p:ext>
             </p:extLst>
           </p:nvPr>
@@ -48507,8 +48535,8 @@
         </p:nvSpPr>
         <p:spPr>
           <a:xfrm>
-            <a:off x="1460790" y="409676"/>
-            <a:ext cx="7287673" cy="461665"/>
+            <a:off x="1460791" y="218881"/>
+            <a:ext cx="7287673" cy="830997"/>
           </a:xfrm>
           <a:prstGeom prst="rect">
             <a:avLst/>
@@ -48528,7 +48556,7 @@
                 </a:solidFill>
                 <a:cs typeface="Arial" pitchFamily="34" charset="0"/>
               </a:rPr>
-              <a:t>Результаты тестирования предложенного метода</a:t>
+              <a:t>Результаты тестирования метода непрерывной аутентификации</a:t>
             </a:r>
           </a:p>
         </p:txBody>
@@ -48617,7 +48645,7 @@
                   <a:schemeClr val="tx1"/>
                 </a:solidFill>
               </a:rPr>
-              <a:t> из 14</a:t>
+              <a:t> из 17</a:t>
             </a:r>
           </a:p>
         </p:txBody>
@@ -49040,7 +49068,7 @@
                   <a:schemeClr val="tx1"/>
                 </a:solidFill>
               </a:rPr>
-              <a:t> из 14</a:t>
+              <a:t> из 17</a:t>
             </a:r>
           </a:p>
         </p:txBody>
@@ -49138,46 +49166,6 @@
       </p:pic>
       <p:sp>
         <p:nvSpPr>
-          <p:cNvPr id="16" name="TextBox 15">
-            <a:extLst>
-              <a:ext uri="{FF2B5EF4-FFF2-40B4-BE49-F238E27FC236}">
-                <a16:creationId xmlns:a16="http://schemas.microsoft.com/office/drawing/2014/main" id="{5464DD89-4995-4BB6-B92B-747F22247E6E}"/>
-              </a:ext>
-            </a:extLst>
-          </p:cNvPr>
-          <p:cNvSpPr txBox="1"/>
-          <p:nvPr/>
-        </p:nvSpPr>
-        <p:spPr>
-          <a:xfrm>
-            <a:off x="1460790" y="409676"/>
-            <a:ext cx="7287673" cy="461665"/>
-          </a:xfrm>
-          <a:prstGeom prst="rect">
-            <a:avLst/>
-          </a:prstGeom>
-          <a:noFill/>
-        </p:spPr>
-        <p:txBody>
-          <a:bodyPr wrap="square" rtlCol="0">
-            <a:spAutoFit/>
-          </a:bodyPr>
-          <a:lstStyle/>
-          <a:p>
-            <a:r>
-              <a:rPr lang="ru-RU" sz="2400" dirty="0">
-                <a:solidFill>
-                  <a:schemeClr val="bg1"/>
-                </a:solidFill>
-                <a:cs typeface="Arial" pitchFamily="34" charset="0"/>
-              </a:rPr>
-              <a:t>Результаты тестирования предложенного метода</a:t>
-            </a:r>
-          </a:p>
-        </p:txBody>
-      </p:sp>
-      <p:sp>
-        <p:nvSpPr>
           <p:cNvPr id="17" name="TextBox 16">
             <a:extLst>
               <a:ext uri="{FF2B5EF4-FFF2-40B4-BE49-F238E27FC236}">
@@ -49254,6 +49242,46 @@
               <a:t>при размере скользящего окна 120 секунд</a:t>
             </a:r>
             <a:endParaRPr lang="ru-RU" sz="1200" dirty="0"/>
+          </a:p>
+        </p:txBody>
+      </p:sp>
+      <p:sp>
+        <p:nvSpPr>
+          <p:cNvPr id="11" name="TextBox 10">
+            <a:extLst>
+              <a:ext uri="{FF2B5EF4-FFF2-40B4-BE49-F238E27FC236}">
+                <a16:creationId xmlns:a16="http://schemas.microsoft.com/office/drawing/2014/main" id="{5070D340-9E7F-483D-933B-C6C05B84F46A}"/>
+              </a:ext>
+            </a:extLst>
+          </p:cNvPr>
+          <p:cNvSpPr txBox="1"/>
+          <p:nvPr/>
+        </p:nvSpPr>
+        <p:spPr>
+          <a:xfrm>
+            <a:off x="1460791" y="218881"/>
+            <a:ext cx="7287673" cy="830997"/>
+          </a:xfrm>
+          <a:prstGeom prst="rect">
+            <a:avLst/>
+          </a:prstGeom>
+          <a:noFill/>
+        </p:spPr>
+        <p:txBody>
+          <a:bodyPr wrap="square" rtlCol="0">
+            <a:spAutoFit/>
+          </a:bodyPr>
+          <a:lstStyle/>
+          <a:p>
+            <a:r>
+              <a:rPr lang="ru-RU" sz="2400" dirty="0">
+                <a:solidFill>
+                  <a:schemeClr val="bg1"/>
+                </a:solidFill>
+                <a:cs typeface="Arial" pitchFamily="34" charset="0"/>
+              </a:rPr>
+              <a:t>Результаты тестирования метода непрерывной аутентификации</a:t>
+            </a:r>
           </a:p>
         </p:txBody>
       </p:sp>
@@ -49545,7 +49573,7 @@
                   <a:schemeClr val="tx1"/>
                 </a:solidFill>
               </a:rPr>
-              <a:t> из 14</a:t>
+              <a:t> из 17</a:t>
             </a:r>
           </a:p>
         </p:txBody>
@@ -49655,46 +49683,6 @@
           </a:graphicData>
         </a:graphic>
       </p:graphicFrame>
-      <p:sp>
-        <p:nvSpPr>
-          <p:cNvPr id="17" name="TextBox 16">
-            <a:extLst>
-              <a:ext uri="{FF2B5EF4-FFF2-40B4-BE49-F238E27FC236}">
-                <a16:creationId xmlns:a16="http://schemas.microsoft.com/office/drawing/2014/main" id="{4CAC1499-A73E-46AF-9E68-02C89780DD8F}"/>
-              </a:ext>
-            </a:extLst>
-          </p:cNvPr>
-          <p:cNvSpPr txBox="1"/>
-          <p:nvPr/>
-        </p:nvSpPr>
-        <p:spPr>
-          <a:xfrm>
-            <a:off x="1460790" y="409676"/>
-            <a:ext cx="7287673" cy="461665"/>
-          </a:xfrm>
-          <a:prstGeom prst="rect">
-            <a:avLst/>
-          </a:prstGeom>
-          <a:noFill/>
-        </p:spPr>
-        <p:txBody>
-          <a:bodyPr wrap="square" rtlCol="0">
-            <a:spAutoFit/>
-          </a:bodyPr>
-          <a:lstStyle/>
-          <a:p>
-            <a:r>
-              <a:rPr lang="ru-RU" sz="2400" dirty="0">
-                <a:solidFill>
-                  <a:schemeClr val="bg1"/>
-                </a:solidFill>
-                <a:cs typeface="Arial" pitchFamily="34" charset="0"/>
-              </a:rPr>
-              <a:t>Результаты тестирования предложенного метода</a:t>
-            </a:r>
-          </a:p>
-        </p:txBody>
-      </p:sp>
       <p:sp>
         <p:nvSpPr>
           <p:cNvPr id="18" name="TextBox 17">
@@ -49878,6 +49866,46 @@
               <a:ea typeface="Batang" panose="02030600000101010101" pitchFamily="18" charset="-127"/>
               <a:cs typeface="Source Sans Pro" panose="020B0503030403020204" pitchFamily="34" charset="0"/>
             </a:endParaRPr>
+          </a:p>
+        </p:txBody>
+      </p:sp>
+      <p:sp>
+        <p:nvSpPr>
+          <p:cNvPr id="16" name="TextBox 15">
+            <a:extLst>
+              <a:ext uri="{FF2B5EF4-FFF2-40B4-BE49-F238E27FC236}">
+                <a16:creationId xmlns:a16="http://schemas.microsoft.com/office/drawing/2014/main" id="{B5D15287-FB01-432E-98AF-D0EC0F05026E}"/>
+              </a:ext>
+            </a:extLst>
+          </p:cNvPr>
+          <p:cNvSpPr txBox="1"/>
+          <p:nvPr/>
+        </p:nvSpPr>
+        <p:spPr>
+          <a:xfrm>
+            <a:off x="1460791" y="218881"/>
+            <a:ext cx="7287673" cy="830997"/>
+          </a:xfrm>
+          <a:prstGeom prst="rect">
+            <a:avLst/>
+          </a:prstGeom>
+          <a:noFill/>
+        </p:spPr>
+        <p:txBody>
+          <a:bodyPr wrap="square" rtlCol="0">
+            <a:spAutoFit/>
+          </a:bodyPr>
+          <a:lstStyle/>
+          <a:p>
+            <a:r>
+              <a:rPr lang="ru-RU" sz="2400" dirty="0">
+                <a:solidFill>
+                  <a:schemeClr val="bg1"/>
+                </a:solidFill>
+                <a:cs typeface="Arial" pitchFamily="34" charset="0"/>
+              </a:rPr>
+              <a:t>Результаты тестирования метода непрерывной аутентификации</a:t>
+            </a:r>
           </a:p>
         </p:txBody>
       </p:sp>
@@ -50227,7 +50255,7 @@
                   <a:schemeClr val="tx1"/>
                 </a:solidFill>
               </a:rPr>
-              <a:t> из 14</a:t>
+              <a:t> из 17</a:t>
             </a:r>
           </a:p>
         </p:txBody>
@@ -50289,8 +50317,8 @@
         </p:nvSpPr>
         <p:spPr>
           <a:xfrm>
-            <a:off x="390796" y="1475202"/>
-            <a:ext cx="8424936" cy="4116768"/>
+            <a:off x="359532" y="1271927"/>
+            <a:ext cx="8424936" cy="4486100"/>
           </a:xfrm>
           <a:prstGeom prst="rect">
             <a:avLst/>
@@ -50312,7 +50340,7 @@
             </a:pPr>
             <a:r>
               <a:rPr lang="ru-RU" sz="1600" dirty="0"/>
-              <a:t>Предложен метод аутентификации по поведенческой биометрии на основе нескольких поведенческих характеристик</a:t>
+              <a:t>Предложен метод непрерывной аутентификации по поведенческой биометрии на основе нескольких поведенческих характеристик</a:t>
             </a:r>
           </a:p>
           <a:p>
@@ -50325,7 +50353,7 @@
             </a:pPr>
             <a:r>
               <a:rPr lang="ru-RU" sz="1600" dirty="0"/>
-              <a:t>Разработано приложение для сбора данных </a:t>
+              <a:t>Разработано приложение для сбора данных и проведён сбор данных с помощью 8 добровольцев</a:t>
             </a:r>
           </a:p>
           <a:p>
@@ -50338,33 +50366,9 @@
             </a:pPr>
             <a:r>
               <a:rPr lang="ru-RU" sz="1600" dirty="0"/>
-              <a:t>Проведён сбор данных с помощью 8 добровольцев</a:t>
+              <a:t>Сформированы признаки на основе полученных данных</a:t>
             </a:r>
-          </a:p>
-          <a:p>
-            <a:pPr marL="449263" indent="-449263">
-              <a:lnSpc>
-                <a:spcPct val="150000"/>
-              </a:lnSpc>
-              <a:buFont typeface="Arial" pitchFamily="34" charset="0"/>
-              <a:buChar char="•"/>
-            </a:pPr>
-            <a:r>
-              <a:rPr lang="ru-RU" sz="1600" dirty="0"/>
-              <a:t>Сформированы признаки для модулей </a:t>
-            </a:r>
-            <a:r>
-              <a:rPr lang="en-US" sz="1600" dirty="0"/>
-              <a:t>LOCATION, WIFI</a:t>
-            </a:r>
-            <a:r>
-              <a:rPr lang="ru-RU" sz="1600" dirty="0"/>
-              <a:t> и</a:t>
-            </a:r>
-            <a:r>
-              <a:rPr lang="en-US" sz="1600" dirty="0"/>
-              <a:t> BT</a:t>
-            </a:r>
+            <a:endParaRPr lang="en-US" sz="1600" dirty="0"/>
           </a:p>
           <a:p>
             <a:pPr marL="449263" indent="-449263">
@@ -50416,6 +50420,19 @@
             <a:r>
               <a:rPr lang="ru-RU" sz="1600" dirty="0"/>
               <a:t>Разработана схема формирования выборок и тестирования метода непрерывной аутентификации</a:t>
+            </a:r>
+          </a:p>
+          <a:p>
+            <a:pPr marL="449263" indent="-449263">
+              <a:lnSpc>
+                <a:spcPct val="150000"/>
+              </a:lnSpc>
+              <a:buFont typeface="Arial" pitchFamily="34" charset="0"/>
+              <a:buChar char="•"/>
+            </a:pPr>
+            <a:r>
+              <a:rPr lang="ru-RU" sz="1600" dirty="0"/>
+              <a:t>Проведено тестирование предложенного метода</a:t>
             </a:r>
           </a:p>
         </p:txBody>
@@ -50708,7 +50725,7 @@
                   <a:schemeClr val="tx1"/>
                 </a:solidFill>
               </a:rPr>
-              <a:t> из 14</a:t>
+              <a:t> из 17</a:t>
             </a:r>
           </a:p>
         </p:txBody>
@@ -51317,7 +51334,7 @@
                   <a:schemeClr val="tx1"/>
                 </a:solidFill>
               </a:rPr>
-              <a:t> из 14</a:t>
+              <a:t> из 17</a:t>
             </a:r>
           </a:p>
         </p:txBody>
@@ -51758,7 +51775,7 @@
                   <a:schemeClr val="tx1"/>
                 </a:solidFill>
               </a:rPr>
-              <a:t> из 14</a:t>
+              <a:t> из 17</a:t>
             </a:r>
           </a:p>
         </p:txBody>
@@ -52235,7 +52252,7 @@
                   <a:schemeClr val="tx1"/>
                 </a:solidFill>
               </a:rPr>
-              <a:t> из 14</a:t>
+              <a:t> из 17</a:t>
             </a:r>
           </a:p>
         </p:txBody>
@@ -52849,7 +52866,7 @@
                   <a:schemeClr val="tx1"/>
                 </a:solidFill>
               </a:rPr>
-              <a:t> из 14</a:t>
+              <a:t> из 17</a:t>
             </a:r>
           </a:p>
         </p:txBody>
@@ -53720,7 +53737,7 @@
                   <a:schemeClr val="tx1"/>
                 </a:solidFill>
               </a:rPr>
-              <a:t> из 14</a:t>
+              <a:t> из 17</a:t>
             </a:r>
           </a:p>
         </p:txBody>
@@ -54342,7 +54359,7 @@
                   <a:schemeClr val="tx1"/>
                 </a:solidFill>
               </a:rPr>
-              <a:t> из 14</a:t>
+              <a:t> из 17</a:t>
             </a:r>
           </a:p>
         </p:txBody>
@@ -54776,7 +54793,7 @@
                   <a:schemeClr val="tx1"/>
                 </a:solidFill>
               </a:rPr>
-              <a:t> из 14</a:t>
+              <a:t> из 17</a:t>
             </a:r>
           </a:p>
         </p:txBody>

--- a/thesis_presentation.pptx
+++ b/thesis_presentation.pptx
@@ -5,7 +5,7 @@
     <p:sldMasterId id="2147483648" r:id="rId1"/>
   </p:sldMasterIdLst>
   <p:notesMasterIdLst>
-    <p:notesMasterId r:id="rId19"/>
+    <p:notesMasterId r:id="rId18"/>
   </p:notesMasterIdLst>
   <p:sldIdLst>
     <p:sldId id="256" r:id="rId2"/>
@@ -16,15 +16,14 @@
     <p:sldId id="309" r:id="rId7"/>
     <p:sldId id="314" r:id="rId8"/>
     <p:sldId id="310" r:id="rId9"/>
-    <p:sldId id="317" r:id="rId10"/>
-    <p:sldId id="318" r:id="rId11"/>
-    <p:sldId id="319" r:id="rId12"/>
-    <p:sldId id="321" r:id="rId13"/>
-    <p:sldId id="322" r:id="rId14"/>
-    <p:sldId id="323" r:id="rId15"/>
-    <p:sldId id="325" r:id="rId16"/>
-    <p:sldId id="326" r:id="rId17"/>
-    <p:sldId id="279" r:id="rId18"/>
+    <p:sldId id="318" r:id="rId10"/>
+    <p:sldId id="319" r:id="rId11"/>
+    <p:sldId id="321" r:id="rId12"/>
+    <p:sldId id="322" r:id="rId13"/>
+    <p:sldId id="323" r:id="rId14"/>
+    <p:sldId id="325" r:id="rId15"/>
+    <p:sldId id="326" r:id="rId16"/>
+    <p:sldId id="279" r:id="rId17"/>
   </p:sldIdLst>
   <p:sldSz cx="9144000" cy="6858000" type="screen4x3"/>
   <p:notesSz cx="6858000" cy="9144000"/>
@@ -9451,753 +9450,6 @@
 </dgm:colorsDef>
 </file>
 
-<file path=ppt/diagrams/colors11.xml><?xml version="1.0" encoding="utf-8"?>
-<dgm:colorsDef xmlns:dgm="http://schemas.openxmlformats.org/drawingml/2006/diagram" xmlns:a="http://schemas.openxmlformats.org/drawingml/2006/main" uniqueId="urn:microsoft.com/office/officeart/2005/8/colors/accent1_2">
-  <dgm:title val=""/>
-  <dgm:desc val=""/>
-  <dgm:catLst>
-    <dgm:cat type="accent1" pri="11200"/>
-  </dgm:catLst>
-  <dgm:styleLbl name="node0">
-    <dgm:fillClrLst meth="repeat">
-      <a:schemeClr val="accent1"/>
-    </dgm:fillClrLst>
-    <dgm:linClrLst meth="repeat">
-      <a:schemeClr val="lt1"/>
-    </dgm:linClrLst>
-    <dgm:effectClrLst/>
-    <dgm:txLinClrLst/>
-    <dgm:txFillClrLst/>
-    <dgm:txEffectClrLst/>
-  </dgm:styleLbl>
-  <dgm:styleLbl name="alignNode1">
-    <dgm:fillClrLst meth="repeat">
-      <a:schemeClr val="accent1"/>
-    </dgm:fillClrLst>
-    <dgm:linClrLst meth="repeat">
-      <a:schemeClr val="accent1"/>
-    </dgm:linClrLst>
-    <dgm:effectClrLst/>
-    <dgm:txLinClrLst/>
-    <dgm:txFillClrLst/>
-    <dgm:txEffectClrLst/>
-  </dgm:styleLbl>
-  <dgm:styleLbl name="node1">
-    <dgm:fillClrLst meth="repeat">
-      <a:schemeClr val="accent1"/>
-    </dgm:fillClrLst>
-    <dgm:linClrLst meth="repeat">
-      <a:schemeClr val="lt1"/>
-    </dgm:linClrLst>
-    <dgm:effectClrLst/>
-    <dgm:txLinClrLst/>
-    <dgm:txFillClrLst/>
-    <dgm:txEffectClrLst/>
-  </dgm:styleLbl>
-  <dgm:styleLbl name="lnNode1">
-    <dgm:fillClrLst meth="repeat">
-      <a:schemeClr val="accent1"/>
-    </dgm:fillClrLst>
-    <dgm:linClrLst meth="repeat">
-      <a:schemeClr val="lt1"/>
-    </dgm:linClrLst>
-    <dgm:effectClrLst/>
-    <dgm:txLinClrLst/>
-    <dgm:txFillClrLst/>
-    <dgm:txEffectClrLst/>
-  </dgm:styleLbl>
-  <dgm:styleLbl name="vennNode1">
-    <dgm:fillClrLst meth="repeat">
-      <a:schemeClr val="accent1">
-        <a:alpha val="50000"/>
-      </a:schemeClr>
-    </dgm:fillClrLst>
-    <dgm:linClrLst meth="repeat">
-      <a:schemeClr val="lt1"/>
-    </dgm:linClrLst>
-    <dgm:effectClrLst/>
-    <dgm:txLinClrLst/>
-    <dgm:txFillClrLst/>
-    <dgm:txEffectClrLst/>
-  </dgm:styleLbl>
-  <dgm:styleLbl name="node2">
-    <dgm:fillClrLst meth="repeat">
-      <a:schemeClr val="accent1"/>
-    </dgm:fillClrLst>
-    <dgm:linClrLst meth="repeat">
-      <a:schemeClr val="lt1"/>
-    </dgm:linClrLst>
-    <dgm:effectClrLst/>
-    <dgm:txLinClrLst/>
-    <dgm:txFillClrLst/>
-    <dgm:txEffectClrLst/>
-  </dgm:styleLbl>
-  <dgm:styleLbl name="node3">
-    <dgm:fillClrLst meth="repeat">
-      <a:schemeClr val="accent1"/>
-    </dgm:fillClrLst>
-    <dgm:linClrLst meth="repeat">
-      <a:schemeClr val="lt1"/>
-    </dgm:linClrLst>
-    <dgm:effectClrLst/>
-    <dgm:txLinClrLst/>
-    <dgm:txFillClrLst/>
-    <dgm:txEffectClrLst/>
-  </dgm:styleLbl>
-  <dgm:styleLbl name="node4">
-    <dgm:fillClrLst meth="repeat">
-      <a:schemeClr val="accent1"/>
-    </dgm:fillClrLst>
-    <dgm:linClrLst meth="repeat">
-      <a:schemeClr val="lt1"/>
-    </dgm:linClrLst>
-    <dgm:effectClrLst/>
-    <dgm:txLinClrLst/>
-    <dgm:txFillClrLst/>
-    <dgm:txEffectClrLst/>
-  </dgm:styleLbl>
-  <dgm:styleLbl name="fgImgPlace1">
-    <dgm:fillClrLst meth="repeat">
-      <a:schemeClr val="accent1">
-        <a:tint val="50000"/>
-      </a:schemeClr>
-    </dgm:fillClrLst>
-    <dgm:linClrLst meth="repeat">
-      <a:schemeClr val="lt1"/>
-    </dgm:linClrLst>
-    <dgm:effectClrLst/>
-    <dgm:txLinClrLst/>
-    <dgm:txFillClrLst meth="repeat">
-      <a:schemeClr val="lt1"/>
-    </dgm:txFillClrLst>
-    <dgm:txEffectClrLst/>
-  </dgm:styleLbl>
-  <dgm:styleLbl name="alignImgPlace1">
-    <dgm:fillClrLst meth="repeat">
-      <a:schemeClr val="accent1">
-        <a:tint val="50000"/>
-      </a:schemeClr>
-    </dgm:fillClrLst>
-    <dgm:linClrLst meth="repeat">
-      <a:schemeClr val="lt1"/>
-    </dgm:linClrLst>
-    <dgm:effectClrLst/>
-    <dgm:txLinClrLst/>
-    <dgm:txFillClrLst meth="repeat">
-      <a:schemeClr val="lt1"/>
-    </dgm:txFillClrLst>
-    <dgm:txEffectClrLst/>
-  </dgm:styleLbl>
-  <dgm:styleLbl name="bgImgPlace1">
-    <dgm:fillClrLst meth="repeat">
-      <a:schemeClr val="accent1">
-        <a:tint val="50000"/>
-      </a:schemeClr>
-    </dgm:fillClrLst>
-    <dgm:linClrLst meth="repeat">
-      <a:schemeClr val="lt1"/>
-    </dgm:linClrLst>
-    <dgm:effectClrLst/>
-    <dgm:txLinClrLst/>
-    <dgm:txFillClrLst meth="repeat">
-      <a:schemeClr val="lt1"/>
-    </dgm:txFillClrLst>
-    <dgm:txEffectClrLst/>
-  </dgm:styleLbl>
-  <dgm:styleLbl name="sibTrans2D1">
-    <dgm:fillClrLst meth="repeat">
-      <a:schemeClr val="accent1">
-        <a:tint val="60000"/>
-      </a:schemeClr>
-    </dgm:fillClrLst>
-    <dgm:linClrLst meth="repeat">
-      <a:schemeClr val="accent1">
-        <a:tint val="60000"/>
-      </a:schemeClr>
-    </dgm:linClrLst>
-    <dgm:effectClrLst/>
-    <dgm:txLinClrLst/>
-    <dgm:txFillClrLst/>
-    <dgm:txEffectClrLst/>
-  </dgm:styleLbl>
-  <dgm:styleLbl name="fgSibTrans2D1">
-    <dgm:fillClrLst meth="repeat">
-      <a:schemeClr val="accent1">
-        <a:tint val="60000"/>
-      </a:schemeClr>
-    </dgm:fillClrLst>
-    <dgm:linClrLst meth="repeat">
-      <a:schemeClr val="accent1">
-        <a:tint val="60000"/>
-      </a:schemeClr>
-    </dgm:linClrLst>
-    <dgm:effectClrLst/>
-    <dgm:txLinClrLst/>
-    <dgm:txFillClrLst/>
-    <dgm:txEffectClrLst/>
-  </dgm:styleLbl>
-  <dgm:styleLbl name="bgSibTrans2D1">
-    <dgm:fillClrLst meth="repeat">
-      <a:schemeClr val="accent1">
-        <a:tint val="60000"/>
-      </a:schemeClr>
-    </dgm:fillClrLst>
-    <dgm:linClrLst meth="repeat">
-      <a:schemeClr val="accent1">
-        <a:tint val="60000"/>
-      </a:schemeClr>
-    </dgm:linClrLst>
-    <dgm:effectClrLst/>
-    <dgm:txLinClrLst/>
-    <dgm:txFillClrLst/>
-    <dgm:txEffectClrLst/>
-  </dgm:styleLbl>
-  <dgm:styleLbl name="sibTrans1D1">
-    <dgm:fillClrLst meth="repeat">
-      <a:schemeClr val="accent1"/>
-    </dgm:fillClrLst>
-    <dgm:linClrLst meth="repeat">
-      <a:schemeClr val="accent1"/>
-    </dgm:linClrLst>
-    <dgm:effectClrLst/>
-    <dgm:txLinClrLst/>
-    <dgm:txFillClrLst meth="repeat">
-      <a:schemeClr val="tx1"/>
-    </dgm:txFillClrLst>
-    <dgm:txEffectClrLst/>
-  </dgm:styleLbl>
-  <dgm:styleLbl name="callout">
-    <dgm:fillClrLst meth="repeat">
-      <a:schemeClr val="accent1"/>
-    </dgm:fillClrLst>
-    <dgm:linClrLst meth="repeat">
-      <a:schemeClr val="accent1">
-        <a:tint val="50000"/>
-      </a:schemeClr>
-    </dgm:linClrLst>
-    <dgm:effectClrLst/>
-    <dgm:txLinClrLst/>
-    <dgm:txFillClrLst meth="repeat">
-      <a:schemeClr val="tx1"/>
-    </dgm:txFillClrLst>
-    <dgm:txEffectClrLst/>
-  </dgm:styleLbl>
-  <dgm:styleLbl name="asst0">
-    <dgm:fillClrLst meth="repeat">
-      <a:schemeClr val="accent1"/>
-    </dgm:fillClrLst>
-    <dgm:linClrLst meth="repeat">
-      <a:schemeClr val="lt1"/>
-    </dgm:linClrLst>
-    <dgm:effectClrLst/>
-    <dgm:txLinClrLst/>
-    <dgm:txFillClrLst/>
-    <dgm:txEffectClrLst/>
-  </dgm:styleLbl>
-  <dgm:styleLbl name="asst1">
-    <dgm:fillClrLst meth="repeat">
-      <a:schemeClr val="accent1"/>
-    </dgm:fillClrLst>
-    <dgm:linClrLst meth="repeat">
-      <a:schemeClr val="lt1"/>
-    </dgm:linClrLst>
-    <dgm:effectClrLst/>
-    <dgm:txLinClrLst/>
-    <dgm:txFillClrLst/>
-    <dgm:txEffectClrLst/>
-  </dgm:styleLbl>
-  <dgm:styleLbl name="asst2">
-    <dgm:fillClrLst meth="repeat">
-      <a:schemeClr val="accent1"/>
-    </dgm:fillClrLst>
-    <dgm:linClrLst meth="repeat">
-      <a:schemeClr val="lt1"/>
-    </dgm:linClrLst>
-    <dgm:effectClrLst/>
-    <dgm:txLinClrLst/>
-    <dgm:txFillClrLst/>
-    <dgm:txEffectClrLst/>
-  </dgm:styleLbl>
-  <dgm:styleLbl name="asst3">
-    <dgm:fillClrLst meth="repeat">
-      <a:schemeClr val="accent1"/>
-    </dgm:fillClrLst>
-    <dgm:linClrLst meth="repeat">
-      <a:schemeClr val="lt1"/>
-    </dgm:linClrLst>
-    <dgm:effectClrLst/>
-    <dgm:txLinClrLst/>
-    <dgm:txFillClrLst/>
-    <dgm:txEffectClrLst/>
-  </dgm:styleLbl>
-  <dgm:styleLbl name="asst4">
-    <dgm:fillClrLst meth="repeat">
-      <a:schemeClr val="accent1"/>
-    </dgm:fillClrLst>
-    <dgm:linClrLst meth="repeat">
-      <a:schemeClr val="lt1"/>
-    </dgm:linClrLst>
-    <dgm:effectClrLst/>
-    <dgm:txLinClrLst/>
-    <dgm:txFillClrLst/>
-    <dgm:txEffectClrLst/>
-  </dgm:styleLbl>
-  <dgm:styleLbl name="parChTrans2D1">
-    <dgm:fillClrLst meth="repeat">
-      <a:schemeClr val="accent1">
-        <a:tint val="60000"/>
-      </a:schemeClr>
-    </dgm:fillClrLst>
-    <dgm:linClrLst meth="repeat">
-      <a:schemeClr val="accent1">
-        <a:tint val="60000"/>
-      </a:schemeClr>
-    </dgm:linClrLst>
-    <dgm:effectClrLst/>
-    <dgm:txLinClrLst/>
-    <dgm:txFillClrLst meth="repeat">
-      <a:schemeClr val="lt1"/>
-    </dgm:txFillClrLst>
-    <dgm:txEffectClrLst/>
-  </dgm:styleLbl>
-  <dgm:styleLbl name="parChTrans2D2">
-    <dgm:fillClrLst meth="repeat">
-      <a:schemeClr val="accent1"/>
-    </dgm:fillClrLst>
-    <dgm:linClrLst meth="repeat">
-      <a:schemeClr val="accent1"/>
-    </dgm:linClrLst>
-    <dgm:effectClrLst/>
-    <dgm:txLinClrLst/>
-    <dgm:txFillClrLst meth="repeat">
-      <a:schemeClr val="lt1"/>
-    </dgm:txFillClrLst>
-    <dgm:txEffectClrLst/>
-  </dgm:styleLbl>
-  <dgm:styleLbl name="parChTrans2D3">
-    <dgm:fillClrLst meth="repeat">
-      <a:schemeClr val="accent1"/>
-    </dgm:fillClrLst>
-    <dgm:linClrLst meth="repeat">
-      <a:schemeClr val="accent1"/>
-    </dgm:linClrLst>
-    <dgm:effectClrLst/>
-    <dgm:txLinClrLst/>
-    <dgm:txFillClrLst meth="repeat">
-      <a:schemeClr val="lt1"/>
-    </dgm:txFillClrLst>
-    <dgm:txEffectClrLst/>
-  </dgm:styleLbl>
-  <dgm:styleLbl name="parChTrans2D4">
-    <dgm:fillClrLst meth="repeat">
-      <a:schemeClr val="accent1"/>
-    </dgm:fillClrLst>
-    <dgm:linClrLst meth="repeat">
-      <a:schemeClr val="accent1"/>
-    </dgm:linClrLst>
-    <dgm:effectClrLst/>
-    <dgm:txLinClrLst/>
-    <dgm:txFillClrLst meth="repeat">
-      <a:schemeClr val="lt1"/>
-    </dgm:txFillClrLst>
-    <dgm:txEffectClrLst/>
-  </dgm:styleLbl>
-  <dgm:styleLbl name="parChTrans1D1">
-    <dgm:fillClrLst meth="repeat">
-      <a:schemeClr val="accent1"/>
-    </dgm:fillClrLst>
-    <dgm:linClrLst meth="repeat">
-      <a:schemeClr val="accent1">
-        <a:shade val="60000"/>
-      </a:schemeClr>
-    </dgm:linClrLst>
-    <dgm:effectClrLst/>
-    <dgm:txLinClrLst/>
-    <dgm:txFillClrLst meth="repeat">
-      <a:schemeClr val="tx1"/>
-    </dgm:txFillClrLst>
-    <dgm:txEffectClrLst/>
-  </dgm:styleLbl>
-  <dgm:styleLbl name="parChTrans1D2">
-    <dgm:fillClrLst meth="repeat">
-      <a:schemeClr val="accent1"/>
-    </dgm:fillClrLst>
-    <dgm:linClrLst meth="repeat">
-      <a:schemeClr val="accent1">
-        <a:shade val="60000"/>
-      </a:schemeClr>
-    </dgm:linClrLst>
-    <dgm:effectClrLst/>
-    <dgm:txLinClrLst/>
-    <dgm:txFillClrLst meth="repeat">
-      <a:schemeClr val="tx1"/>
-    </dgm:txFillClrLst>
-    <dgm:txEffectClrLst/>
-  </dgm:styleLbl>
-  <dgm:styleLbl name="parChTrans1D3">
-    <dgm:fillClrLst meth="repeat">
-      <a:schemeClr val="accent1"/>
-    </dgm:fillClrLst>
-    <dgm:linClrLst meth="repeat">
-      <a:schemeClr val="accent1">
-        <a:shade val="80000"/>
-      </a:schemeClr>
-    </dgm:linClrLst>
-    <dgm:effectClrLst/>
-    <dgm:txLinClrLst/>
-    <dgm:txFillClrLst meth="repeat">
-      <a:schemeClr val="tx1"/>
-    </dgm:txFillClrLst>
-    <dgm:txEffectClrLst/>
-  </dgm:styleLbl>
-  <dgm:styleLbl name="parChTrans1D4">
-    <dgm:fillClrLst meth="repeat">
-      <a:schemeClr val="accent1"/>
-    </dgm:fillClrLst>
-    <dgm:linClrLst meth="repeat">
-      <a:schemeClr val="accent1">
-        <a:shade val="80000"/>
-      </a:schemeClr>
-    </dgm:linClrLst>
-    <dgm:effectClrLst/>
-    <dgm:txLinClrLst/>
-    <dgm:txFillClrLst meth="repeat">
-      <a:schemeClr val="tx1"/>
-    </dgm:txFillClrLst>
-    <dgm:txEffectClrLst/>
-  </dgm:styleLbl>
-  <dgm:styleLbl name="fgAcc1">
-    <dgm:fillClrLst meth="repeat">
-      <a:schemeClr val="lt1">
-        <a:alpha val="90000"/>
-      </a:schemeClr>
-    </dgm:fillClrLst>
-    <dgm:linClrLst meth="repeat">
-      <a:schemeClr val="accent1"/>
-    </dgm:linClrLst>
-    <dgm:effectClrLst/>
-    <dgm:txLinClrLst/>
-    <dgm:txFillClrLst meth="repeat">
-      <a:schemeClr val="dk1"/>
-    </dgm:txFillClrLst>
-    <dgm:txEffectClrLst/>
-  </dgm:styleLbl>
-  <dgm:styleLbl name="conFgAcc1">
-    <dgm:fillClrLst meth="repeat">
-      <a:schemeClr val="lt1">
-        <a:alpha val="90000"/>
-      </a:schemeClr>
-    </dgm:fillClrLst>
-    <dgm:linClrLst meth="repeat">
-      <a:schemeClr val="accent1"/>
-    </dgm:linClrLst>
-    <dgm:effectClrLst/>
-    <dgm:txLinClrLst/>
-    <dgm:txFillClrLst meth="repeat">
-      <a:schemeClr val="dk1"/>
-    </dgm:txFillClrLst>
-    <dgm:txEffectClrLst/>
-  </dgm:styleLbl>
-  <dgm:styleLbl name="alignAcc1">
-    <dgm:fillClrLst meth="repeat">
-      <a:schemeClr val="lt1">
-        <a:alpha val="90000"/>
-      </a:schemeClr>
-    </dgm:fillClrLst>
-    <dgm:linClrLst meth="repeat">
-      <a:schemeClr val="accent1"/>
-    </dgm:linClrLst>
-    <dgm:effectClrLst/>
-    <dgm:txLinClrLst/>
-    <dgm:txFillClrLst meth="repeat">
-      <a:schemeClr val="dk1"/>
-    </dgm:txFillClrLst>
-    <dgm:txEffectClrLst/>
-  </dgm:styleLbl>
-  <dgm:styleLbl name="trAlignAcc1">
-    <dgm:fillClrLst meth="repeat">
-      <a:schemeClr val="lt1">
-        <a:alpha val="40000"/>
-      </a:schemeClr>
-    </dgm:fillClrLst>
-    <dgm:linClrLst meth="repeat">
-      <a:schemeClr val="accent1"/>
-    </dgm:linClrLst>
-    <dgm:effectClrLst/>
-    <dgm:txLinClrLst/>
-    <dgm:txFillClrLst meth="repeat">
-      <a:schemeClr val="dk1"/>
-    </dgm:txFillClrLst>
-    <dgm:txEffectClrLst/>
-  </dgm:styleLbl>
-  <dgm:styleLbl name="bgAcc1">
-    <dgm:fillClrLst meth="repeat">
-      <a:schemeClr val="lt1">
-        <a:alpha val="90000"/>
-      </a:schemeClr>
-    </dgm:fillClrLst>
-    <dgm:linClrLst meth="repeat">
-      <a:schemeClr val="accent1"/>
-    </dgm:linClrLst>
-    <dgm:effectClrLst/>
-    <dgm:txLinClrLst/>
-    <dgm:txFillClrLst meth="repeat">
-      <a:schemeClr val="dk1"/>
-    </dgm:txFillClrLst>
-    <dgm:txEffectClrLst/>
-  </dgm:styleLbl>
-  <dgm:styleLbl name="solidFgAcc1">
-    <dgm:fillClrLst meth="repeat">
-      <a:schemeClr val="lt1"/>
-    </dgm:fillClrLst>
-    <dgm:linClrLst meth="repeat">
-      <a:schemeClr val="accent1"/>
-    </dgm:linClrLst>
-    <dgm:effectClrLst/>
-    <dgm:txLinClrLst/>
-    <dgm:txFillClrLst meth="repeat">
-      <a:schemeClr val="dk1"/>
-    </dgm:txFillClrLst>
-    <dgm:txEffectClrLst/>
-  </dgm:styleLbl>
-  <dgm:styleLbl name="solidAlignAcc1">
-    <dgm:fillClrLst meth="repeat">
-      <a:schemeClr val="lt1"/>
-    </dgm:fillClrLst>
-    <dgm:linClrLst meth="repeat">
-      <a:schemeClr val="accent1"/>
-    </dgm:linClrLst>
-    <dgm:effectClrLst/>
-    <dgm:txLinClrLst/>
-    <dgm:txFillClrLst meth="repeat">
-      <a:schemeClr val="dk1"/>
-    </dgm:txFillClrLst>
-    <dgm:txEffectClrLst/>
-  </dgm:styleLbl>
-  <dgm:styleLbl name="solidBgAcc1">
-    <dgm:fillClrLst meth="repeat">
-      <a:schemeClr val="lt1"/>
-    </dgm:fillClrLst>
-    <dgm:linClrLst meth="repeat">
-      <a:schemeClr val="accent1"/>
-    </dgm:linClrLst>
-    <dgm:effectClrLst/>
-    <dgm:txLinClrLst/>
-    <dgm:txFillClrLst meth="repeat">
-      <a:schemeClr val="dk1"/>
-    </dgm:txFillClrLst>
-    <dgm:txEffectClrLst/>
-  </dgm:styleLbl>
-  <dgm:styleLbl name="fgAccFollowNode1">
-    <dgm:fillClrLst meth="repeat">
-      <a:schemeClr val="accent1">
-        <a:alpha val="90000"/>
-        <a:tint val="40000"/>
-      </a:schemeClr>
-    </dgm:fillClrLst>
-    <dgm:linClrLst meth="repeat">
-      <a:schemeClr val="accent1">
-        <a:alpha val="90000"/>
-        <a:tint val="40000"/>
-      </a:schemeClr>
-    </dgm:linClrLst>
-    <dgm:effectClrLst/>
-    <dgm:txLinClrLst/>
-    <dgm:txFillClrLst meth="repeat">
-      <a:schemeClr val="dk1"/>
-    </dgm:txFillClrLst>
-    <dgm:txEffectClrLst/>
-  </dgm:styleLbl>
-  <dgm:styleLbl name="alignAccFollowNode1">
-    <dgm:fillClrLst meth="repeat">
-      <a:schemeClr val="accent1">
-        <a:alpha val="90000"/>
-        <a:tint val="40000"/>
-      </a:schemeClr>
-    </dgm:fillClrLst>
-    <dgm:linClrLst meth="repeat">
-      <a:schemeClr val="accent1">
-        <a:alpha val="90000"/>
-        <a:tint val="40000"/>
-      </a:schemeClr>
-    </dgm:linClrLst>
-    <dgm:effectClrLst/>
-    <dgm:txLinClrLst/>
-    <dgm:txFillClrLst meth="repeat">
-      <a:schemeClr val="dk1"/>
-    </dgm:txFillClrLst>
-    <dgm:txEffectClrLst/>
-  </dgm:styleLbl>
-  <dgm:styleLbl name="bgAccFollowNode1">
-    <dgm:fillClrLst meth="repeat">
-      <a:schemeClr val="accent1">
-        <a:alpha val="90000"/>
-        <a:tint val="40000"/>
-      </a:schemeClr>
-    </dgm:fillClrLst>
-    <dgm:linClrLst meth="repeat">
-      <a:schemeClr val="accent1">
-        <a:alpha val="90000"/>
-        <a:tint val="40000"/>
-      </a:schemeClr>
-    </dgm:linClrLst>
-    <dgm:effectClrLst/>
-    <dgm:txLinClrLst/>
-    <dgm:txFillClrLst meth="repeat">
-      <a:schemeClr val="dk1"/>
-    </dgm:txFillClrLst>
-    <dgm:txEffectClrLst/>
-  </dgm:styleLbl>
-  <dgm:styleLbl name="fgAcc0">
-    <dgm:fillClrLst meth="repeat">
-      <a:schemeClr val="lt1">
-        <a:alpha val="90000"/>
-      </a:schemeClr>
-    </dgm:fillClrLst>
-    <dgm:linClrLst meth="repeat">
-      <a:schemeClr val="accent1"/>
-    </dgm:linClrLst>
-    <dgm:effectClrLst/>
-    <dgm:txLinClrLst/>
-    <dgm:txFillClrLst meth="repeat">
-      <a:schemeClr val="dk1"/>
-    </dgm:txFillClrLst>
-    <dgm:txEffectClrLst/>
-  </dgm:styleLbl>
-  <dgm:styleLbl name="fgAcc2">
-    <dgm:fillClrLst meth="repeat">
-      <a:schemeClr val="lt1">
-        <a:alpha val="90000"/>
-      </a:schemeClr>
-    </dgm:fillClrLst>
-    <dgm:linClrLst meth="repeat">
-      <a:schemeClr val="accent1"/>
-    </dgm:linClrLst>
-    <dgm:effectClrLst/>
-    <dgm:txLinClrLst/>
-    <dgm:txFillClrLst meth="repeat">
-      <a:schemeClr val="dk1"/>
-    </dgm:txFillClrLst>
-    <dgm:txEffectClrLst/>
-  </dgm:styleLbl>
-  <dgm:styleLbl name="fgAcc3">
-    <dgm:fillClrLst meth="repeat">
-      <a:schemeClr val="lt1">
-        <a:alpha val="90000"/>
-      </a:schemeClr>
-    </dgm:fillClrLst>
-    <dgm:linClrLst meth="repeat">
-      <a:schemeClr val="accent1"/>
-    </dgm:linClrLst>
-    <dgm:effectClrLst/>
-    <dgm:txLinClrLst/>
-    <dgm:txFillClrLst meth="repeat">
-      <a:schemeClr val="dk1"/>
-    </dgm:txFillClrLst>
-    <dgm:txEffectClrLst/>
-  </dgm:styleLbl>
-  <dgm:styleLbl name="fgAcc4">
-    <dgm:fillClrLst meth="repeat">
-      <a:schemeClr val="lt1">
-        <a:alpha val="90000"/>
-      </a:schemeClr>
-    </dgm:fillClrLst>
-    <dgm:linClrLst meth="repeat">
-      <a:schemeClr val="accent1"/>
-    </dgm:linClrLst>
-    <dgm:effectClrLst/>
-    <dgm:txLinClrLst/>
-    <dgm:txFillClrLst meth="repeat">
-      <a:schemeClr val="dk1"/>
-    </dgm:txFillClrLst>
-    <dgm:txEffectClrLst/>
-  </dgm:styleLbl>
-  <dgm:styleLbl name="bgShp">
-    <dgm:fillClrLst meth="repeat">
-      <a:schemeClr val="accent1">
-        <a:tint val="40000"/>
-      </a:schemeClr>
-    </dgm:fillClrLst>
-    <dgm:linClrLst meth="repeat">
-      <a:schemeClr val="accent1"/>
-    </dgm:linClrLst>
-    <dgm:effectClrLst/>
-    <dgm:txLinClrLst/>
-    <dgm:txFillClrLst meth="repeat">
-      <a:schemeClr val="dk1"/>
-    </dgm:txFillClrLst>
-    <dgm:txEffectClrLst/>
-  </dgm:styleLbl>
-  <dgm:styleLbl name="dkBgShp">
-    <dgm:fillClrLst meth="repeat">
-      <a:schemeClr val="accent1">
-        <a:shade val="80000"/>
-      </a:schemeClr>
-    </dgm:fillClrLst>
-    <dgm:linClrLst meth="repeat">
-      <a:schemeClr val="accent1"/>
-    </dgm:linClrLst>
-    <dgm:effectClrLst/>
-    <dgm:txLinClrLst/>
-    <dgm:txFillClrLst meth="repeat">
-      <a:schemeClr val="lt1"/>
-    </dgm:txFillClrLst>
-    <dgm:txEffectClrLst/>
-  </dgm:styleLbl>
-  <dgm:styleLbl name="trBgShp">
-    <dgm:fillClrLst meth="repeat">
-      <a:schemeClr val="accent1">
-        <a:tint val="50000"/>
-        <a:alpha val="40000"/>
-      </a:schemeClr>
-    </dgm:fillClrLst>
-    <dgm:linClrLst meth="repeat">
-      <a:schemeClr val="accent1"/>
-    </dgm:linClrLst>
-    <dgm:effectClrLst/>
-    <dgm:txLinClrLst/>
-    <dgm:txFillClrLst meth="repeat">
-      <a:schemeClr val="lt1"/>
-    </dgm:txFillClrLst>
-    <dgm:txEffectClrLst/>
-  </dgm:styleLbl>
-  <dgm:styleLbl name="fgShp">
-    <dgm:fillClrLst meth="repeat">
-      <a:schemeClr val="accent1">
-        <a:tint val="60000"/>
-      </a:schemeClr>
-    </dgm:fillClrLst>
-    <dgm:linClrLst meth="repeat">
-      <a:schemeClr val="lt1"/>
-    </dgm:linClrLst>
-    <dgm:effectClrLst/>
-    <dgm:txLinClrLst/>
-    <dgm:txFillClrLst meth="repeat">
-      <a:schemeClr val="dk1"/>
-    </dgm:txFillClrLst>
-    <dgm:txEffectClrLst/>
-  </dgm:styleLbl>
-  <dgm:styleLbl name="revTx">
-    <dgm:fillClrLst meth="repeat">
-      <a:schemeClr val="lt1">
-        <a:alpha val="0"/>
-      </a:schemeClr>
-    </dgm:fillClrLst>
-    <dgm:linClrLst meth="repeat">
-      <a:schemeClr val="dk1">
-        <a:alpha val="0"/>
-      </a:schemeClr>
-    </dgm:linClrLst>
-    <dgm:effectClrLst/>
-    <dgm:txLinClrLst/>
-    <dgm:txFillClrLst meth="repeat">
-      <a:schemeClr val="tx1"/>
-    </dgm:txFillClrLst>
-    <dgm:txEffectClrLst/>
-  </dgm:styleLbl>
-</dgm:colorsDef>
-</file>
-
 <file path=ppt/diagrams/colors2.xml><?xml version="1.0" encoding="utf-8"?>
 <dgm:colorsDef xmlns:dgm="http://schemas.openxmlformats.org/drawingml/2006/diagram" xmlns:a="http://schemas.openxmlformats.org/drawingml/2006/main" uniqueId="urn:microsoft.com/office/officeart/2005/8/colors/accent2_2">
   <dgm:title val=""/>
@@ -16445,534 +15697,6 @@
 </file>
 
 <file path=ppt/diagrams/data10.xml><?xml version="1.0" encoding="utf-8"?>
-<dgm:dataModel xmlns:dgm="http://schemas.openxmlformats.org/drawingml/2006/diagram" xmlns:a="http://schemas.openxmlformats.org/drawingml/2006/main">
-  <dgm:ptLst>
-    <dgm:pt modelId="{3ECED9D6-2BE4-416D-B3A4-B9135F81C50F}" type="doc">
-      <dgm:prSet loTypeId="urn:microsoft.com/office/officeart/2005/8/layout/hList1" loCatId="list" qsTypeId="urn:microsoft.com/office/officeart/2005/8/quickstyle/simple1" qsCatId="simple" csTypeId="urn:microsoft.com/office/officeart/2005/8/colors/accent1_2" csCatId="accent1" phldr="1"/>
-      <dgm:spPr/>
-      <dgm:t>
-        <a:bodyPr/>
-        <a:lstStyle/>
-        <a:p>
-          <a:endParaRPr lang="ru-RU"/>
-        </a:p>
-      </dgm:t>
-    </dgm:pt>
-    <dgm:pt modelId="{E78E9921-0E56-4EF7-843D-D0DFEF8632DB}">
-      <dgm:prSet phldrT="[Текст]"/>
-      <dgm:spPr/>
-      <dgm:t>
-        <a:bodyPr/>
-        <a:lstStyle/>
-        <a:p>
-          <a:r>
-            <a:rPr lang="en-US" dirty="0"/>
-            <a:t>I </a:t>
-          </a:r>
-          <a:r>
-            <a:rPr lang="ru-RU" dirty="0"/>
-            <a:t>этап</a:t>
-          </a:r>
-        </a:p>
-      </dgm:t>
-    </dgm:pt>
-    <dgm:pt modelId="{F1B5A807-B2F4-42EC-9544-2735F941BFC2}" type="parTrans" cxnId="{E7466B8A-94A1-41A5-8F34-CED1DAA57258}">
-      <dgm:prSet/>
-      <dgm:spPr/>
-      <dgm:t>
-        <a:bodyPr/>
-        <a:lstStyle/>
-        <a:p>
-          <a:endParaRPr lang="ru-RU"/>
-        </a:p>
-      </dgm:t>
-    </dgm:pt>
-    <dgm:pt modelId="{4934E30E-ECA2-4FC4-81AA-A3DD61B66C7A}" type="sibTrans" cxnId="{E7466B8A-94A1-41A5-8F34-CED1DAA57258}">
-      <dgm:prSet/>
-      <dgm:spPr/>
-      <dgm:t>
-        <a:bodyPr/>
-        <a:lstStyle/>
-        <a:p>
-          <a:endParaRPr lang="ru-RU"/>
-        </a:p>
-      </dgm:t>
-    </dgm:pt>
-    <dgm:pt modelId="{636179B6-AE00-48FF-B8C7-44BAD7DE8451}">
-      <dgm:prSet phldrT="[Текст]"/>
-      <dgm:spPr/>
-      <dgm:t>
-        <a:bodyPr/>
-        <a:lstStyle/>
-        <a:p>
-          <a:r>
-            <a:rPr lang="ru-RU" b="1" dirty="0"/>
-            <a:t>Кросс-валидация</a:t>
-          </a:r>
-        </a:p>
-      </dgm:t>
-    </dgm:pt>
-    <dgm:pt modelId="{6BCDEC2D-F51F-4DEF-8EC0-BCFF676312D6}" type="parTrans" cxnId="{39492665-5CA7-48BD-9781-A09BD0A3DEE7}">
-      <dgm:prSet/>
-      <dgm:spPr/>
-      <dgm:t>
-        <a:bodyPr/>
-        <a:lstStyle/>
-        <a:p>
-          <a:endParaRPr lang="ru-RU"/>
-        </a:p>
-      </dgm:t>
-    </dgm:pt>
-    <dgm:pt modelId="{4D12FA0E-0530-40A8-8697-D4E91CF66FB7}" type="sibTrans" cxnId="{39492665-5CA7-48BD-9781-A09BD0A3DEE7}">
-      <dgm:prSet/>
-      <dgm:spPr/>
-      <dgm:t>
-        <a:bodyPr/>
-        <a:lstStyle/>
-        <a:p>
-          <a:endParaRPr lang="ru-RU"/>
-        </a:p>
-      </dgm:t>
-    </dgm:pt>
-    <dgm:pt modelId="{816322D4-06FF-4E52-8322-7250E62F33AC}">
-      <dgm:prSet phldrT="[Текст]"/>
-      <dgm:spPr/>
-      <dgm:t>
-        <a:bodyPr/>
-        <a:lstStyle/>
-        <a:p>
-          <a:r>
-            <a:rPr lang="ru-RU" dirty="0"/>
-            <a:t>Один пользователь выбирается легальным</a:t>
-          </a:r>
-        </a:p>
-      </dgm:t>
-    </dgm:pt>
-    <dgm:pt modelId="{A7BB66AF-6816-4F1D-A106-D340055BA447}" type="parTrans" cxnId="{BAB8218D-3489-4DFA-80FB-10A25730AD17}">
-      <dgm:prSet/>
-      <dgm:spPr/>
-      <dgm:t>
-        <a:bodyPr/>
-        <a:lstStyle/>
-        <a:p>
-          <a:endParaRPr lang="ru-RU"/>
-        </a:p>
-      </dgm:t>
-    </dgm:pt>
-    <dgm:pt modelId="{CF5889F9-6EEC-4E30-AE8F-CBF538352068}" type="sibTrans" cxnId="{BAB8218D-3489-4DFA-80FB-10A25730AD17}">
-      <dgm:prSet/>
-      <dgm:spPr/>
-      <dgm:t>
-        <a:bodyPr/>
-        <a:lstStyle/>
-        <a:p>
-          <a:endParaRPr lang="ru-RU"/>
-        </a:p>
-      </dgm:t>
-    </dgm:pt>
-    <dgm:pt modelId="{B0899CC7-AA0E-4862-A8F4-A3D2ACFB5409}">
-      <dgm:prSet phldrT="[Текст]"/>
-      <dgm:spPr/>
-      <dgm:t>
-        <a:bodyPr/>
-        <a:lstStyle/>
-        <a:p>
-          <a:r>
-            <a:rPr lang="en-US" dirty="0"/>
-            <a:t>II </a:t>
-          </a:r>
-          <a:r>
-            <a:rPr lang="ru-RU" dirty="0"/>
-            <a:t>этап</a:t>
-          </a:r>
-        </a:p>
-      </dgm:t>
-    </dgm:pt>
-    <dgm:pt modelId="{FA55D24F-E14B-4E89-BF25-9B83EB6E584B}" type="parTrans" cxnId="{3494EA2C-2C51-4C2D-9BE9-8727569671BE}">
-      <dgm:prSet/>
-      <dgm:spPr/>
-      <dgm:t>
-        <a:bodyPr/>
-        <a:lstStyle/>
-        <a:p>
-          <a:endParaRPr lang="ru-RU"/>
-        </a:p>
-      </dgm:t>
-    </dgm:pt>
-    <dgm:pt modelId="{CF89CB66-B464-4509-B784-8FEFB80317DE}" type="sibTrans" cxnId="{3494EA2C-2C51-4C2D-9BE9-8727569671BE}">
-      <dgm:prSet/>
-      <dgm:spPr/>
-      <dgm:t>
-        <a:bodyPr/>
-        <a:lstStyle/>
-        <a:p>
-          <a:endParaRPr lang="ru-RU"/>
-        </a:p>
-      </dgm:t>
-    </dgm:pt>
-    <dgm:pt modelId="{34B5D3CB-50E1-4746-9372-C1E9C64EBF42}">
-      <dgm:prSet phldrT="[Текст]"/>
-      <dgm:spPr/>
-      <dgm:t>
-        <a:bodyPr/>
-        <a:lstStyle/>
-        <a:p>
-          <a:r>
-            <a:rPr lang="ru-RU" b="1" dirty="0"/>
-            <a:t>Финальное тестирование</a:t>
-          </a:r>
-        </a:p>
-      </dgm:t>
-    </dgm:pt>
-    <dgm:pt modelId="{8E7679FA-274D-455C-9300-C66976350261}" type="parTrans" cxnId="{C1C8F326-BCF2-4EE2-8B83-1370F2CDC53C}">
-      <dgm:prSet/>
-      <dgm:spPr/>
-      <dgm:t>
-        <a:bodyPr/>
-        <a:lstStyle/>
-        <a:p>
-          <a:endParaRPr lang="ru-RU"/>
-        </a:p>
-      </dgm:t>
-    </dgm:pt>
-    <dgm:pt modelId="{3CF0A995-4B86-4E4B-A767-DE15FCE3DE61}" type="sibTrans" cxnId="{C1C8F326-BCF2-4EE2-8B83-1370F2CDC53C}">
-      <dgm:prSet/>
-      <dgm:spPr/>
-      <dgm:t>
-        <a:bodyPr/>
-        <a:lstStyle/>
-        <a:p>
-          <a:endParaRPr lang="ru-RU"/>
-        </a:p>
-      </dgm:t>
-    </dgm:pt>
-    <dgm:pt modelId="{89C19379-0C42-4B4A-9261-89813E5017B3}">
-      <dgm:prSet phldrT="[Текст]"/>
-      <dgm:spPr/>
-      <dgm:t>
-        <a:bodyPr/>
-        <a:lstStyle/>
-        <a:p>
-          <a:r>
-            <a:rPr lang="ru-RU" dirty="0"/>
-            <a:t>Остальные пользователи – несанкционированные</a:t>
-          </a:r>
-        </a:p>
-      </dgm:t>
-    </dgm:pt>
-    <dgm:pt modelId="{7E07F462-1153-4759-862F-6013C6453930}" type="parTrans" cxnId="{CCE8B032-F31B-4E44-927F-FFB460ADB152}">
-      <dgm:prSet/>
-      <dgm:spPr/>
-      <dgm:t>
-        <a:bodyPr/>
-        <a:lstStyle/>
-        <a:p>
-          <a:endParaRPr lang="ru-RU"/>
-        </a:p>
-      </dgm:t>
-    </dgm:pt>
-    <dgm:pt modelId="{721E6722-FC80-4F4C-A6BE-25F9576CA7E9}" type="sibTrans" cxnId="{CCE8B032-F31B-4E44-927F-FFB460ADB152}">
-      <dgm:prSet/>
-      <dgm:spPr/>
-      <dgm:t>
-        <a:bodyPr/>
-        <a:lstStyle/>
-        <a:p>
-          <a:endParaRPr lang="ru-RU"/>
-        </a:p>
-      </dgm:t>
-    </dgm:pt>
-    <dgm:pt modelId="{5F876F02-89E3-4FA1-9270-5D3690A7DF9C}">
-      <dgm:prSet phldrT="[Текст]"/>
-      <dgm:spPr/>
-      <dgm:t>
-        <a:bodyPr/>
-        <a:lstStyle/>
-        <a:p>
-          <a:r>
-            <a:rPr lang="ru-RU" dirty="0"/>
-            <a:t>Данные тестового пользователя извлекаются из обучающей выборки</a:t>
-          </a:r>
-        </a:p>
-      </dgm:t>
-    </dgm:pt>
-    <dgm:pt modelId="{90835AA0-7E3E-4E52-AAB7-9429427DCBBD}" type="parTrans" cxnId="{30D8059A-1E5F-48DE-A230-EEADF4227692}">
-      <dgm:prSet/>
-      <dgm:spPr/>
-      <dgm:t>
-        <a:bodyPr/>
-        <a:lstStyle/>
-        <a:p>
-          <a:endParaRPr lang="ru-RU"/>
-        </a:p>
-      </dgm:t>
-    </dgm:pt>
-    <dgm:pt modelId="{C5C5D6FE-3A34-45CA-963B-C3B8D7821568}" type="sibTrans" cxnId="{30D8059A-1E5F-48DE-A230-EEADF4227692}">
-      <dgm:prSet/>
-      <dgm:spPr/>
-      <dgm:t>
-        <a:bodyPr/>
-        <a:lstStyle/>
-        <a:p>
-          <a:endParaRPr lang="ru-RU"/>
-        </a:p>
-      </dgm:t>
-    </dgm:pt>
-    <dgm:pt modelId="{29A213CB-0EFE-47C1-89D9-3FB378C865F6}">
-      <dgm:prSet phldrT="[Текст]"/>
-      <dgm:spPr/>
-      <dgm:t>
-        <a:bodyPr/>
-        <a:lstStyle/>
-        <a:p>
-          <a:r>
-            <a:rPr lang="ru-RU" dirty="0"/>
-            <a:t>Из обучающей выборки извлекаются 25</a:t>
-          </a:r>
-          <a:r>
-            <a:rPr lang="en-US" dirty="0"/>
-            <a:t>% </a:t>
-          </a:r>
-          <a:r>
-            <a:rPr lang="ru-RU" dirty="0"/>
-            <a:t>данных каждого из пользователей</a:t>
-          </a:r>
-        </a:p>
-      </dgm:t>
-    </dgm:pt>
-    <dgm:pt modelId="{45D68FC7-7583-401F-BB7F-056422C0F84B}" type="parTrans" cxnId="{24009070-3F74-4768-B7E2-54563BC38CA6}">
-      <dgm:prSet/>
-      <dgm:spPr/>
-      <dgm:t>
-        <a:bodyPr/>
-        <a:lstStyle/>
-        <a:p>
-          <a:endParaRPr lang="ru-RU"/>
-        </a:p>
-      </dgm:t>
-    </dgm:pt>
-    <dgm:pt modelId="{6D5E111D-EF7D-45BE-B36A-0DBED62999B4}" type="sibTrans" cxnId="{24009070-3F74-4768-B7E2-54563BC38CA6}">
-      <dgm:prSet/>
-      <dgm:spPr/>
-      <dgm:t>
-        <a:bodyPr/>
-        <a:lstStyle/>
-        <a:p>
-          <a:endParaRPr lang="ru-RU"/>
-        </a:p>
-      </dgm:t>
-    </dgm:pt>
-    <dgm:pt modelId="{F34EF58C-1181-4F11-B2F9-D58545E5AE3F}">
-      <dgm:prSet phldrT="[Текст]"/>
-      <dgm:spPr/>
-      <dgm:t>
-        <a:bodyPr/>
-        <a:lstStyle/>
-        <a:p>
-          <a:r>
-            <a:rPr lang="ru-RU" dirty="0"/>
-            <a:t>Извлекаются полностью данные одного несанкционированного пользователя</a:t>
-          </a:r>
-        </a:p>
-      </dgm:t>
-    </dgm:pt>
-    <dgm:pt modelId="{D328D7E8-63E3-48CC-9D10-3AF7A990C13C}" type="parTrans" cxnId="{56B6BBFF-3819-4015-B990-34896E6518D1}">
-      <dgm:prSet/>
-      <dgm:spPr/>
-      <dgm:t>
-        <a:bodyPr/>
-        <a:lstStyle/>
-        <a:p>
-          <a:endParaRPr lang="ru-RU"/>
-        </a:p>
-      </dgm:t>
-    </dgm:pt>
-    <dgm:pt modelId="{5655ED61-5261-44BC-B268-552FD1E222E5}" type="sibTrans" cxnId="{56B6BBFF-3819-4015-B990-34896E6518D1}">
-      <dgm:prSet/>
-      <dgm:spPr/>
-      <dgm:t>
-        <a:bodyPr/>
-        <a:lstStyle/>
-        <a:p>
-          <a:endParaRPr lang="ru-RU"/>
-        </a:p>
-      </dgm:t>
-    </dgm:pt>
-    <dgm:pt modelId="{55CD0024-2732-4F2D-8465-37371838D5C5}">
-      <dgm:prSet phldrT="[Текст]"/>
-      <dgm:spPr/>
-      <dgm:t>
-        <a:bodyPr/>
-        <a:lstStyle/>
-        <a:p>
-          <a:r>
-            <a:rPr lang="ru-RU" dirty="0"/>
-            <a:t>Тестируется на 1/3 данных легального пользователя, 1/3 несанкционированного, оставшаяся треть – остальные </a:t>
-          </a:r>
-        </a:p>
-      </dgm:t>
-    </dgm:pt>
-    <dgm:pt modelId="{6BF7BA10-1E3F-41E7-ADBA-69BC7EF99D76}" type="parTrans" cxnId="{DD42D707-624D-43C0-95B6-2C46F5EB8309}">
-      <dgm:prSet/>
-      <dgm:spPr/>
-      <dgm:t>
-        <a:bodyPr/>
-        <a:lstStyle/>
-        <a:p>
-          <a:endParaRPr lang="ru-RU"/>
-        </a:p>
-      </dgm:t>
-    </dgm:pt>
-    <dgm:pt modelId="{629C6D96-E859-4080-8A76-A7FB02BA1B94}" type="sibTrans" cxnId="{DD42D707-624D-43C0-95B6-2C46F5EB8309}">
-      <dgm:prSet/>
-      <dgm:spPr/>
-      <dgm:t>
-        <a:bodyPr/>
-        <a:lstStyle/>
-        <a:p>
-          <a:endParaRPr lang="ru-RU"/>
-        </a:p>
-      </dgm:t>
-    </dgm:pt>
-    <dgm:pt modelId="{2B8BC8BB-C413-498A-A285-DA8EF3164DB6}">
-      <dgm:prSet phldrT="[Текст]"/>
-      <dgm:spPr/>
-      <dgm:t>
-        <a:bodyPr/>
-        <a:lstStyle/>
-        <a:p>
-          <a:r>
-            <a:rPr lang="ru-RU" dirty="0"/>
-            <a:t>Один пользователь – легальный </a:t>
-          </a:r>
-          <a:endParaRPr lang="ru-RU" b="1" dirty="0"/>
-        </a:p>
-      </dgm:t>
-    </dgm:pt>
-    <dgm:pt modelId="{05F6072C-27A9-4083-AAFB-D2312D6A7CA6}" type="parTrans" cxnId="{81B68564-322C-4FC9-B547-50CAF0EE4FFE}">
-      <dgm:prSet/>
-      <dgm:spPr/>
-      <dgm:t>
-        <a:bodyPr/>
-        <a:lstStyle/>
-        <a:p>
-          <a:endParaRPr lang="ru-RU"/>
-        </a:p>
-      </dgm:t>
-    </dgm:pt>
-    <dgm:pt modelId="{E2805609-58EC-4F99-BE67-2FF2C905C31F}" type="sibTrans" cxnId="{81B68564-322C-4FC9-B547-50CAF0EE4FFE}">
-      <dgm:prSet/>
-      <dgm:spPr/>
-      <dgm:t>
-        <a:bodyPr/>
-        <a:lstStyle/>
-        <a:p>
-          <a:endParaRPr lang="ru-RU"/>
-        </a:p>
-      </dgm:t>
-    </dgm:pt>
-    <dgm:pt modelId="{4631F6F5-3351-4986-B6EC-DD5419DAD256}" type="pres">
-      <dgm:prSet presAssocID="{3ECED9D6-2BE4-416D-B3A4-B9135F81C50F}" presName="Name0" presStyleCnt="0">
-        <dgm:presLayoutVars>
-          <dgm:dir/>
-          <dgm:animLvl val="lvl"/>
-          <dgm:resizeHandles val="exact"/>
-        </dgm:presLayoutVars>
-      </dgm:prSet>
-      <dgm:spPr/>
-    </dgm:pt>
-    <dgm:pt modelId="{42C3D6FA-F613-4328-BFBF-E71046EA4DE4}" type="pres">
-      <dgm:prSet presAssocID="{E78E9921-0E56-4EF7-843D-D0DFEF8632DB}" presName="composite" presStyleCnt="0"/>
-      <dgm:spPr/>
-    </dgm:pt>
-    <dgm:pt modelId="{FC5FA642-A421-4E82-AF7F-35A352ABD88C}" type="pres">
-      <dgm:prSet presAssocID="{E78E9921-0E56-4EF7-843D-D0DFEF8632DB}" presName="parTx" presStyleLbl="alignNode1" presStyleIdx="0" presStyleCnt="2">
-        <dgm:presLayoutVars>
-          <dgm:chMax val="0"/>
-          <dgm:chPref val="0"/>
-          <dgm:bulletEnabled val="1"/>
-        </dgm:presLayoutVars>
-      </dgm:prSet>
-      <dgm:spPr/>
-    </dgm:pt>
-    <dgm:pt modelId="{828681C8-302E-4203-BDE8-2C06FF66055B}" type="pres">
-      <dgm:prSet presAssocID="{E78E9921-0E56-4EF7-843D-D0DFEF8632DB}" presName="desTx" presStyleLbl="alignAccFollowNode1" presStyleIdx="0" presStyleCnt="2">
-        <dgm:presLayoutVars>
-          <dgm:bulletEnabled val="1"/>
-        </dgm:presLayoutVars>
-      </dgm:prSet>
-      <dgm:spPr/>
-    </dgm:pt>
-    <dgm:pt modelId="{56B842C8-A0D3-416D-BA54-B1448453FBE8}" type="pres">
-      <dgm:prSet presAssocID="{4934E30E-ECA2-4FC4-81AA-A3DD61B66C7A}" presName="space" presStyleCnt="0"/>
-      <dgm:spPr/>
-    </dgm:pt>
-    <dgm:pt modelId="{31366014-88BB-4940-9CDD-F74EAB92F0B1}" type="pres">
-      <dgm:prSet presAssocID="{B0899CC7-AA0E-4862-A8F4-A3D2ACFB5409}" presName="composite" presStyleCnt="0"/>
-      <dgm:spPr/>
-    </dgm:pt>
-    <dgm:pt modelId="{39BE4E30-FAE8-4E3C-9861-BE03400B4CD4}" type="pres">
-      <dgm:prSet presAssocID="{B0899CC7-AA0E-4862-A8F4-A3D2ACFB5409}" presName="parTx" presStyleLbl="alignNode1" presStyleIdx="1" presStyleCnt="2">
-        <dgm:presLayoutVars>
-          <dgm:chMax val="0"/>
-          <dgm:chPref val="0"/>
-          <dgm:bulletEnabled val="1"/>
-        </dgm:presLayoutVars>
-      </dgm:prSet>
-      <dgm:spPr/>
-    </dgm:pt>
-    <dgm:pt modelId="{AFEF187C-066A-4C96-B524-A851EDA78102}" type="pres">
-      <dgm:prSet presAssocID="{B0899CC7-AA0E-4862-A8F4-A3D2ACFB5409}" presName="desTx" presStyleLbl="alignAccFollowNode1" presStyleIdx="1" presStyleCnt="2">
-        <dgm:presLayoutVars>
-          <dgm:bulletEnabled val="1"/>
-        </dgm:presLayoutVars>
-      </dgm:prSet>
-      <dgm:spPr/>
-    </dgm:pt>
-  </dgm:ptLst>
-  <dgm:cxnLst>
-    <dgm:cxn modelId="{DD42D707-624D-43C0-95B6-2C46F5EB8309}" srcId="{B0899CC7-AA0E-4862-A8F4-A3D2ACFB5409}" destId="{55CD0024-2732-4F2D-8465-37371838D5C5}" srcOrd="4" destOrd="0" parTransId="{6BF7BA10-1E3F-41E7-ADBA-69BC7EF99D76}" sibTransId="{629C6D96-E859-4080-8A76-A7FB02BA1B94}"/>
-    <dgm:cxn modelId="{C1C8F326-BCF2-4EE2-8B83-1370F2CDC53C}" srcId="{B0899CC7-AA0E-4862-A8F4-A3D2ACFB5409}" destId="{34B5D3CB-50E1-4746-9372-C1E9C64EBF42}" srcOrd="0" destOrd="0" parTransId="{8E7679FA-274D-455C-9300-C66976350261}" sibTransId="{3CF0A995-4B86-4E4B-A767-DE15FCE3DE61}"/>
-    <dgm:cxn modelId="{BCB93C2C-F456-4D22-8680-B48FB6AC7939}" type="presOf" srcId="{816322D4-06FF-4E52-8322-7250E62F33AC}" destId="{828681C8-302E-4203-BDE8-2C06FF66055B}" srcOrd="0" destOrd="1" presId="urn:microsoft.com/office/officeart/2005/8/layout/hList1"/>
-    <dgm:cxn modelId="{3494EA2C-2C51-4C2D-9BE9-8727569671BE}" srcId="{3ECED9D6-2BE4-416D-B3A4-B9135F81C50F}" destId="{B0899CC7-AA0E-4862-A8F4-A3D2ACFB5409}" srcOrd="1" destOrd="0" parTransId="{FA55D24F-E14B-4E89-BF25-9B83EB6E584B}" sibTransId="{CF89CB66-B464-4509-B784-8FEFB80317DE}"/>
-    <dgm:cxn modelId="{CCE8B032-F31B-4E44-927F-FFB460ADB152}" srcId="{E78E9921-0E56-4EF7-843D-D0DFEF8632DB}" destId="{89C19379-0C42-4B4A-9261-89813E5017B3}" srcOrd="2" destOrd="0" parTransId="{7E07F462-1153-4759-862F-6013C6453930}" sibTransId="{721E6722-FC80-4F4C-A6BE-25F9576CA7E9}"/>
-    <dgm:cxn modelId="{81B68564-322C-4FC9-B547-50CAF0EE4FFE}" srcId="{B0899CC7-AA0E-4862-A8F4-A3D2ACFB5409}" destId="{2B8BC8BB-C413-498A-A285-DA8EF3164DB6}" srcOrd="1" destOrd="0" parTransId="{05F6072C-27A9-4083-AAFB-D2312D6A7CA6}" sibTransId="{E2805609-58EC-4F99-BE67-2FF2C905C31F}"/>
-    <dgm:cxn modelId="{0C711965-5F54-4D4D-8AA5-1DE6F5908F21}" type="presOf" srcId="{5F876F02-89E3-4FA1-9270-5D3690A7DF9C}" destId="{828681C8-302E-4203-BDE8-2C06FF66055B}" srcOrd="0" destOrd="3" presId="urn:microsoft.com/office/officeart/2005/8/layout/hList1"/>
-    <dgm:cxn modelId="{39492665-5CA7-48BD-9781-A09BD0A3DEE7}" srcId="{E78E9921-0E56-4EF7-843D-D0DFEF8632DB}" destId="{636179B6-AE00-48FF-B8C7-44BAD7DE8451}" srcOrd="0" destOrd="0" parTransId="{6BCDEC2D-F51F-4DEF-8EC0-BCFF676312D6}" sibTransId="{4D12FA0E-0530-40A8-8697-D4E91CF66FB7}"/>
-    <dgm:cxn modelId="{7E4AB34F-4E98-4EA1-8E78-2BA4A396B3EF}" type="presOf" srcId="{B0899CC7-AA0E-4862-A8F4-A3D2ACFB5409}" destId="{39BE4E30-FAE8-4E3C-9861-BE03400B4CD4}" srcOrd="0" destOrd="0" presId="urn:microsoft.com/office/officeart/2005/8/layout/hList1"/>
-    <dgm:cxn modelId="{24009070-3F74-4768-B7E2-54563BC38CA6}" srcId="{B0899CC7-AA0E-4862-A8F4-A3D2ACFB5409}" destId="{29A213CB-0EFE-47C1-89D9-3FB378C865F6}" srcOrd="2" destOrd="0" parTransId="{45D68FC7-7583-401F-BB7F-056422C0F84B}" sibTransId="{6D5E111D-EF7D-45BE-B36A-0DBED62999B4}"/>
-    <dgm:cxn modelId="{BF783284-8492-4183-9D6A-5BEFADBA949B}" type="presOf" srcId="{E78E9921-0E56-4EF7-843D-D0DFEF8632DB}" destId="{FC5FA642-A421-4E82-AF7F-35A352ABD88C}" srcOrd="0" destOrd="0" presId="urn:microsoft.com/office/officeart/2005/8/layout/hList1"/>
-    <dgm:cxn modelId="{E7466B8A-94A1-41A5-8F34-CED1DAA57258}" srcId="{3ECED9D6-2BE4-416D-B3A4-B9135F81C50F}" destId="{E78E9921-0E56-4EF7-843D-D0DFEF8632DB}" srcOrd="0" destOrd="0" parTransId="{F1B5A807-B2F4-42EC-9544-2735F941BFC2}" sibTransId="{4934E30E-ECA2-4FC4-81AA-A3DD61B66C7A}"/>
-    <dgm:cxn modelId="{C543838B-2461-4236-A6D6-65541B8300AE}" type="presOf" srcId="{F34EF58C-1181-4F11-B2F9-D58545E5AE3F}" destId="{AFEF187C-066A-4C96-B524-A851EDA78102}" srcOrd="0" destOrd="3" presId="urn:microsoft.com/office/officeart/2005/8/layout/hList1"/>
-    <dgm:cxn modelId="{BAB8218D-3489-4DFA-80FB-10A25730AD17}" srcId="{E78E9921-0E56-4EF7-843D-D0DFEF8632DB}" destId="{816322D4-06FF-4E52-8322-7250E62F33AC}" srcOrd="1" destOrd="0" parTransId="{A7BB66AF-6816-4F1D-A106-D340055BA447}" sibTransId="{CF5889F9-6EEC-4E30-AE8F-CBF538352068}"/>
-    <dgm:cxn modelId="{069E3398-308C-424B-8B3D-412A0E21FFF4}" type="presOf" srcId="{3ECED9D6-2BE4-416D-B3A4-B9135F81C50F}" destId="{4631F6F5-3351-4986-B6EC-DD5419DAD256}" srcOrd="0" destOrd="0" presId="urn:microsoft.com/office/officeart/2005/8/layout/hList1"/>
-    <dgm:cxn modelId="{30D8059A-1E5F-48DE-A230-EEADF4227692}" srcId="{E78E9921-0E56-4EF7-843D-D0DFEF8632DB}" destId="{5F876F02-89E3-4FA1-9270-5D3690A7DF9C}" srcOrd="3" destOrd="0" parTransId="{90835AA0-7E3E-4E52-AAB7-9429427DCBBD}" sibTransId="{C5C5D6FE-3A34-45CA-963B-C3B8D7821568}"/>
-    <dgm:cxn modelId="{548112AE-591A-4AB0-ADB8-2B7711877059}" type="presOf" srcId="{636179B6-AE00-48FF-B8C7-44BAD7DE8451}" destId="{828681C8-302E-4203-BDE8-2C06FF66055B}" srcOrd="0" destOrd="0" presId="urn:microsoft.com/office/officeart/2005/8/layout/hList1"/>
-    <dgm:cxn modelId="{6EA829BC-4051-440A-90F3-7D6238F8079E}" type="presOf" srcId="{55CD0024-2732-4F2D-8465-37371838D5C5}" destId="{AFEF187C-066A-4C96-B524-A851EDA78102}" srcOrd="0" destOrd="4" presId="urn:microsoft.com/office/officeart/2005/8/layout/hList1"/>
-    <dgm:cxn modelId="{ED2FA2C0-AEB1-497C-ACFA-B2292816095D}" type="presOf" srcId="{34B5D3CB-50E1-4746-9372-C1E9C64EBF42}" destId="{AFEF187C-066A-4C96-B524-A851EDA78102}" srcOrd="0" destOrd="0" presId="urn:microsoft.com/office/officeart/2005/8/layout/hList1"/>
-    <dgm:cxn modelId="{3ADB02D6-530C-4DCD-899A-42E6401B91FA}" type="presOf" srcId="{89C19379-0C42-4B4A-9261-89813E5017B3}" destId="{828681C8-302E-4203-BDE8-2C06FF66055B}" srcOrd="0" destOrd="2" presId="urn:microsoft.com/office/officeart/2005/8/layout/hList1"/>
-    <dgm:cxn modelId="{9A4C62E6-7A6F-4341-B77D-21A21402B7EE}" type="presOf" srcId="{2B8BC8BB-C413-498A-A285-DA8EF3164DB6}" destId="{AFEF187C-066A-4C96-B524-A851EDA78102}" srcOrd="0" destOrd="1" presId="urn:microsoft.com/office/officeart/2005/8/layout/hList1"/>
-    <dgm:cxn modelId="{BB1D5DF2-BE29-4410-B0E8-9619E5828A03}" type="presOf" srcId="{29A213CB-0EFE-47C1-89D9-3FB378C865F6}" destId="{AFEF187C-066A-4C96-B524-A851EDA78102}" srcOrd="0" destOrd="2" presId="urn:microsoft.com/office/officeart/2005/8/layout/hList1"/>
-    <dgm:cxn modelId="{56B6BBFF-3819-4015-B990-34896E6518D1}" srcId="{B0899CC7-AA0E-4862-A8F4-A3D2ACFB5409}" destId="{F34EF58C-1181-4F11-B2F9-D58545E5AE3F}" srcOrd="3" destOrd="0" parTransId="{D328D7E8-63E3-48CC-9D10-3AF7A990C13C}" sibTransId="{5655ED61-5261-44BC-B268-552FD1E222E5}"/>
-    <dgm:cxn modelId="{4C181246-D2B8-4EF8-8E7E-1D4281B16B3B}" type="presParOf" srcId="{4631F6F5-3351-4986-B6EC-DD5419DAD256}" destId="{42C3D6FA-F613-4328-BFBF-E71046EA4DE4}" srcOrd="0" destOrd="0" presId="urn:microsoft.com/office/officeart/2005/8/layout/hList1"/>
-    <dgm:cxn modelId="{CDFC6AE4-D2DA-4555-B311-CEA6749F5F46}" type="presParOf" srcId="{42C3D6FA-F613-4328-BFBF-E71046EA4DE4}" destId="{FC5FA642-A421-4E82-AF7F-35A352ABD88C}" srcOrd="0" destOrd="0" presId="urn:microsoft.com/office/officeart/2005/8/layout/hList1"/>
-    <dgm:cxn modelId="{3C0A39C8-6668-4CD6-A449-694E77DED517}" type="presParOf" srcId="{42C3D6FA-F613-4328-BFBF-E71046EA4DE4}" destId="{828681C8-302E-4203-BDE8-2C06FF66055B}" srcOrd="1" destOrd="0" presId="urn:microsoft.com/office/officeart/2005/8/layout/hList1"/>
-    <dgm:cxn modelId="{57096873-4F80-4FBF-B09C-C62A18EF187A}" type="presParOf" srcId="{4631F6F5-3351-4986-B6EC-DD5419DAD256}" destId="{56B842C8-A0D3-416D-BA54-B1448453FBE8}" srcOrd="1" destOrd="0" presId="urn:microsoft.com/office/officeart/2005/8/layout/hList1"/>
-    <dgm:cxn modelId="{D2CBE291-DF7B-457E-90BE-6ABD06E445A5}" type="presParOf" srcId="{4631F6F5-3351-4986-B6EC-DD5419DAD256}" destId="{31366014-88BB-4940-9CDD-F74EAB92F0B1}" srcOrd="2" destOrd="0" presId="urn:microsoft.com/office/officeart/2005/8/layout/hList1"/>
-    <dgm:cxn modelId="{F2D1E1CE-FE09-4D01-AE63-7E327D2E23D6}" type="presParOf" srcId="{31366014-88BB-4940-9CDD-F74EAB92F0B1}" destId="{39BE4E30-FAE8-4E3C-9861-BE03400B4CD4}" srcOrd="0" destOrd="0" presId="urn:microsoft.com/office/officeart/2005/8/layout/hList1"/>
-    <dgm:cxn modelId="{C49D16C5-9FC8-412D-B088-90FC430DBC45}" type="presParOf" srcId="{31366014-88BB-4940-9CDD-F74EAB92F0B1}" destId="{AFEF187C-066A-4C96-B524-A851EDA78102}" srcOrd="1" destOrd="0" presId="urn:microsoft.com/office/officeart/2005/8/layout/hList1"/>
-  </dgm:cxnLst>
-  <dgm:bg/>
-  <dgm:whole/>
-  <dgm:extLst>
-    <a:ext uri="http://schemas.microsoft.com/office/drawing/2008/diagram">
-      <dsp:dataModelExt xmlns:dsp="http://schemas.microsoft.com/office/drawing/2008/diagram" relId="rId9" minVer="http://schemas.openxmlformats.org/drawingml/2006/diagram"/>
-    </a:ext>
-  </dgm:extLst>
-</dgm:dataModel>
-</file>
-
-<file path=ppt/diagrams/data11.xml><?xml version="1.0" encoding="utf-8"?>
 <dgm:dataModel xmlns:dgm="http://schemas.openxmlformats.org/drawingml/2006/diagram" xmlns:a="http://schemas.openxmlformats.org/drawingml/2006/main">
   <dgm:ptLst>
     <dgm:pt modelId="{3ECED9D6-2BE4-416D-B3A4-B9135F81C50F}" type="doc">
@@ -21469,473 +20193,6 @@
       </dsp:nvSpPr>
       <dsp:spPr>
         <a:xfrm>
-          <a:off x="34" y="253419"/>
-          <a:ext cx="3263882" cy="489600"/>
-        </a:xfrm>
-        <a:prstGeom prst="rect">
-          <a:avLst/>
-        </a:prstGeom>
-        <a:solidFill>
-          <a:schemeClr val="accent1">
-            <a:hueOff val="0"/>
-            <a:satOff val="0"/>
-            <a:lumOff val="0"/>
-            <a:alphaOff val="0"/>
-          </a:schemeClr>
-        </a:solidFill>
-        <a:ln w="25400" cap="flat" cmpd="sng" algn="ctr">
-          <a:solidFill>
-            <a:schemeClr val="accent1">
-              <a:hueOff val="0"/>
-              <a:satOff val="0"/>
-              <a:lumOff val="0"/>
-              <a:alphaOff val="0"/>
-            </a:schemeClr>
-          </a:solidFill>
-          <a:prstDash val="solid"/>
-        </a:ln>
-        <a:effectLst/>
-      </dsp:spPr>
-      <dsp:style>
-        <a:lnRef idx="2">
-          <a:scrgbClr r="0" g="0" b="0"/>
-        </a:lnRef>
-        <a:fillRef idx="1">
-          <a:scrgbClr r="0" g="0" b="0"/>
-        </a:fillRef>
-        <a:effectRef idx="0">
-          <a:scrgbClr r="0" g="0" b="0"/>
-        </a:effectRef>
-        <a:fontRef idx="minor">
-          <a:schemeClr val="lt1"/>
-        </a:fontRef>
-      </dsp:style>
-      <dsp:txBody>
-        <a:bodyPr spcFirstLastPara="0" vert="horz" wrap="square" lIns="120904" tIns="69088" rIns="120904" bIns="69088" numCol="1" spcCol="1270" anchor="ctr" anchorCtr="0">
-          <a:noAutofit/>
-        </a:bodyPr>
-        <a:lstStyle/>
-        <a:p>
-          <a:pPr marL="0" lvl="0" indent="0" algn="ctr" defTabSz="755650">
-            <a:lnSpc>
-              <a:spcPct val="90000"/>
-            </a:lnSpc>
-            <a:spcBef>
-              <a:spcPct val="0"/>
-            </a:spcBef>
-            <a:spcAft>
-              <a:spcPct val="35000"/>
-            </a:spcAft>
-            <a:buNone/>
-          </a:pPr>
-          <a:r>
-            <a:rPr lang="en-US" sz="1700" kern="1200" dirty="0"/>
-            <a:t>I </a:t>
-          </a:r>
-          <a:r>
-            <a:rPr lang="ru-RU" sz="1700" kern="1200" dirty="0"/>
-            <a:t>этап</a:t>
-          </a:r>
-        </a:p>
-      </dsp:txBody>
-      <dsp:txXfrm>
-        <a:off x="34" y="253419"/>
-        <a:ext cx="3263882" cy="489600"/>
-      </dsp:txXfrm>
-    </dsp:sp>
-    <dsp:sp modelId="{828681C8-302E-4203-BDE8-2C06FF66055B}">
-      <dsp:nvSpPr>
-        <dsp:cNvPr id="0" name=""/>
-        <dsp:cNvSpPr/>
-      </dsp:nvSpPr>
-      <dsp:spPr>
-        <a:xfrm>
-          <a:off x="34" y="743019"/>
-          <a:ext cx="3263882" cy="3715700"/>
-        </a:xfrm>
-        <a:prstGeom prst="rect">
-          <a:avLst/>
-        </a:prstGeom>
-        <a:solidFill>
-          <a:schemeClr val="accent1">
-            <a:alpha val="90000"/>
-            <a:tint val="40000"/>
-            <a:hueOff val="0"/>
-            <a:satOff val="0"/>
-            <a:lumOff val="0"/>
-            <a:alphaOff val="0"/>
-          </a:schemeClr>
-        </a:solidFill>
-        <a:ln w="25400" cap="flat" cmpd="sng" algn="ctr">
-          <a:solidFill>
-            <a:schemeClr val="accent1">
-              <a:alpha val="90000"/>
-              <a:tint val="40000"/>
-              <a:hueOff val="0"/>
-              <a:satOff val="0"/>
-              <a:lumOff val="0"/>
-              <a:alphaOff val="0"/>
-            </a:schemeClr>
-          </a:solidFill>
-          <a:prstDash val="solid"/>
-        </a:ln>
-        <a:effectLst/>
-      </dsp:spPr>
-      <dsp:style>
-        <a:lnRef idx="2">
-          <a:scrgbClr r="0" g="0" b="0"/>
-        </a:lnRef>
-        <a:fillRef idx="1">
-          <a:scrgbClr r="0" g="0" b="0"/>
-        </a:fillRef>
-        <a:effectRef idx="0">
-          <a:scrgbClr r="0" g="0" b="0"/>
-        </a:effectRef>
-        <a:fontRef idx="minor"/>
-      </dsp:style>
-      <dsp:txBody>
-        <a:bodyPr spcFirstLastPara="0" vert="horz" wrap="square" lIns="90678" tIns="90678" rIns="120904" bIns="136017" numCol="1" spcCol="1270" anchor="t" anchorCtr="0">
-          <a:noAutofit/>
-        </a:bodyPr>
-        <a:lstStyle/>
-        <a:p>
-          <a:pPr marL="171450" lvl="1" indent="-171450" algn="l" defTabSz="755650">
-            <a:lnSpc>
-              <a:spcPct val="90000"/>
-            </a:lnSpc>
-            <a:spcBef>
-              <a:spcPct val="0"/>
-            </a:spcBef>
-            <a:spcAft>
-              <a:spcPct val="15000"/>
-            </a:spcAft>
-            <a:buChar char="•"/>
-          </a:pPr>
-          <a:r>
-            <a:rPr lang="ru-RU" sz="1700" b="1" kern="1200" dirty="0"/>
-            <a:t>Кросс-валидация</a:t>
-          </a:r>
-        </a:p>
-        <a:p>
-          <a:pPr marL="171450" lvl="1" indent="-171450" algn="l" defTabSz="755650">
-            <a:lnSpc>
-              <a:spcPct val="90000"/>
-            </a:lnSpc>
-            <a:spcBef>
-              <a:spcPct val="0"/>
-            </a:spcBef>
-            <a:spcAft>
-              <a:spcPct val="15000"/>
-            </a:spcAft>
-            <a:buChar char="•"/>
-          </a:pPr>
-          <a:r>
-            <a:rPr lang="ru-RU" sz="1700" kern="1200" dirty="0"/>
-            <a:t>Один пользователь выбирается легальным</a:t>
-          </a:r>
-        </a:p>
-        <a:p>
-          <a:pPr marL="171450" lvl="1" indent="-171450" algn="l" defTabSz="755650">
-            <a:lnSpc>
-              <a:spcPct val="90000"/>
-            </a:lnSpc>
-            <a:spcBef>
-              <a:spcPct val="0"/>
-            </a:spcBef>
-            <a:spcAft>
-              <a:spcPct val="15000"/>
-            </a:spcAft>
-            <a:buChar char="•"/>
-          </a:pPr>
-          <a:r>
-            <a:rPr lang="ru-RU" sz="1700" kern="1200" dirty="0"/>
-            <a:t>Остальные пользователи – несанкционированные</a:t>
-          </a:r>
-        </a:p>
-        <a:p>
-          <a:pPr marL="171450" lvl="1" indent="-171450" algn="l" defTabSz="755650">
-            <a:lnSpc>
-              <a:spcPct val="90000"/>
-            </a:lnSpc>
-            <a:spcBef>
-              <a:spcPct val="0"/>
-            </a:spcBef>
-            <a:spcAft>
-              <a:spcPct val="15000"/>
-            </a:spcAft>
-            <a:buChar char="•"/>
-          </a:pPr>
-          <a:r>
-            <a:rPr lang="ru-RU" sz="1700" kern="1200" dirty="0"/>
-            <a:t>Данные тестового пользователя извлекаются из обучающей выборки</a:t>
-          </a:r>
-        </a:p>
-      </dsp:txBody>
-      <dsp:txXfrm>
-        <a:off x="34" y="743019"/>
-        <a:ext cx="3263882" cy="3715700"/>
-      </dsp:txXfrm>
-    </dsp:sp>
-    <dsp:sp modelId="{39BE4E30-FAE8-4E3C-9861-BE03400B4CD4}">
-      <dsp:nvSpPr>
-        <dsp:cNvPr id="0" name=""/>
-        <dsp:cNvSpPr/>
-      </dsp:nvSpPr>
-      <dsp:spPr>
-        <a:xfrm>
-          <a:off x="3720859" y="253419"/>
-          <a:ext cx="3263882" cy="489600"/>
-        </a:xfrm>
-        <a:prstGeom prst="rect">
-          <a:avLst/>
-        </a:prstGeom>
-        <a:solidFill>
-          <a:schemeClr val="accent1">
-            <a:hueOff val="0"/>
-            <a:satOff val="0"/>
-            <a:lumOff val="0"/>
-            <a:alphaOff val="0"/>
-          </a:schemeClr>
-        </a:solidFill>
-        <a:ln w="25400" cap="flat" cmpd="sng" algn="ctr">
-          <a:solidFill>
-            <a:schemeClr val="accent1">
-              <a:hueOff val="0"/>
-              <a:satOff val="0"/>
-              <a:lumOff val="0"/>
-              <a:alphaOff val="0"/>
-            </a:schemeClr>
-          </a:solidFill>
-          <a:prstDash val="solid"/>
-        </a:ln>
-        <a:effectLst/>
-      </dsp:spPr>
-      <dsp:style>
-        <a:lnRef idx="2">
-          <a:scrgbClr r="0" g="0" b="0"/>
-        </a:lnRef>
-        <a:fillRef idx="1">
-          <a:scrgbClr r="0" g="0" b="0"/>
-        </a:fillRef>
-        <a:effectRef idx="0">
-          <a:scrgbClr r="0" g="0" b="0"/>
-        </a:effectRef>
-        <a:fontRef idx="minor">
-          <a:schemeClr val="lt1"/>
-        </a:fontRef>
-      </dsp:style>
-      <dsp:txBody>
-        <a:bodyPr spcFirstLastPara="0" vert="horz" wrap="square" lIns="120904" tIns="69088" rIns="120904" bIns="69088" numCol="1" spcCol="1270" anchor="ctr" anchorCtr="0">
-          <a:noAutofit/>
-        </a:bodyPr>
-        <a:lstStyle/>
-        <a:p>
-          <a:pPr marL="0" lvl="0" indent="0" algn="ctr" defTabSz="755650">
-            <a:lnSpc>
-              <a:spcPct val="90000"/>
-            </a:lnSpc>
-            <a:spcBef>
-              <a:spcPct val="0"/>
-            </a:spcBef>
-            <a:spcAft>
-              <a:spcPct val="35000"/>
-            </a:spcAft>
-            <a:buNone/>
-          </a:pPr>
-          <a:r>
-            <a:rPr lang="en-US" sz="1700" kern="1200" dirty="0"/>
-            <a:t>II </a:t>
-          </a:r>
-          <a:r>
-            <a:rPr lang="ru-RU" sz="1700" kern="1200" dirty="0"/>
-            <a:t>этап</a:t>
-          </a:r>
-        </a:p>
-      </dsp:txBody>
-      <dsp:txXfrm>
-        <a:off x="3720859" y="253419"/>
-        <a:ext cx="3263882" cy="489600"/>
-      </dsp:txXfrm>
-    </dsp:sp>
-    <dsp:sp modelId="{AFEF187C-066A-4C96-B524-A851EDA78102}">
-      <dsp:nvSpPr>
-        <dsp:cNvPr id="0" name=""/>
-        <dsp:cNvSpPr/>
-      </dsp:nvSpPr>
-      <dsp:spPr>
-        <a:xfrm>
-          <a:off x="3720859" y="743019"/>
-          <a:ext cx="3263882" cy="3715700"/>
-        </a:xfrm>
-        <a:prstGeom prst="rect">
-          <a:avLst/>
-        </a:prstGeom>
-        <a:solidFill>
-          <a:schemeClr val="accent1">
-            <a:alpha val="90000"/>
-            <a:tint val="40000"/>
-            <a:hueOff val="0"/>
-            <a:satOff val="0"/>
-            <a:lumOff val="0"/>
-            <a:alphaOff val="0"/>
-          </a:schemeClr>
-        </a:solidFill>
-        <a:ln w="25400" cap="flat" cmpd="sng" algn="ctr">
-          <a:solidFill>
-            <a:schemeClr val="accent1">
-              <a:alpha val="90000"/>
-              <a:tint val="40000"/>
-              <a:hueOff val="0"/>
-              <a:satOff val="0"/>
-              <a:lumOff val="0"/>
-              <a:alphaOff val="0"/>
-            </a:schemeClr>
-          </a:solidFill>
-          <a:prstDash val="solid"/>
-        </a:ln>
-        <a:effectLst/>
-      </dsp:spPr>
-      <dsp:style>
-        <a:lnRef idx="2">
-          <a:scrgbClr r="0" g="0" b="0"/>
-        </a:lnRef>
-        <a:fillRef idx="1">
-          <a:scrgbClr r="0" g="0" b="0"/>
-        </a:fillRef>
-        <a:effectRef idx="0">
-          <a:scrgbClr r="0" g="0" b="0"/>
-        </a:effectRef>
-        <a:fontRef idx="minor"/>
-      </dsp:style>
-      <dsp:txBody>
-        <a:bodyPr spcFirstLastPara="0" vert="horz" wrap="square" lIns="90678" tIns="90678" rIns="120904" bIns="136017" numCol="1" spcCol="1270" anchor="t" anchorCtr="0">
-          <a:noAutofit/>
-        </a:bodyPr>
-        <a:lstStyle/>
-        <a:p>
-          <a:pPr marL="171450" lvl="1" indent="-171450" algn="l" defTabSz="755650">
-            <a:lnSpc>
-              <a:spcPct val="90000"/>
-            </a:lnSpc>
-            <a:spcBef>
-              <a:spcPct val="0"/>
-            </a:spcBef>
-            <a:spcAft>
-              <a:spcPct val="15000"/>
-            </a:spcAft>
-            <a:buChar char="•"/>
-          </a:pPr>
-          <a:r>
-            <a:rPr lang="ru-RU" sz="1700" b="1" kern="1200" dirty="0"/>
-            <a:t>Финальное тестирование</a:t>
-          </a:r>
-        </a:p>
-        <a:p>
-          <a:pPr marL="171450" lvl="1" indent="-171450" algn="l" defTabSz="755650">
-            <a:lnSpc>
-              <a:spcPct val="90000"/>
-            </a:lnSpc>
-            <a:spcBef>
-              <a:spcPct val="0"/>
-            </a:spcBef>
-            <a:spcAft>
-              <a:spcPct val="15000"/>
-            </a:spcAft>
-            <a:buChar char="•"/>
-          </a:pPr>
-          <a:r>
-            <a:rPr lang="ru-RU" sz="1700" kern="1200" dirty="0"/>
-            <a:t>Один пользователь – легальный </a:t>
-          </a:r>
-          <a:endParaRPr lang="ru-RU" sz="1700" b="1" kern="1200" dirty="0"/>
-        </a:p>
-        <a:p>
-          <a:pPr marL="171450" lvl="1" indent="-171450" algn="l" defTabSz="755650">
-            <a:lnSpc>
-              <a:spcPct val="90000"/>
-            </a:lnSpc>
-            <a:spcBef>
-              <a:spcPct val="0"/>
-            </a:spcBef>
-            <a:spcAft>
-              <a:spcPct val="15000"/>
-            </a:spcAft>
-            <a:buChar char="•"/>
-          </a:pPr>
-          <a:r>
-            <a:rPr lang="ru-RU" sz="1700" kern="1200" dirty="0"/>
-            <a:t>Из обучающей выборки извлекаются 25</a:t>
-          </a:r>
-          <a:r>
-            <a:rPr lang="en-US" sz="1700" kern="1200" dirty="0"/>
-            <a:t>% </a:t>
-          </a:r>
-          <a:r>
-            <a:rPr lang="ru-RU" sz="1700" kern="1200" dirty="0"/>
-            <a:t>данных каждого из пользователей</a:t>
-          </a:r>
-        </a:p>
-        <a:p>
-          <a:pPr marL="171450" lvl="1" indent="-171450" algn="l" defTabSz="755650">
-            <a:lnSpc>
-              <a:spcPct val="90000"/>
-            </a:lnSpc>
-            <a:spcBef>
-              <a:spcPct val="0"/>
-            </a:spcBef>
-            <a:spcAft>
-              <a:spcPct val="15000"/>
-            </a:spcAft>
-            <a:buChar char="•"/>
-          </a:pPr>
-          <a:r>
-            <a:rPr lang="ru-RU" sz="1700" kern="1200" dirty="0"/>
-            <a:t>Извлекаются полностью данные одного несанкционированного пользователя</a:t>
-          </a:r>
-        </a:p>
-        <a:p>
-          <a:pPr marL="171450" lvl="1" indent="-171450" algn="l" defTabSz="755650">
-            <a:lnSpc>
-              <a:spcPct val="90000"/>
-            </a:lnSpc>
-            <a:spcBef>
-              <a:spcPct val="0"/>
-            </a:spcBef>
-            <a:spcAft>
-              <a:spcPct val="15000"/>
-            </a:spcAft>
-            <a:buChar char="•"/>
-          </a:pPr>
-          <a:r>
-            <a:rPr lang="ru-RU" sz="1700" kern="1200" dirty="0"/>
-            <a:t>Тестируется на 1/3 данных легального пользователя, 1/3 несанкционированного, оставшаяся треть – остальные </a:t>
-          </a:r>
-        </a:p>
-      </dsp:txBody>
-      <dsp:txXfrm>
-        <a:off x="3720859" y="743019"/>
-        <a:ext cx="3263882" cy="3715700"/>
-      </dsp:txXfrm>
-    </dsp:sp>
-  </dsp:spTree>
-</dsp:drawing>
-</file>
-
-<file path=ppt/diagrams/drawing11.xml><?xml version="1.0" encoding="utf-8"?>
-<dsp:drawing xmlns:dgm="http://schemas.openxmlformats.org/drawingml/2006/diagram" xmlns:dsp="http://schemas.microsoft.com/office/drawing/2008/diagram" xmlns:a="http://schemas.openxmlformats.org/drawingml/2006/main">
-  <dsp:spTree>
-    <dsp:nvGrpSpPr>
-      <dsp:cNvPr id="0" name=""/>
-      <dsp:cNvGrpSpPr/>
-    </dsp:nvGrpSpPr>
-    <dsp:grpSpPr/>
-    <dsp:sp modelId="{FC5FA642-A421-4E82-AF7F-35A352ABD88C}">
-      <dsp:nvSpPr>
-        <dsp:cNvPr id="0" name=""/>
-        <dsp:cNvSpPr/>
-      </dsp:nvSpPr>
-      <dsp:spPr>
-        <a:xfrm>
           <a:off x="5748" y="985"/>
           <a:ext cx="4261446" cy="460800"/>
         </a:xfrm>
@@ -26056,223 +24313,6 @@
 </dgm:layoutDef>
 </file>
 
-<file path=ppt/diagrams/layout11.xml><?xml version="1.0" encoding="utf-8"?>
-<dgm:layoutDef xmlns:dgm="http://schemas.openxmlformats.org/drawingml/2006/diagram" xmlns:a="http://schemas.openxmlformats.org/drawingml/2006/main" uniqueId="urn:microsoft.com/office/officeart/2005/8/layout/hList1">
-  <dgm:title val=""/>
-  <dgm:desc val=""/>
-  <dgm:catLst>
-    <dgm:cat type="list" pri="5000"/>
-    <dgm:cat type="convert" pri="5000"/>
-  </dgm:catLst>
-  <dgm:sampData>
-    <dgm:dataModel>
-      <dgm:ptLst>
-        <dgm:pt modelId="0" type="doc"/>
-        <dgm:pt modelId="1">
-          <dgm:prSet phldr="1"/>
-        </dgm:pt>
-        <dgm:pt modelId="11">
-          <dgm:prSet phldr="1"/>
-        </dgm:pt>
-        <dgm:pt modelId="12">
-          <dgm:prSet phldr="1"/>
-        </dgm:pt>
-        <dgm:pt modelId="2">
-          <dgm:prSet phldr="1"/>
-        </dgm:pt>
-        <dgm:pt modelId="21">
-          <dgm:prSet phldr="1"/>
-        </dgm:pt>
-        <dgm:pt modelId="22">
-          <dgm:prSet phldr="1"/>
-        </dgm:pt>
-        <dgm:pt modelId="3">
-          <dgm:prSet phldr="1"/>
-        </dgm:pt>
-        <dgm:pt modelId="31">
-          <dgm:prSet phldr="1"/>
-        </dgm:pt>
-        <dgm:pt modelId="32">
-          <dgm:prSet phldr="1"/>
-        </dgm:pt>
-      </dgm:ptLst>
-      <dgm:cxnLst>
-        <dgm:cxn modelId="4" srcId="0" destId="1" srcOrd="0" destOrd="0"/>
-        <dgm:cxn modelId="5" srcId="0" destId="2" srcOrd="1" destOrd="0"/>
-        <dgm:cxn modelId="6" srcId="0" destId="3" srcOrd="2" destOrd="0"/>
-        <dgm:cxn modelId="13" srcId="1" destId="11" srcOrd="0" destOrd="0"/>
-        <dgm:cxn modelId="14" srcId="1" destId="12" srcOrd="1" destOrd="0"/>
-        <dgm:cxn modelId="23" srcId="2" destId="21" srcOrd="0" destOrd="0"/>
-        <dgm:cxn modelId="24" srcId="2" destId="22" srcOrd="1" destOrd="0"/>
-        <dgm:cxn modelId="33" srcId="3" destId="31" srcOrd="0" destOrd="0"/>
-        <dgm:cxn modelId="34" srcId="3" destId="32" srcOrd="1" destOrd="0"/>
-      </dgm:cxnLst>
-      <dgm:bg/>
-      <dgm:whole/>
-    </dgm:dataModel>
-  </dgm:sampData>
-  <dgm:styleData>
-    <dgm:dataModel>
-      <dgm:ptLst>
-        <dgm:pt modelId="0" type="doc"/>
-        <dgm:pt modelId="1">
-          <dgm:prSet phldr="1"/>
-        </dgm:pt>
-        <dgm:pt modelId="2">
-          <dgm:prSet phldr="1"/>
-        </dgm:pt>
-      </dgm:ptLst>
-      <dgm:cxnLst>
-        <dgm:cxn modelId="3" srcId="0" destId="1" srcOrd="0" destOrd="0"/>
-        <dgm:cxn modelId="4" srcId="0" destId="2" srcOrd="1" destOrd="0"/>
-      </dgm:cxnLst>
-      <dgm:bg/>
-      <dgm:whole/>
-    </dgm:dataModel>
-  </dgm:styleData>
-  <dgm:clrData>
-    <dgm:dataModel>
-      <dgm:ptLst>
-        <dgm:pt modelId="0" type="doc"/>
-        <dgm:pt modelId="1">
-          <dgm:prSet phldr="1"/>
-        </dgm:pt>
-        <dgm:pt modelId="2">
-          <dgm:prSet phldr="1"/>
-        </dgm:pt>
-        <dgm:pt modelId="3">
-          <dgm:prSet phldr="1"/>
-        </dgm:pt>
-        <dgm:pt modelId="4">
-          <dgm:prSet phldr="1"/>
-        </dgm:pt>
-      </dgm:ptLst>
-      <dgm:cxnLst>
-        <dgm:cxn modelId="5" srcId="0" destId="1" srcOrd="0" destOrd="0"/>
-        <dgm:cxn modelId="6" srcId="0" destId="2" srcOrd="1" destOrd="0"/>
-        <dgm:cxn modelId="7" srcId="0" destId="3" srcOrd="2" destOrd="0"/>
-        <dgm:cxn modelId="8" srcId="0" destId="4" srcOrd="3" destOrd="0"/>
-      </dgm:cxnLst>
-      <dgm:bg/>
-      <dgm:whole/>
-    </dgm:dataModel>
-  </dgm:clrData>
-  <dgm:layoutNode name="Name0">
-    <dgm:varLst>
-      <dgm:dir/>
-      <dgm:animLvl val="lvl"/>
-      <dgm:resizeHandles val="exact"/>
-    </dgm:varLst>
-    <dgm:choose name="Name1">
-      <dgm:if name="Name2" func="var" arg="dir" op="equ" val="norm">
-        <dgm:alg type="lin"/>
-      </dgm:if>
-      <dgm:else name="Name3">
-        <dgm:alg type="lin">
-          <dgm:param type="linDir" val="fromR"/>
-        </dgm:alg>
-      </dgm:else>
-    </dgm:choose>
-    <dgm:shape xmlns:r="http://schemas.openxmlformats.org/officeDocument/2006/relationships" r:blip="">
-      <dgm:adjLst/>
-    </dgm:shape>
-    <dgm:presOf/>
-    <dgm:constrLst>
-      <dgm:constr type="h" for="ch" forName="composite" refType="h"/>
-      <dgm:constr type="w" for="ch" forName="composite" refType="w"/>
-      <dgm:constr type="w" for="des" forName="parTx"/>
-      <dgm:constr type="h" for="des" forName="parTx" op="equ"/>
-      <dgm:constr type="w" for="des" forName="desTx"/>
-      <dgm:constr type="h" for="des" forName="desTx" op="equ"/>
-      <dgm:constr type="primFontSz" for="des" forName="parTx" val="65"/>
-      <dgm:constr type="secFontSz" for="des" forName="desTx" refType="primFontSz" refFor="des" refForName="parTx" op="equ"/>
-      <dgm:constr type="h" for="des" forName="parTx" refType="primFontSz" refFor="des" refForName="parTx" fact="0.8"/>
-      <dgm:constr type="h" for="des" forName="desTx" refType="primFontSz" refFor="des" refForName="parTx" fact="1.22"/>
-      <dgm:constr type="w" for="ch" forName="space" refType="w" refFor="ch" refForName="composite" op="equ" fact="0.14"/>
-    </dgm:constrLst>
-    <dgm:ruleLst>
-      <dgm:rule type="w" for="ch" forName="composite" val="0" fact="NaN" max="NaN"/>
-      <dgm:rule type="primFontSz" for="des" forName="parTx" val="5" fact="NaN" max="NaN"/>
-    </dgm:ruleLst>
-    <dgm:forEach name="Name4" axis="ch" ptType="node">
-      <dgm:layoutNode name="composite">
-        <dgm:alg type="composite"/>
-        <dgm:shape xmlns:r="http://schemas.openxmlformats.org/officeDocument/2006/relationships" r:blip="">
-          <dgm:adjLst/>
-        </dgm:shape>
-        <dgm:presOf/>
-        <dgm:constrLst>
-          <dgm:constr type="l" for="ch" forName="parTx"/>
-          <dgm:constr type="w" for="ch" forName="parTx" refType="w"/>
-          <dgm:constr type="t" for="ch" forName="parTx"/>
-          <dgm:constr type="l" for="ch" forName="desTx"/>
-          <dgm:constr type="w" for="ch" forName="desTx" refType="w" refFor="ch" refForName="parTx"/>
-          <dgm:constr type="t" for="ch" forName="desTx" refType="h" refFor="ch" refForName="parTx"/>
-        </dgm:constrLst>
-        <dgm:ruleLst>
-          <dgm:rule type="h" val="INF" fact="NaN" max="NaN"/>
-        </dgm:ruleLst>
-        <dgm:layoutNode name="parTx" styleLbl="alignNode1">
-          <dgm:varLst>
-            <dgm:chMax val="0"/>
-            <dgm:chPref val="0"/>
-            <dgm:bulletEnabled val="1"/>
-          </dgm:varLst>
-          <dgm:alg type="tx"/>
-          <dgm:shape xmlns:r="http://schemas.openxmlformats.org/officeDocument/2006/relationships" type="rect" r:blip="">
-            <dgm:adjLst/>
-          </dgm:shape>
-          <dgm:presOf axis="self" ptType="node"/>
-          <dgm:constrLst>
-            <dgm:constr type="h" refType="w" op="lte" fact="0.4"/>
-            <dgm:constr type="h"/>
-            <dgm:constr type="tMarg" refType="primFontSz" fact="0.32"/>
-            <dgm:constr type="bMarg" refType="primFontSz" fact="0.32"/>
-          </dgm:constrLst>
-          <dgm:ruleLst>
-            <dgm:rule type="h" val="INF" fact="NaN" max="NaN"/>
-          </dgm:ruleLst>
-        </dgm:layoutNode>
-        <dgm:layoutNode name="desTx" styleLbl="alignAccFollowNode1">
-          <dgm:varLst>
-            <dgm:bulletEnabled val="1"/>
-          </dgm:varLst>
-          <dgm:alg type="tx">
-            <dgm:param type="stBulletLvl" val="1"/>
-          </dgm:alg>
-          <dgm:shape xmlns:r="http://schemas.openxmlformats.org/officeDocument/2006/relationships" type="rect" r:blip="">
-            <dgm:adjLst/>
-          </dgm:shape>
-          <dgm:presOf axis="des" ptType="node"/>
-          <dgm:constrLst>
-            <dgm:constr type="secFontSz" val="65"/>
-            <dgm:constr type="primFontSz" refType="secFontSz"/>
-            <dgm:constr type="h"/>
-            <dgm:constr type="lMarg" refType="primFontSz" fact="0.42"/>
-            <dgm:constr type="tMarg" refType="primFontSz" fact="0.42"/>
-            <dgm:constr type="bMarg" refType="primFontSz" fact="0.63"/>
-          </dgm:constrLst>
-          <dgm:ruleLst>
-            <dgm:rule type="h" val="INF" fact="NaN" max="NaN"/>
-          </dgm:ruleLst>
-        </dgm:layoutNode>
-      </dgm:layoutNode>
-      <dgm:forEach name="Name5" axis="followSib" ptType="sibTrans" cnt="1">
-        <dgm:layoutNode name="space">
-          <dgm:alg type="sp"/>
-          <dgm:shape xmlns:r="http://schemas.openxmlformats.org/officeDocument/2006/relationships" r:blip="">
-            <dgm:adjLst/>
-          </dgm:shape>
-          <dgm:presOf/>
-          <dgm:constrLst/>
-          <dgm:ruleLst/>
-        </dgm:layoutNode>
-      </dgm:forEach>
-    </dgm:forEach>
-  </dgm:layoutNode>
-</dgm:layoutDef>
-</file>
-
 <file path=ppt/diagrams/layout2.xml><?xml version="1.0" encoding="utf-8"?>
 <dgm:layoutDef xmlns:dgm="http://schemas.openxmlformats.org/drawingml/2006/diagram" xmlns:a="http://schemas.openxmlformats.org/drawingml/2006/main" uniqueId="urn:microsoft.com/office/officeart/2005/8/layout/vList5">
   <dgm:title val=""/>
@@ -31002,1040 +29042,6 @@
 </dgm:styleDef>
 </file>
 
-<file path=ppt/diagrams/quickStyle11.xml><?xml version="1.0" encoding="utf-8"?>
-<dgm:styleDef xmlns:dgm="http://schemas.openxmlformats.org/drawingml/2006/diagram" xmlns:a="http://schemas.openxmlformats.org/drawingml/2006/main" uniqueId="urn:microsoft.com/office/officeart/2005/8/quickstyle/simple1">
-  <dgm:title val=""/>
-  <dgm:desc val=""/>
-  <dgm:catLst>
-    <dgm:cat type="simple" pri="10100"/>
-  </dgm:catLst>
-  <dgm:scene3d>
-    <a:camera prst="orthographicFront"/>
-    <a:lightRig rig="threePt" dir="t"/>
-  </dgm:scene3d>
-  <dgm:styleLbl name="node0">
-    <dgm:scene3d>
-      <a:camera prst="orthographicFront"/>
-      <a:lightRig rig="threePt" dir="t"/>
-    </dgm:scene3d>
-    <dgm:sp3d/>
-    <dgm:txPr/>
-    <dgm:style>
-      <a:lnRef idx="2">
-        <a:scrgbClr r="0" g="0" b="0"/>
-      </a:lnRef>
-      <a:fillRef idx="1">
-        <a:scrgbClr r="0" g="0" b="0"/>
-      </a:fillRef>
-      <a:effectRef idx="0">
-        <a:scrgbClr r="0" g="0" b="0"/>
-      </a:effectRef>
-      <a:fontRef idx="minor">
-        <a:schemeClr val="lt1"/>
-      </a:fontRef>
-    </dgm:style>
-  </dgm:styleLbl>
-  <dgm:styleLbl name="lnNode1">
-    <dgm:scene3d>
-      <a:camera prst="orthographicFront"/>
-      <a:lightRig rig="threePt" dir="t"/>
-    </dgm:scene3d>
-    <dgm:sp3d/>
-    <dgm:txPr/>
-    <dgm:style>
-      <a:lnRef idx="2">
-        <a:scrgbClr r="0" g="0" b="0"/>
-      </a:lnRef>
-      <a:fillRef idx="1">
-        <a:scrgbClr r="0" g="0" b="0"/>
-      </a:fillRef>
-      <a:effectRef idx="0">
-        <a:scrgbClr r="0" g="0" b="0"/>
-      </a:effectRef>
-      <a:fontRef idx="minor">
-        <a:schemeClr val="lt1"/>
-      </a:fontRef>
-    </dgm:style>
-  </dgm:styleLbl>
-  <dgm:styleLbl name="vennNode1">
-    <dgm:scene3d>
-      <a:camera prst="orthographicFront"/>
-      <a:lightRig rig="threePt" dir="t"/>
-    </dgm:scene3d>
-    <dgm:sp3d/>
-    <dgm:txPr/>
-    <dgm:style>
-      <a:lnRef idx="2">
-        <a:scrgbClr r="0" g="0" b="0"/>
-      </a:lnRef>
-      <a:fillRef idx="1">
-        <a:scrgbClr r="0" g="0" b="0"/>
-      </a:fillRef>
-      <a:effectRef idx="0">
-        <a:scrgbClr r="0" g="0" b="0"/>
-      </a:effectRef>
-      <a:fontRef idx="minor">
-        <a:schemeClr val="tx1"/>
-      </a:fontRef>
-    </dgm:style>
-  </dgm:styleLbl>
-  <dgm:styleLbl name="alignNode1">
-    <dgm:scene3d>
-      <a:camera prst="orthographicFront"/>
-      <a:lightRig rig="threePt" dir="t"/>
-    </dgm:scene3d>
-    <dgm:sp3d/>
-    <dgm:txPr/>
-    <dgm:style>
-      <a:lnRef idx="2">
-        <a:scrgbClr r="0" g="0" b="0"/>
-      </a:lnRef>
-      <a:fillRef idx="1">
-        <a:scrgbClr r="0" g="0" b="0"/>
-      </a:fillRef>
-      <a:effectRef idx="0">
-        <a:scrgbClr r="0" g="0" b="0"/>
-      </a:effectRef>
-      <a:fontRef idx="minor">
-        <a:schemeClr val="lt1"/>
-      </a:fontRef>
-    </dgm:style>
-  </dgm:styleLbl>
-  <dgm:styleLbl name="node1">
-    <dgm:scene3d>
-      <a:camera prst="orthographicFront"/>
-      <a:lightRig rig="threePt" dir="t"/>
-    </dgm:scene3d>
-    <dgm:sp3d/>
-    <dgm:txPr/>
-    <dgm:style>
-      <a:lnRef idx="2">
-        <a:scrgbClr r="0" g="0" b="0"/>
-      </a:lnRef>
-      <a:fillRef idx="1">
-        <a:scrgbClr r="0" g="0" b="0"/>
-      </a:fillRef>
-      <a:effectRef idx="0">
-        <a:scrgbClr r="0" g="0" b="0"/>
-      </a:effectRef>
-      <a:fontRef idx="minor">
-        <a:schemeClr val="lt1"/>
-      </a:fontRef>
-    </dgm:style>
-  </dgm:styleLbl>
-  <dgm:styleLbl name="node2">
-    <dgm:scene3d>
-      <a:camera prst="orthographicFront"/>
-      <a:lightRig rig="threePt" dir="t"/>
-    </dgm:scene3d>
-    <dgm:sp3d/>
-    <dgm:txPr/>
-    <dgm:style>
-      <a:lnRef idx="2">
-        <a:scrgbClr r="0" g="0" b="0"/>
-      </a:lnRef>
-      <a:fillRef idx="1">
-        <a:scrgbClr r="0" g="0" b="0"/>
-      </a:fillRef>
-      <a:effectRef idx="0">
-        <a:scrgbClr r="0" g="0" b="0"/>
-      </a:effectRef>
-      <a:fontRef idx="minor">
-        <a:schemeClr val="lt1"/>
-      </a:fontRef>
-    </dgm:style>
-  </dgm:styleLbl>
-  <dgm:styleLbl name="node3">
-    <dgm:scene3d>
-      <a:camera prst="orthographicFront"/>
-      <a:lightRig rig="threePt" dir="t"/>
-    </dgm:scene3d>
-    <dgm:sp3d/>
-    <dgm:txPr/>
-    <dgm:style>
-      <a:lnRef idx="2">
-        <a:scrgbClr r="0" g="0" b="0"/>
-      </a:lnRef>
-      <a:fillRef idx="1">
-        <a:scrgbClr r="0" g="0" b="0"/>
-      </a:fillRef>
-      <a:effectRef idx="0">
-        <a:scrgbClr r="0" g="0" b="0"/>
-      </a:effectRef>
-      <a:fontRef idx="minor">
-        <a:schemeClr val="lt1"/>
-      </a:fontRef>
-    </dgm:style>
-  </dgm:styleLbl>
-  <dgm:styleLbl name="node4">
-    <dgm:scene3d>
-      <a:camera prst="orthographicFront"/>
-      <a:lightRig rig="threePt" dir="t"/>
-    </dgm:scene3d>
-    <dgm:sp3d/>
-    <dgm:txPr/>
-    <dgm:style>
-      <a:lnRef idx="2">
-        <a:scrgbClr r="0" g="0" b="0"/>
-      </a:lnRef>
-      <a:fillRef idx="1">
-        <a:scrgbClr r="0" g="0" b="0"/>
-      </a:fillRef>
-      <a:effectRef idx="0">
-        <a:scrgbClr r="0" g="0" b="0"/>
-      </a:effectRef>
-      <a:fontRef idx="minor">
-        <a:schemeClr val="lt1"/>
-      </a:fontRef>
-    </dgm:style>
-  </dgm:styleLbl>
-  <dgm:styleLbl name="fgImgPlace1">
-    <dgm:scene3d>
-      <a:camera prst="orthographicFront"/>
-      <a:lightRig rig="threePt" dir="t"/>
-    </dgm:scene3d>
-    <dgm:sp3d/>
-    <dgm:txPr/>
-    <dgm:style>
-      <a:lnRef idx="2">
-        <a:scrgbClr r="0" g="0" b="0"/>
-      </a:lnRef>
-      <a:fillRef idx="1">
-        <a:scrgbClr r="0" g="0" b="0"/>
-      </a:fillRef>
-      <a:effectRef idx="0">
-        <a:scrgbClr r="0" g="0" b="0"/>
-      </a:effectRef>
-      <a:fontRef idx="minor"/>
-    </dgm:style>
-  </dgm:styleLbl>
-  <dgm:styleLbl name="alignImgPlace1">
-    <dgm:scene3d>
-      <a:camera prst="orthographicFront"/>
-      <a:lightRig rig="threePt" dir="t"/>
-    </dgm:scene3d>
-    <dgm:sp3d/>
-    <dgm:txPr/>
-    <dgm:style>
-      <a:lnRef idx="2">
-        <a:scrgbClr r="0" g="0" b="0"/>
-      </a:lnRef>
-      <a:fillRef idx="1">
-        <a:scrgbClr r="0" g="0" b="0"/>
-      </a:fillRef>
-      <a:effectRef idx="0">
-        <a:scrgbClr r="0" g="0" b="0"/>
-      </a:effectRef>
-      <a:fontRef idx="minor"/>
-    </dgm:style>
-  </dgm:styleLbl>
-  <dgm:styleLbl name="bgImgPlace1">
-    <dgm:scene3d>
-      <a:camera prst="orthographicFront"/>
-      <a:lightRig rig="threePt" dir="t"/>
-    </dgm:scene3d>
-    <dgm:sp3d/>
-    <dgm:txPr/>
-    <dgm:style>
-      <a:lnRef idx="2">
-        <a:scrgbClr r="0" g="0" b="0"/>
-      </a:lnRef>
-      <a:fillRef idx="1">
-        <a:scrgbClr r="0" g="0" b="0"/>
-      </a:fillRef>
-      <a:effectRef idx="0">
-        <a:scrgbClr r="0" g="0" b="0"/>
-      </a:effectRef>
-      <a:fontRef idx="minor"/>
-    </dgm:style>
-  </dgm:styleLbl>
-  <dgm:styleLbl name="sibTrans2D1">
-    <dgm:scene3d>
-      <a:camera prst="orthographicFront"/>
-      <a:lightRig rig="threePt" dir="t"/>
-    </dgm:scene3d>
-    <dgm:sp3d/>
-    <dgm:txPr/>
-    <dgm:style>
-      <a:lnRef idx="0">
-        <a:scrgbClr r="0" g="0" b="0"/>
-      </a:lnRef>
-      <a:fillRef idx="1">
-        <a:scrgbClr r="0" g="0" b="0"/>
-      </a:fillRef>
-      <a:effectRef idx="0">
-        <a:scrgbClr r="0" g="0" b="0"/>
-      </a:effectRef>
-      <a:fontRef idx="minor">
-        <a:schemeClr val="lt1"/>
-      </a:fontRef>
-    </dgm:style>
-  </dgm:styleLbl>
-  <dgm:styleLbl name="fgSibTrans2D1">
-    <dgm:scene3d>
-      <a:camera prst="orthographicFront"/>
-      <a:lightRig rig="threePt" dir="t"/>
-    </dgm:scene3d>
-    <dgm:sp3d/>
-    <dgm:txPr/>
-    <dgm:style>
-      <a:lnRef idx="0">
-        <a:scrgbClr r="0" g="0" b="0"/>
-      </a:lnRef>
-      <a:fillRef idx="1">
-        <a:scrgbClr r="0" g="0" b="0"/>
-      </a:fillRef>
-      <a:effectRef idx="0">
-        <a:scrgbClr r="0" g="0" b="0"/>
-      </a:effectRef>
-      <a:fontRef idx="minor">
-        <a:schemeClr val="lt1"/>
-      </a:fontRef>
-    </dgm:style>
-  </dgm:styleLbl>
-  <dgm:styleLbl name="bgSibTrans2D1">
-    <dgm:scene3d>
-      <a:camera prst="orthographicFront"/>
-      <a:lightRig rig="threePt" dir="t"/>
-    </dgm:scene3d>
-    <dgm:sp3d/>
-    <dgm:txPr/>
-    <dgm:style>
-      <a:lnRef idx="0">
-        <a:scrgbClr r="0" g="0" b="0"/>
-      </a:lnRef>
-      <a:fillRef idx="1">
-        <a:scrgbClr r="0" g="0" b="0"/>
-      </a:fillRef>
-      <a:effectRef idx="0">
-        <a:scrgbClr r="0" g="0" b="0"/>
-      </a:effectRef>
-      <a:fontRef idx="minor">
-        <a:schemeClr val="lt1"/>
-      </a:fontRef>
-    </dgm:style>
-  </dgm:styleLbl>
-  <dgm:styleLbl name="sibTrans1D1">
-    <dgm:scene3d>
-      <a:camera prst="orthographicFront"/>
-      <a:lightRig rig="threePt" dir="t"/>
-    </dgm:scene3d>
-    <dgm:sp3d/>
-    <dgm:txPr/>
-    <dgm:style>
-      <a:lnRef idx="1">
-        <a:scrgbClr r="0" g="0" b="0"/>
-      </a:lnRef>
-      <a:fillRef idx="0">
-        <a:scrgbClr r="0" g="0" b="0"/>
-      </a:fillRef>
-      <a:effectRef idx="0">
-        <a:scrgbClr r="0" g="0" b="0"/>
-      </a:effectRef>
-      <a:fontRef idx="minor"/>
-    </dgm:style>
-  </dgm:styleLbl>
-  <dgm:styleLbl name="callout">
-    <dgm:scene3d>
-      <a:camera prst="orthographicFront"/>
-      <a:lightRig rig="threePt" dir="t"/>
-    </dgm:scene3d>
-    <dgm:sp3d/>
-    <dgm:txPr/>
-    <dgm:style>
-      <a:lnRef idx="2">
-        <a:scrgbClr r="0" g="0" b="0"/>
-      </a:lnRef>
-      <a:fillRef idx="1">
-        <a:scrgbClr r="0" g="0" b="0"/>
-      </a:fillRef>
-      <a:effectRef idx="0">
-        <a:scrgbClr r="0" g="0" b="0"/>
-      </a:effectRef>
-      <a:fontRef idx="minor"/>
-    </dgm:style>
-  </dgm:styleLbl>
-  <dgm:styleLbl name="asst0">
-    <dgm:scene3d>
-      <a:camera prst="orthographicFront"/>
-      <a:lightRig rig="threePt" dir="t"/>
-    </dgm:scene3d>
-    <dgm:sp3d/>
-    <dgm:txPr/>
-    <dgm:style>
-      <a:lnRef idx="2">
-        <a:scrgbClr r="0" g="0" b="0"/>
-      </a:lnRef>
-      <a:fillRef idx="1">
-        <a:scrgbClr r="0" g="0" b="0"/>
-      </a:fillRef>
-      <a:effectRef idx="0">
-        <a:scrgbClr r="0" g="0" b="0"/>
-      </a:effectRef>
-      <a:fontRef idx="minor">
-        <a:schemeClr val="lt1"/>
-      </a:fontRef>
-    </dgm:style>
-  </dgm:styleLbl>
-  <dgm:styleLbl name="asst1">
-    <dgm:scene3d>
-      <a:camera prst="orthographicFront"/>
-      <a:lightRig rig="threePt" dir="t"/>
-    </dgm:scene3d>
-    <dgm:sp3d/>
-    <dgm:txPr/>
-    <dgm:style>
-      <a:lnRef idx="2">
-        <a:scrgbClr r="0" g="0" b="0"/>
-      </a:lnRef>
-      <a:fillRef idx="1">
-        <a:scrgbClr r="0" g="0" b="0"/>
-      </a:fillRef>
-      <a:effectRef idx="0">
-        <a:scrgbClr r="0" g="0" b="0"/>
-      </a:effectRef>
-      <a:fontRef idx="minor">
-        <a:schemeClr val="lt1"/>
-      </a:fontRef>
-    </dgm:style>
-  </dgm:styleLbl>
-  <dgm:styleLbl name="asst2">
-    <dgm:scene3d>
-      <a:camera prst="orthographicFront"/>
-      <a:lightRig rig="threePt" dir="t"/>
-    </dgm:scene3d>
-    <dgm:sp3d/>
-    <dgm:txPr/>
-    <dgm:style>
-      <a:lnRef idx="2">
-        <a:scrgbClr r="0" g="0" b="0"/>
-      </a:lnRef>
-      <a:fillRef idx="1">
-        <a:scrgbClr r="0" g="0" b="0"/>
-      </a:fillRef>
-      <a:effectRef idx="0">
-        <a:scrgbClr r="0" g="0" b="0"/>
-      </a:effectRef>
-      <a:fontRef idx="minor">
-        <a:schemeClr val="lt1"/>
-      </a:fontRef>
-    </dgm:style>
-  </dgm:styleLbl>
-  <dgm:styleLbl name="asst3">
-    <dgm:scene3d>
-      <a:camera prst="orthographicFront"/>
-      <a:lightRig rig="threePt" dir="t"/>
-    </dgm:scene3d>
-    <dgm:sp3d/>
-    <dgm:txPr/>
-    <dgm:style>
-      <a:lnRef idx="2">
-        <a:scrgbClr r="0" g="0" b="0"/>
-      </a:lnRef>
-      <a:fillRef idx="1">
-        <a:scrgbClr r="0" g="0" b="0"/>
-      </a:fillRef>
-      <a:effectRef idx="0">
-        <a:scrgbClr r="0" g="0" b="0"/>
-      </a:effectRef>
-      <a:fontRef idx="minor">
-        <a:schemeClr val="lt1"/>
-      </a:fontRef>
-    </dgm:style>
-  </dgm:styleLbl>
-  <dgm:styleLbl name="asst4">
-    <dgm:scene3d>
-      <a:camera prst="orthographicFront"/>
-      <a:lightRig rig="threePt" dir="t"/>
-    </dgm:scene3d>
-    <dgm:sp3d/>
-    <dgm:txPr/>
-    <dgm:style>
-      <a:lnRef idx="2">
-        <a:scrgbClr r="0" g="0" b="0"/>
-      </a:lnRef>
-      <a:fillRef idx="1">
-        <a:scrgbClr r="0" g="0" b="0"/>
-      </a:fillRef>
-      <a:effectRef idx="0">
-        <a:scrgbClr r="0" g="0" b="0"/>
-      </a:effectRef>
-      <a:fontRef idx="minor">
-        <a:schemeClr val="lt1"/>
-      </a:fontRef>
-    </dgm:style>
-  </dgm:styleLbl>
-  <dgm:styleLbl name="parChTrans2D1">
-    <dgm:scene3d>
-      <a:camera prst="orthographicFront"/>
-      <a:lightRig rig="threePt" dir="t"/>
-    </dgm:scene3d>
-    <dgm:sp3d/>
-    <dgm:txPr/>
-    <dgm:style>
-      <a:lnRef idx="2">
-        <a:scrgbClr r="0" g="0" b="0"/>
-      </a:lnRef>
-      <a:fillRef idx="1">
-        <a:scrgbClr r="0" g="0" b="0"/>
-      </a:fillRef>
-      <a:effectRef idx="0">
-        <a:scrgbClr r="0" g="0" b="0"/>
-      </a:effectRef>
-      <a:fontRef idx="minor">
-        <a:schemeClr val="lt1"/>
-      </a:fontRef>
-    </dgm:style>
-  </dgm:styleLbl>
-  <dgm:styleLbl name="parChTrans2D2">
-    <dgm:scene3d>
-      <a:camera prst="orthographicFront"/>
-      <a:lightRig rig="threePt" dir="t"/>
-    </dgm:scene3d>
-    <dgm:sp3d/>
-    <dgm:txPr/>
-    <dgm:style>
-      <a:lnRef idx="2">
-        <a:scrgbClr r="0" g="0" b="0"/>
-      </a:lnRef>
-      <a:fillRef idx="1">
-        <a:scrgbClr r="0" g="0" b="0"/>
-      </a:fillRef>
-      <a:effectRef idx="0">
-        <a:scrgbClr r="0" g="0" b="0"/>
-      </a:effectRef>
-      <a:fontRef idx="minor">
-        <a:schemeClr val="lt1"/>
-      </a:fontRef>
-    </dgm:style>
-  </dgm:styleLbl>
-  <dgm:styleLbl name="parChTrans2D3">
-    <dgm:scene3d>
-      <a:camera prst="orthographicFront"/>
-      <a:lightRig rig="threePt" dir="t"/>
-    </dgm:scene3d>
-    <dgm:sp3d/>
-    <dgm:txPr/>
-    <dgm:style>
-      <a:lnRef idx="2">
-        <a:scrgbClr r="0" g="0" b="0"/>
-      </a:lnRef>
-      <a:fillRef idx="1">
-        <a:scrgbClr r="0" g="0" b="0"/>
-      </a:fillRef>
-      <a:effectRef idx="0">
-        <a:scrgbClr r="0" g="0" b="0"/>
-      </a:effectRef>
-      <a:fontRef idx="minor">
-        <a:schemeClr val="lt1"/>
-      </a:fontRef>
-    </dgm:style>
-  </dgm:styleLbl>
-  <dgm:styleLbl name="parChTrans2D4">
-    <dgm:scene3d>
-      <a:camera prst="orthographicFront"/>
-      <a:lightRig rig="threePt" dir="t"/>
-    </dgm:scene3d>
-    <dgm:sp3d/>
-    <dgm:txPr/>
-    <dgm:style>
-      <a:lnRef idx="2">
-        <a:scrgbClr r="0" g="0" b="0"/>
-      </a:lnRef>
-      <a:fillRef idx="1">
-        <a:scrgbClr r="0" g="0" b="0"/>
-      </a:fillRef>
-      <a:effectRef idx="0">
-        <a:scrgbClr r="0" g="0" b="0"/>
-      </a:effectRef>
-      <a:fontRef idx="minor">
-        <a:schemeClr val="lt1"/>
-      </a:fontRef>
-    </dgm:style>
-  </dgm:styleLbl>
-  <dgm:styleLbl name="parChTrans1D1">
-    <dgm:scene3d>
-      <a:camera prst="orthographicFront"/>
-      <a:lightRig rig="threePt" dir="t"/>
-    </dgm:scene3d>
-    <dgm:sp3d/>
-    <dgm:txPr/>
-    <dgm:style>
-      <a:lnRef idx="2">
-        <a:scrgbClr r="0" g="0" b="0"/>
-      </a:lnRef>
-      <a:fillRef idx="0">
-        <a:scrgbClr r="0" g="0" b="0"/>
-      </a:fillRef>
-      <a:effectRef idx="0">
-        <a:scrgbClr r="0" g="0" b="0"/>
-      </a:effectRef>
-      <a:fontRef idx="minor"/>
-    </dgm:style>
-  </dgm:styleLbl>
-  <dgm:styleLbl name="parChTrans1D2">
-    <dgm:scene3d>
-      <a:camera prst="orthographicFront"/>
-      <a:lightRig rig="threePt" dir="t"/>
-    </dgm:scene3d>
-    <dgm:sp3d/>
-    <dgm:txPr/>
-    <dgm:style>
-      <a:lnRef idx="2">
-        <a:scrgbClr r="0" g="0" b="0"/>
-      </a:lnRef>
-      <a:fillRef idx="0">
-        <a:scrgbClr r="0" g="0" b="0"/>
-      </a:fillRef>
-      <a:effectRef idx="0">
-        <a:scrgbClr r="0" g="0" b="0"/>
-      </a:effectRef>
-      <a:fontRef idx="minor"/>
-    </dgm:style>
-  </dgm:styleLbl>
-  <dgm:styleLbl name="parChTrans1D3">
-    <dgm:scene3d>
-      <a:camera prst="orthographicFront"/>
-      <a:lightRig rig="threePt" dir="t"/>
-    </dgm:scene3d>
-    <dgm:sp3d/>
-    <dgm:txPr/>
-    <dgm:style>
-      <a:lnRef idx="2">
-        <a:scrgbClr r="0" g="0" b="0"/>
-      </a:lnRef>
-      <a:fillRef idx="0">
-        <a:scrgbClr r="0" g="0" b="0"/>
-      </a:fillRef>
-      <a:effectRef idx="0">
-        <a:scrgbClr r="0" g="0" b="0"/>
-      </a:effectRef>
-      <a:fontRef idx="minor"/>
-    </dgm:style>
-  </dgm:styleLbl>
-  <dgm:styleLbl name="parChTrans1D4">
-    <dgm:scene3d>
-      <a:camera prst="orthographicFront"/>
-      <a:lightRig rig="threePt" dir="t"/>
-    </dgm:scene3d>
-    <dgm:sp3d/>
-    <dgm:txPr/>
-    <dgm:style>
-      <a:lnRef idx="2">
-        <a:scrgbClr r="0" g="0" b="0"/>
-      </a:lnRef>
-      <a:fillRef idx="0">
-        <a:scrgbClr r="0" g="0" b="0"/>
-      </a:fillRef>
-      <a:effectRef idx="0">
-        <a:scrgbClr r="0" g="0" b="0"/>
-      </a:effectRef>
-      <a:fontRef idx="minor"/>
-    </dgm:style>
-  </dgm:styleLbl>
-  <dgm:styleLbl name="fgAcc1">
-    <dgm:scene3d>
-      <a:camera prst="orthographicFront"/>
-      <a:lightRig rig="threePt" dir="t"/>
-    </dgm:scene3d>
-    <dgm:sp3d/>
-    <dgm:txPr/>
-    <dgm:style>
-      <a:lnRef idx="2">
-        <a:scrgbClr r="0" g="0" b="0"/>
-      </a:lnRef>
-      <a:fillRef idx="1">
-        <a:scrgbClr r="0" g="0" b="0"/>
-      </a:fillRef>
-      <a:effectRef idx="0">
-        <a:scrgbClr r="0" g="0" b="0"/>
-      </a:effectRef>
-      <a:fontRef idx="minor"/>
-    </dgm:style>
-  </dgm:styleLbl>
-  <dgm:styleLbl name="conFgAcc1">
-    <dgm:scene3d>
-      <a:camera prst="orthographicFront"/>
-      <a:lightRig rig="threePt" dir="t"/>
-    </dgm:scene3d>
-    <dgm:sp3d/>
-    <dgm:txPr/>
-    <dgm:style>
-      <a:lnRef idx="2">
-        <a:scrgbClr r="0" g="0" b="0"/>
-      </a:lnRef>
-      <a:fillRef idx="1">
-        <a:scrgbClr r="0" g="0" b="0"/>
-      </a:fillRef>
-      <a:effectRef idx="0">
-        <a:scrgbClr r="0" g="0" b="0"/>
-      </a:effectRef>
-      <a:fontRef idx="minor"/>
-    </dgm:style>
-  </dgm:styleLbl>
-  <dgm:styleLbl name="alignAcc1">
-    <dgm:scene3d>
-      <a:camera prst="orthographicFront"/>
-      <a:lightRig rig="threePt" dir="t"/>
-    </dgm:scene3d>
-    <dgm:sp3d/>
-    <dgm:txPr/>
-    <dgm:style>
-      <a:lnRef idx="2">
-        <a:scrgbClr r="0" g="0" b="0"/>
-      </a:lnRef>
-      <a:fillRef idx="1">
-        <a:scrgbClr r="0" g="0" b="0"/>
-      </a:fillRef>
-      <a:effectRef idx="0">
-        <a:scrgbClr r="0" g="0" b="0"/>
-      </a:effectRef>
-      <a:fontRef idx="minor"/>
-    </dgm:style>
-  </dgm:styleLbl>
-  <dgm:styleLbl name="trAlignAcc1">
-    <dgm:scene3d>
-      <a:camera prst="orthographicFront"/>
-      <a:lightRig rig="threePt" dir="t"/>
-    </dgm:scene3d>
-    <dgm:sp3d/>
-    <dgm:txPr/>
-    <dgm:style>
-      <a:lnRef idx="1">
-        <a:scrgbClr r="0" g="0" b="0"/>
-      </a:lnRef>
-      <a:fillRef idx="1">
-        <a:scrgbClr r="0" g="0" b="0"/>
-      </a:fillRef>
-      <a:effectRef idx="0">
-        <a:scrgbClr r="0" g="0" b="0"/>
-      </a:effectRef>
-      <a:fontRef idx="minor"/>
-    </dgm:style>
-  </dgm:styleLbl>
-  <dgm:styleLbl name="bgAcc1">
-    <dgm:scene3d>
-      <a:camera prst="orthographicFront"/>
-      <a:lightRig rig="threePt" dir="t"/>
-    </dgm:scene3d>
-    <dgm:sp3d/>
-    <dgm:txPr/>
-    <dgm:style>
-      <a:lnRef idx="2">
-        <a:scrgbClr r="0" g="0" b="0"/>
-      </a:lnRef>
-      <a:fillRef idx="1">
-        <a:scrgbClr r="0" g="0" b="0"/>
-      </a:fillRef>
-      <a:effectRef idx="0">
-        <a:scrgbClr r="0" g="0" b="0"/>
-      </a:effectRef>
-      <a:fontRef idx="minor"/>
-    </dgm:style>
-  </dgm:styleLbl>
-  <dgm:styleLbl name="solidFgAcc1">
-    <dgm:scene3d>
-      <a:camera prst="orthographicFront"/>
-      <a:lightRig rig="threePt" dir="t"/>
-    </dgm:scene3d>
-    <dgm:sp3d/>
-    <dgm:txPr/>
-    <dgm:style>
-      <a:lnRef idx="2">
-        <a:scrgbClr r="0" g="0" b="0"/>
-      </a:lnRef>
-      <a:fillRef idx="1">
-        <a:scrgbClr r="0" g="0" b="0"/>
-      </a:fillRef>
-      <a:effectRef idx="0">
-        <a:scrgbClr r="0" g="0" b="0"/>
-      </a:effectRef>
-      <a:fontRef idx="minor"/>
-    </dgm:style>
-  </dgm:styleLbl>
-  <dgm:styleLbl name="solidAlignAcc1">
-    <dgm:scene3d>
-      <a:camera prst="orthographicFront"/>
-      <a:lightRig rig="threePt" dir="t"/>
-    </dgm:scene3d>
-    <dgm:sp3d/>
-    <dgm:txPr/>
-    <dgm:style>
-      <a:lnRef idx="2">
-        <a:scrgbClr r="0" g="0" b="0"/>
-      </a:lnRef>
-      <a:fillRef idx="1">
-        <a:scrgbClr r="0" g="0" b="0"/>
-      </a:fillRef>
-      <a:effectRef idx="0">
-        <a:scrgbClr r="0" g="0" b="0"/>
-      </a:effectRef>
-      <a:fontRef idx="minor"/>
-    </dgm:style>
-  </dgm:styleLbl>
-  <dgm:styleLbl name="solidBgAcc1">
-    <dgm:scene3d>
-      <a:camera prst="orthographicFront"/>
-      <a:lightRig rig="threePt" dir="t"/>
-    </dgm:scene3d>
-    <dgm:sp3d/>
-    <dgm:txPr/>
-    <dgm:style>
-      <a:lnRef idx="2">
-        <a:scrgbClr r="0" g="0" b="0"/>
-      </a:lnRef>
-      <a:fillRef idx="1">
-        <a:scrgbClr r="0" g="0" b="0"/>
-      </a:fillRef>
-      <a:effectRef idx="0">
-        <a:scrgbClr r="0" g="0" b="0"/>
-      </a:effectRef>
-      <a:fontRef idx="minor"/>
-    </dgm:style>
-  </dgm:styleLbl>
-  <dgm:styleLbl name="fgAccFollowNode1">
-    <dgm:scene3d>
-      <a:camera prst="orthographicFront"/>
-      <a:lightRig rig="threePt" dir="t"/>
-    </dgm:scene3d>
-    <dgm:sp3d/>
-    <dgm:txPr/>
-    <dgm:style>
-      <a:lnRef idx="2">
-        <a:scrgbClr r="0" g="0" b="0"/>
-      </a:lnRef>
-      <a:fillRef idx="1">
-        <a:scrgbClr r="0" g="0" b="0"/>
-      </a:fillRef>
-      <a:effectRef idx="0">
-        <a:scrgbClr r="0" g="0" b="0"/>
-      </a:effectRef>
-      <a:fontRef idx="minor"/>
-    </dgm:style>
-  </dgm:styleLbl>
-  <dgm:styleLbl name="alignAccFollowNode1">
-    <dgm:scene3d>
-      <a:camera prst="orthographicFront"/>
-      <a:lightRig rig="threePt" dir="t"/>
-    </dgm:scene3d>
-    <dgm:sp3d/>
-    <dgm:txPr/>
-    <dgm:style>
-      <a:lnRef idx="2">
-        <a:scrgbClr r="0" g="0" b="0"/>
-      </a:lnRef>
-      <a:fillRef idx="1">
-        <a:scrgbClr r="0" g="0" b="0"/>
-      </a:fillRef>
-      <a:effectRef idx="0">
-        <a:scrgbClr r="0" g="0" b="0"/>
-      </a:effectRef>
-      <a:fontRef idx="minor"/>
-    </dgm:style>
-  </dgm:styleLbl>
-  <dgm:styleLbl name="bgAccFollowNode1">
-    <dgm:scene3d>
-      <a:camera prst="orthographicFront"/>
-      <a:lightRig rig="threePt" dir="t"/>
-    </dgm:scene3d>
-    <dgm:sp3d/>
-    <dgm:txPr/>
-    <dgm:style>
-      <a:lnRef idx="2">
-        <a:scrgbClr r="0" g="0" b="0"/>
-      </a:lnRef>
-      <a:fillRef idx="1">
-        <a:scrgbClr r="0" g="0" b="0"/>
-      </a:fillRef>
-      <a:effectRef idx="0">
-        <a:scrgbClr r="0" g="0" b="0"/>
-      </a:effectRef>
-      <a:fontRef idx="minor"/>
-    </dgm:style>
-  </dgm:styleLbl>
-  <dgm:styleLbl name="fgAcc0">
-    <dgm:scene3d>
-      <a:camera prst="orthographicFront"/>
-      <a:lightRig rig="threePt" dir="t"/>
-    </dgm:scene3d>
-    <dgm:sp3d/>
-    <dgm:txPr/>
-    <dgm:style>
-      <a:lnRef idx="2">
-        <a:scrgbClr r="0" g="0" b="0"/>
-      </a:lnRef>
-      <a:fillRef idx="1">
-        <a:scrgbClr r="0" g="0" b="0"/>
-      </a:fillRef>
-      <a:effectRef idx="0">
-        <a:scrgbClr r="0" g="0" b="0"/>
-      </a:effectRef>
-      <a:fontRef idx="minor"/>
-    </dgm:style>
-  </dgm:styleLbl>
-  <dgm:styleLbl name="fgAcc2">
-    <dgm:scene3d>
-      <a:camera prst="orthographicFront"/>
-      <a:lightRig rig="threePt" dir="t"/>
-    </dgm:scene3d>
-    <dgm:sp3d/>
-    <dgm:txPr/>
-    <dgm:style>
-      <a:lnRef idx="2">
-        <a:scrgbClr r="0" g="0" b="0"/>
-      </a:lnRef>
-      <a:fillRef idx="1">
-        <a:scrgbClr r="0" g="0" b="0"/>
-      </a:fillRef>
-      <a:effectRef idx="0">
-        <a:scrgbClr r="0" g="0" b="0"/>
-      </a:effectRef>
-      <a:fontRef idx="minor"/>
-    </dgm:style>
-  </dgm:styleLbl>
-  <dgm:styleLbl name="fgAcc3">
-    <dgm:scene3d>
-      <a:camera prst="orthographicFront"/>
-      <a:lightRig rig="threePt" dir="t"/>
-    </dgm:scene3d>
-    <dgm:sp3d/>
-    <dgm:txPr/>
-    <dgm:style>
-      <a:lnRef idx="2">
-        <a:scrgbClr r="0" g="0" b="0"/>
-      </a:lnRef>
-      <a:fillRef idx="1">
-        <a:scrgbClr r="0" g="0" b="0"/>
-      </a:fillRef>
-      <a:effectRef idx="0">
-        <a:scrgbClr r="0" g="0" b="0"/>
-      </a:effectRef>
-      <a:fontRef idx="minor"/>
-    </dgm:style>
-  </dgm:styleLbl>
-  <dgm:styleLbl name="fgAcc4">
-    <dgm:scene3d>
-      <a:camera prst="orthographicFront"/>
-      <a:lightRig rig="threePt" dir="t"/>
-    </dgm:scene3d>
-    <dgm:sp3d/>
-    <dgm:txPr/>
-    <dgm:style>
-      <a:lnRef idx="2">
-        <a:scrgbClr r="0" g="0" b="0"/>
-      </a:lnRef>
-      <a:fillRef idx="1">
-        <a:scrgbClr r="0" g="0" b="0"/>
-      </a:fillRef>
-      <a:effectRef idx="0">
-        <a:scrgbClr r="0" g="0" b="0"/>
-      </a:effectRef>
-      <a:fontRef idx="minor"/>
-    </dgm:style>
-  </dgm:styleLbl>
-  <dgm:styleLbl name="bgShp">
-    <dgm:scene3d>
-      <a:camera prst="orthographicFront"/>
-      <a:lightRig rig="threePt" dir="t"/>
-    </dgm:scene3d>
-    <dgm:sp3d/>
-    <dgm:txPr/>
-    <dgm:style>
-      <a:lnRef idx="0">
-        <a:scrgbClr r="0" g="0" b="0"/>
-      </a:lnRef>
-      <a:fillRef idx="1">
-        <a:scrgbClr r="0" g="0" b="0"/>
-      </a:fillRef>
-      <a:effectRef idx="0">
-        <a:scrgbClr r="0" g="0" b="0"/>
-      </a:effectRef>
-      <a:fontRef idx="minor"/>
-    </dgm:style>
-  </dgm:styleLbl>
-  <dgm:styleLbl name="dkBgShp">
-    <dgm:scene3d>
-      <a:camera prst="orthographicFront"/>
-      <a:lightRig rig="threePt" dir="t"/>
-    </dgm:scene3d>
-    <dgm:sp3d/>
-    <dgm:txPr/>
-    <dgm:style>
-      <a:lnRef idx="0">
-        <a:scrgbClr r="0" g="0" b="0"/>
-      </a:lnRef>
-      <a:fillRef idx="1">
-        <a:scrgbClr r="0" g="0" b="0"/>
-      </a:fillRef>
-      <a:effectRef idx="0">
-        <a:scrgbClr r="0" g="0" b="0"/>
-      </a:effectRef>
-      <a:fontRef idx="minor"/>
-    </dgm:style>
-  </dgm:styleLbl>
-  <dgm:styleLbl name="trBgShp">
-    <dgm:scene3d>
-      <a:camera prst="orthographicFront"/>
-      <a:lightRig rig="threePt" dir="t"/>
-    </dgm:scene3d>
-    <dgm:sp3d/>
-    <dgm:txPr/>
-    <dgm:style>
-      <a:lnRef idx="0">
-        <a:scrgbClr r="0" g="0" b="0"/>
-      </a:lnRef>
-      <a:fillRef idx="1">
-        <a:scrgbClr r="0" g="0" b="0"/>
-      </a:fillRef>
-      <a:effectRef idx="0">
-        <a:scrgbClr r="0" g="0" b="0"/>
-      </a:effectRef>
-      <a:fontRef idx="minor"/>
-    </dgm:style>
-  </dgm:styleLbl>
-  <dgm:styleLbl name="fgShp">
-    <dgm:scene3d>
-      <a:camera prst="orthographicFront"/>
-      <a:lightRig rig="threePt" dir="t"/>
-    </dgm:scene3d>
-    <dgm:sp3d/>
-    <dgm:txPr/>
-    <dgm:style>
-      <a:lnRef idx="2">
-        <a:scrgbClr r="0" g="0" b="0"/>
-      </a:lnRef>
-      <a:fillRef idx="1">
-        <a:scrgbClr r="0" g="0" b="0"/>
-      </a:fillRef>
-      <a:effectRef idx="0">
-        <a:scrgbClr r="0" g="0" b="0"/>
-      </a:effectRef>
-      <a:fontRef idx="minor"/>
-    </dgm:style>
-  </dgm:styleLbl>
-  <dgm:styleLbl name="revTx">
-    <dgm:scene3d>
-      <a:camera prst="orthographicFront"/>
-      <a:lightRig rig="threePt" dir="t"/>
-    </dgm:scene3d>
-    <dgm:sp3d/>
-    <dgm:txPr/>
-    <dgm:style>
-      <a:lnRef idx="0">
-        <a:scrgbClr r="0" g="0" b="0"/>
-      </a:lnRef>
-      <a:fillRef idx="0">
-        <a:scrgbClr r="0" g="0" b="0"/>
-      </a:fillRef>
-      <a:effectRef idx="0">
-        <a:scrgbClr r="0" g="0" b="0"/>
-      </a:effectRef>
-      <a:fontRef idx="minor"/>
-    </dgm:style>
-  </dgm:styleLbl>
-</dgm:styleDef>
-</file>
-
 <file path=ppt/diagrams/quickStyle2.xml><?xml version="1.0" encoding="utf-8"?>
 <dgm:styleDef xmlns:dgm="http://schemas.openxmlformats.org/drawingml/2006/diagram" xmlns:a="http://schemas.openxmlformats.org/drawingml/2006/main" uniqueId="urn:microsoft.com/office/officeart/2005/8/quickstyle/simple1">
   <dgm:title val=""/>
@@ -40391,7 +37397,7 @@
             <a:fld id="{F679B0E0-508A-4FF6-9354-C13C1EBBA3BF}" type="datetimeFigureOut">
               <a:rPr lang="ru-RU" smtClean="0"/>
               <a:pPr/>
-              <a:t>24.05.2021</a:t>
+              <a:t>06.06.2021</a:t>
             </a:fld>
             <a:endParaRPr lang="ru-RU"/>
           </a:p>
@@ -40825,7 +37831,7 @@
     </p:spTree>
     <p:extLst>
       <p:ext uri="{BB962C8B-B14F-4D97-AF65-F5344CB8AC3E}">
-        <p14:creationId xmlns:p14="http://schemas.microsoft.com/office/powerpoint/2010/main" val="183649482"/>
+        <p14:creationId xmlns:p14="http://schemas.microsoft.com/office/powerpoint/2010/main" val="4036851961"/>
       </p:ext>
     </p:extLst>
   </p:cSld>
@@ -40912,7 +37918,7 @@
     </p:spTree>
     <p:extLst>
       <p:ext uri="{BB962C8B-B14F-4D97-AF65-F5344CB8AC3E}">
-        <p14:creationId xmlns:p14="http://schemas.microsoft.com/office/powerpoint/2010/main" val="4036851961"/>
+        <p14:creationId xmlns:p14="http://schemas.microsoft.com/office/powerpoint/2010/main" val="1047594513"/>
       </p:ext>
     </p:extLst>
   </p:cSld>
@@ -40999,7 +38005,7 @@
     </p:spTree>
     <p:extLst>
       <p:ext uri="{BB962C8B-B14F-4D97-AF65-F5344CB8AC3E}">
-        <p14:creationId xmlns:p14="http://schemas.microsoft.com/office/powerpoint/2010/main" val="1047594513"/>
+        <p14:creationId xmlns:p14="http://schemas.microsoft.com/office/powerpoint/2010/main" val="1937732972"/>
       </p:ext>
     </p:extLst>
   </p:cSld>
@@ -41086,7 +38092,7 @@
     </p:spTree>
     <p:extLst>
       <p:ext uri="{BB962C8B-B14F-4D97-AF65-F5344CB8AC3E}">
-        <p14:creationId xmlns:p14="http://schemas.microsoft.com/office/powerpoint/2010/main" val="1937732972"/>
+        <p14:creationId xmlns:p14="http://schemas.microsoft.com/office/powerpoint/2010/main" val="3816606791"/>
       </p:ext>
     </p:extLst>
   </p:cSld>
@@ -41173,7 +38179,7 @@
     </p:spTree>
     <p:extLst>
       <p:ext uri="{BB962C8B-B14F-4D97-AF65-F5344CB8AC3E}">
-        <p14:creationId xmlns:p14="http://schemas.microsoft.com/office/powerpoint/2010/main" val="3816606791"/>
+        <p14:creationId xmlns:p14="http://schemas.microsoft.com/office/powerpoint/2010/main" val="995746652"/>
       </p:ext>
     </p:extLst>
   </p:cSld>
@@ -41252,93 +38258,6 @@
               <a:rPr lang="ru-RU" smtClean="0"/>
               <a:pPr/>
               <a:t>16</a:t>
-            </a:fld>
-            <a:endParaRPr lang="ru-RU"/>
-          </a:p>
-        </p:txBody>
-      </p:sp>
-    </p:spTree>
-    <p:extLst>
-      <p:ext uri="{BB962C8B-B14F-4D97-AF65-F5344CB8AC3E}">
-        <p14:creationId xmlns:p14="http://schemas.microsoft.com/office/powerpoint/2010/main" val="995746652"/>
-      </p:ext>
-    </p:extLst>
-  </p:cSld>
-  <p:clrMapOvr>
-    <a:masterClrMapping/>
-  </p:clrMapOvr>
-</p:notes>
-</file>
-
-<file path=ppt/notesSlides/notesSlide16.xml><?xml version="1.0" encoding="utf-8"?>
-<p:notes xmlns:a="http://schemas.openxmlformats.org/drawingml/2006/main" xmlns:r="http://schemas.openxmlformats.org/officeDocument/2006/relationships" xmlns:p="http://schemas.openxmlformats.org/presentationml/2006/main">
-  <p:cSld>
-    <p:spTree>
-      <p:nvGrpSpPr>
-        <p:cNvPr id="1" name=""/>
-        <p:cNvGrpSpPr/>
-        <p:nvPr/>
-      </p:nvGrpSpPr>
-      <p:grpSpPr>
-        <a:xfrm>
-          <a:off x="0" y="0"/>
-          <a:ext cx="0" cy="0"/>
-          <a:chOff x="0" y="0"/>
-          <a:chExt cx="0" cy="0"/>
-        </a:xfrm>
-      </p:grpSpPr>
-      <p:sp>
-        <p:nvSpPr>
-          <p:cNvPr id="2" name="Образ слайда 1"/>
-          <p:cNvSpPr>
-            <a:spLocks noGrp="1" noRot="1" noChangeAspect="1"/>
-          </p:cNvSpPr>
-          <p:nvPr>
-            <p:ph type="sldImg"/>
-          </p:nvPr>
-        </p:nvSpPr>
-        <p:spPr/>
-      </p:sp>
-      <p:sp>
-        <p:nvSpPr>
-          <p:cNvPr id="3" name="Заметки 2"/>
-          <p:cNvSpPr>
-            <a:spLocks noGrp="1"/>
-          </p:cNvSpPr>
-          <p:nvPr>
-            <p:ph type="body" idx="1"/>
-          </p:nvPr>
-        </p:nvSpPr>
-        <p:spPr/>
-        <p:txBody>
-          <a:bodyPr>
-            <a:normAutofit/>
-          </a:bodyPr>
-          <a:lstStyle/>
-          <a:p>
-            <a:endParaRPr lang="ru-RU"/>
-          </a:p>
-        </p:txBody>
-      </p:sp>
-      <p:sp>
-        <p:nvSpPr>
-          <p:cNvPr id="4" name="Номер слайда 3"/>
-          <p:cNvSpPr>
-            <a:spLocks noGrp="1"/>
-          </p:cNvSpPr>
-          <p:nvPr>
-            <p:ph type="sldNum" sz="quarter" idx="10"/>
-          </p:nvPr>
-        </p:nvSpPr>
-        <p:spPr/>
-        <p:txBody>
-          <a:bodyPr/>
-          <a:lstStyle/>
-          <a:p>
-            <a:fld id="{02223F96-E324-408A-96FA-3EF40AD6E0A8}" type="slidenum">
-              <a:rPr lang="ru-RU" smtClean="0"/>
-              <a:pPr/>
-              <a:t>17</a:t>
             </a:fld>
             <a:endParaRPr lang="ru-RU"/>
           </a:p>
@@ -41956,7 +38875,7 @@
     </p:spTree>
     <p:extLst>
       <p:ext uri="{BB962C8B-B14F-4D97-AF65-F5344CB8AC3E}">
-        <p14:creationId xmlns:p14="http://schemas.microsoft.com/office/powerpoint/2010/main" val="2566468488"/>
+        <p14:creationId xmlns:p14="http://schemas.microsoft.com/office/powerpoint/2010/main" val="929860813"/>
       </p:ext>
     </p:extLst>
   </p:cSld>
@@ -42043,7 +38962,7 @@
     </p:spTree>
     <p:extLst>
       <p:ext uri="{BB962C8B-B14F-4D97-AF65-F5344CB8AC3E}">
-        <p14:creationId xmlns:p14="http://schemas.microsoft.com/office/powerpoint/2010/main" val="929860813"/>
+        <p14:creationId xmlns:p14="http://schemas.microsoft.com/office/powerpoint/2010/main" val="183649482"/>
       </p:ext>
     </p:extLst>
   </p:cSld>
@@ -42233,7 +39152,7 @@
             <a:fld id="{099FE1D4-06A7-4C6A-B291-F757B96CFE99}" type="datetimeFigureOut">
               <a:rPr lang="ru-RU" smtClean="0"/>
               <a:pPr/>
-              <a:t>24.05.2021</a:t>
+              <a:t>06.06.2021</a:t>
             </a:fld>
             <a:endParaRPr lang="ru-RU"/>
           </a:p>
@@ -42398,7 +39317,7 @@
             <a:fld id="{099FE1D4-06A7-4C6A-B291-F757B96CFE99}" type="datetimeFigureOut">
               <a:rPr lang="ru-RU" smtClean="0"/>
               <a:pPr/>
-              <a:t>24.05.2021</a:t>
+              <a:t>06.06.2021</a:t>
             </a:fld>
             <a:endParaRPr lang="ru-RU"/>
           </a:p>
@@ -42573,7 +39492,7 @@
             <a:fld id="{099FE1D4-06A7-4C6A-B291-F757B96CFE99}" type="datetimeFigureOut">
               <a:rPr lang="ru-RU" smtClean="0"/>
               <a:pPr/>
-              <a:t>24.05.2021</a:t>
+              <a:t>06.06.2021</a:t>
             </a:fld>
             <a:endParaRPr lang="ru-RU"/>
           </a:p>
@@ -42738,7 +39657,7 @@
             <a:fld id="{099FE1D4-06A7-4C6A-B291-F757B96CFE99}" type="datetimeFigureOut">
               <a:rPr lang="ru-RU" smtClean="0"/>
               <a:pPr/>
-              <a:t>24.05.2021</a:t>
+              <a:t>06.06.2021</a:t>
             </a:fld>
             <a:endParaRPr lang="ru-RU"/>
           </a:p>
@@ -42980,7 +39899,7 @@
             <a:fld id="{099FE1D4-06A7-4C6A-B291-F757B96CFE99}" type="datetimeFigureOut">
               <a:rPr lang="ru-RU" smtClean="0"/>
               <a:pPr/>
-              <a:t>24.05.2021</a:t>
+              <a:t>06.06.2021</a:t>
             </a:fld>
             <a:endParaRPr lang="ru-RU"/>
           </a:p>
@@ -43262,7 +40181,7 @@
             <a:fld id="{099FE1D4-06A7-4C6A-B291-F757B96CFE99}" type="datetimeFigureOut">
               <a:rPr lang="ru-RU" smtClean="0"/>
               <a:pPr/>
-              <a:t>24.05.2021</a:t>
+              <a:t>06.06.2021</a:t>
             </a:fld>
             <a:endParaRPr lang="ru-RU"/>
           </a:p>
@@ -43678,7 +40597,7 @@
             <a:fld id="{099FE1D4-06A7-4C6A-B291-F757B96CFE99}" type="datetimeFigureOut">
               <a:rPr lang="ru-RU" smtClean="0"/>
               <a:pPr/>
-              <a:t>24.05.2021</a:t>
+              <a:t>06.06.2021</a:t>
             </a:fld>
             <a:endParaRPr lang="ru-RU"/>
           </a:p>
@@ -43792,7 +40711,7 @@
             <a:fld id="{099FE1D4-06A7-4C6A-B291-F757B96CFE99}" type="datetimeFigureOut">
               <a:rPr lang="ru-RU" smtClean="0"/>
               <a:pPr/>
-              <a:t>24.05.2021</a:t>
+              <a:t>06.06.2021</a:t>
             </a:fld>
             <a:endParaRPr lang="ru-RU"/>
           </a:p>
@@ -43884,7 +40803,7 @@
             <a:fld id="{099FE1D4-06A7-4C6A-B291-F757B96CFE99}" type="datetimeFigureOut">
               <a:rPr lang="ru-RU" smtClean="0"/>
               <a:pPr/>
-              <a:t>24.05.2021</a:t>
+              <a:t>06.06.2021</a:t>
             </a:fld>
             <a:endParaRPr lang="ru-RU"/>
           </a:p>
@@ -44156,7 +41075,7 @@
             <a:fld id="{099FE1D4-06A7-4C6A-B291-F757B96CFE99}" type="datetimeFigureOut">
               <a:rPr lang="ru-RU" smtClean="0"/>
               <a:pPr/>
-              <a:t>24.05.2021</a:t>
+              <a:t>06.06.2021</a:t>
             </a:fld>
             <a:endParaRPr lang="ru-RU"/>
           </a:p>
@@ -44405,7 +41324,7 @@
             <a:fld id="{099FE1D4-06A7-4C6A-B291-F757B96CFE99}" type="datetimeFigureOut">
               <a:rPr lang="ru-RU" smtClean="0"/>
               <a:pPr/>
-              <a:t>24.05.2021</a:t>
+              <a:t>06.06.2021</a:t>
             </a:fld>
             <a:endParaRPr lang="ru-RU"/>
           </a:p>
@@ -44613,7 +41532,7 @@
             <a:fld id="{099FE1D4-06A7-4C6A-B291-F757B96CFE99}" type="datetimeFigureOut">
               <a:rPr lang="ru-RU" smtClean="0"/>
               <a:pPr/>
-              <a:t>24.05.2021</a:t>
+              <a:t>06.06.2021</a:t>
             </a:fld>
             <a:endParaRPr lang="ru-RU"/>
           </a:p>
@@ -46016,577 +42935,6 @@
         </p:nvSpPr>
         <p:spPr>
           <a:xfrm>
-            <a:off x="0" y="1268760"/>
-            <a:ext cx="9144000" cy="5589240"/>
-          </a:xfrm>
-          <a:prstGeom prst="rect">
-            <a:avLst/>
-          </a:prstGeom>
-          <a:solidFill>
-            <a:srgbClr val="F8FCFA"/>
-          </a:solidFill>
-          <a:ln>
-            <a:noFill/>
-          </a:ln>
-        </p:spPr>
-        <p:style>
-          <a:lnRef idx="2">
-            <a:schemeClr val="accent1">
-              <a:shade val="50000"/>
-            </a:schemeClr>
-          </a:lnRef>
-          <a:fillRef idx="1">
-            <a:schemeClr val="accent1"/>
-          </a:fillRef>
-          <a:effectRef idx="0">
-            <a:schemeClr val="accent1"/>
-          </a:effectRef>
-          <a:fontRef idx="minor">
-            <a:schemeClr val="lt1"/>
-          </a:fontRef>
-        </p:style>
-        <p:txBody>
-          <a:bodyPr rtlCol="0" anchor="ctr"/>
-          <a:lstStyle/>
-          <a:p>
-            <a:pPr marL="5199063"/>
-            <a:endParaRPr lang="ru-RU">
-              <a:solidFill>
-                <a:schemeClr val="tx1">
-                  <a:lumMod val="65000"/>
-                  <a:lumOff val="35000"/>
-                </a:schemeClr>
-              </a:solidFill>
-            </a:endParaRPr>
-          </a:p>
-          <a:p>
-            <a:pPr marL="5199063"/>
-            <a:endParaRPr lang="ru-RU">
-              <a:solidFill>
-                <a:schemeClr val="tx1">
-                  <a:lumMod val="65000"/>
-                  <a:lumOff val="35000"/>
-                </a:schemeClr>
-              </a:solidFill>
-            </a:endParaRPr>
-          </a:p>
-          <a:p>
-            <a:pPr marL="5199063"/>
-            <a:endParaRPr lang="ru-RU">
-              <a:solidFill>
-                <a:schemeClr val="tx1">
-                  <a:lumMod val="65000"/>
-                  <a:lumOff val="35000"/>
-                </a:schemeClr>
-              </a:solidFill>
-            </a:endParaRPr>
-          </a:p>
-          <a:p>
-            <a:pPr marL="5199063"/>
-            <a:endParaRPr lang="ru-RU" dirty="0">
-              <a:solidFill>
-                <a:schemeClr val="tx1">
-                  <a:lumMod val="65000"/>
-                  <a:lumOff val="35000"/>
-                </a:schemeClr>
-              </a:solidFill>
-            </a:endParaRPr>
-          </a:p>
-        </p:txBody>
-      </p:sp>
-      <p:sp>
-        <p:nvSpPr>
-          <p:cNvPr id="4" name="Прямоугольник 3"/>
-          <p:cNvSpPr/>
-          <p:nvPr/>
-        </p:nvSpPr>
-        <p:spPr>
-          <a:xfrm>
-            <a:off x="0" y="0"/>
-            <a:ext cx="9144000" cy="1268760"/>
-          </a:xfrm>
-          <a:prstGeom prst="rect">
-            <a:avLst/>
-          </a:prstGeom>
-          <a:gradFill flip="none" rotWithShape="1">
-            <a:gsLst>
-              <a:gs pos="0">
-                <a:srgbClr val="345A88">
-                  <a:shade val="30000"/>
-                  <a:satMod val="115000"/>
-                </a:srgbClr>
-              </a:gs>
-              <a:gs pos="50000">
-                <a:srgbClr val="345A88">
-                  <a:shade val="67500"/>
-                  <a:satMod val="115000"/>
-                </a:srgbClr>
-              </a:gs>
-              <a:gs pos="100000">
-                <a:srgbClr val="345A88">
-                  <a:shade val="100000"/>
-                  <a:satMod val="115000"/>
-                </a:srgbClr>
-              </a:gs>
-            </a:gsLst>
-            <a:lin ang="5400000" scaled="1"/>
-            <a:tileRect/>
-          </a:gradFill>
-        </p:spPr>
-        <p:style>
-          <a:lnRef idx="2">
-            <a:schemeClr val="accent1">
-              <a:shade val="50000"/>
-            </a:schemeClr>
-          </a:lnRef>
-          <a:fillRef idx="1">
-            <a:schemeClr val="accent1"/>
-          </a:fillRef>
-          <a:effectRef idx="0">
-            <a:schemeClr val="accent1"/>
-          </a:effectRef>
-          <a:fontRef idx="minor">
-            <a:schemeClr val="lt1"/>
-          </a:fontRef>
-        </p:style>
-        <p:txBody>
-          <a:bodyPr rtlCol="0" anchor="ctr"/>
-          <a:lstStyle/>
-          <a:p>
-            <a:pPr algn="ctr"/>
-            <a:endParaRPr lang="ru-RU"/>
-          </a:p>
-        </p:txBody>
-      </p:sp>
-      <p:pic>
-        <p:nvPicPr>
-          <p:cNvPr id="6" name="Рисунок 5" descr="Logo_Mifi_V_Ryzhem_Na_Sinem.png"/>
-          <p:cNvPicPr>
-            <a:picLocks noChangeAspect="1"/>
-          </p:cNvPicPr>
-          <p:nvPr/>
-        </p:nvPicPr>
-        <p:blipFill>
-          <a:blip r:embed="rId3" cstate="print"/>
-          <a:stretch>
-            <a:fillRect/>
-          </a:stretch>
-        </p:blipFill>
-        <p:spPr>
-          <a:xfrm>
-            <a:off x="251521" y="188641"/>
-            <a:ext cx="957749" cy="936104"/>
-          </a:xfrm>
-          <a:prstGeom prst="rect">
-            <a:avLst/>
-          </a:prstGeom>
-        </p:spPr>
-      </p:pic>
-      <p:sp>
-        <p:nvSpPr>
-          <p:cNvPr id="7" name="TextBox 6"/>
-          <p:cNvSpPr txBox="1"/>
-          <p:nvPr/>
-        </p:nvSpPr>
-        <p:spPr>
-          <a:xfrm>
-            <a:off x="1331640" y="425860"/>
-            <a:ext cx="7400293" cy="461665"/>
-          </a:xfrm>
-          <a:prstGeom prst="rect">
-            <a:avLst/>
-          </a:prstGeom>
-          <a:noFill/>
-        </p:spPr>
-        <p:txBody>
-          <a:bodyPr wrap="square" rtlCol="0">
-            <a:spAutoFit/>
-          </a:bodyPr>
-          <a:lstStyle/>
-          <a:p>
-            <a:r>
-              <a:rPr lang="ru-RU" sz="2400" dirty="0">
-                <a:solidFill>
-                  <a:schemeClr val="bg1"/>
-                </a:solidFill>
-                <a:cs typeface="Arial" pitchFamily="34" charset="0"/>
-              </a:rPr>
-              <a:t>Результаты тестирования алгоритмов классификации</a:t>
-            </a:r>
-          </a:p>
-        </p:txBody>
-      </p:sp>
-      <p:sp>
-        <p:nvSpPr>
-          <p:cNvPr id="9" name="Прямоугольник 8"/>
-          <p:cNvSpPr/>
-          <p:nvPr/>
-        </p:nvSpPr>
-        <p:spPr>
-          <a:xfrm>
-            <a:off x="0" y="6669360"/>
-            <a:ext cx="9144000" cy="188640"/>
-          </a:xfrm>
-          <a:prstGeom prst="rect">
-            <a:avLst/>
-          </a:prstGeom>
-          <a:solidFill>
-            <a:schemeClr val="accent1">
-              <a:lumMod val="50000"/>
-            </a:schemeClr>
-          </a:solidFill>
-          <a:ln>
-            <a:noFill/>
-          </a:ln>
-        </p:spPr>
-        <p:style>
-          <a:lnRef idx="2">
-            <a:schemeClr val="accent1">
-              <a:shade val="50000"/>
-            </a:schemeClr>
-          </a:lnRef>
-          <a:fillRef idx="1">
-            <a:schemeClr val="accent1"/>
-          </a:fillRef>
-          <a:effectRef idx="0">
-            <a:schemeClr val="accent1"/>
-          </a:effectRef>
-          <a:fontRef idx="minor">
-            <a:schemeClr val="lt1"/>
-          </a:fontRef>
-        </p:style>
-        <p:txBody>
-          <a:bodyPr rtlCol="0" anchor="ctr"/>
-          <a:lstStyle/>
-          <a:p>
-            <a:pPr indent="447675" algn="ctr"/>
-            <a:endParaRPr lang="ru-RU" sz="1400" dirty="0"/>
-          </a:p>
-        </p:txBody>
-      </p:sp>
-      <p:sp>
-        <p:nvSpPr>
-          <p:cNvPr id="13" name="Номер слайда 12"/>
-          <p:cNvSpPr>
-            <a:spLocks noGrp="1"/>
-          </p:cNvSpPr>
-          <p:nvPr>
-            <p:ph type="sldNum" sz="quarter" idx="12"/>
-          </p:nvPr>
-        </p:nvSpPr>
-        <p:spPr>
-          <a:xfrm>
-            <a:off x="-252536" y="6309320"/>
-            <a:ext cx="2133600" cy="365125"/>
-          </a:xfrm>
-        </p:spPr>
-        <p:txBody>
-          <a:bodyPr/>
-          <a:lstStyle/>
-          <a:p>
-            <a:pPr algn="ctr"/>
-            <a:fld id="{E31D776F-85F7-4D26-B2AD-3B3FF396047C}" type="slidenum">
-              <a:rPr lang="ru-RU" sz="1400" smtClean="0">
-                <a:solidFill>
-                  <a:schemeClr val="tx1"/>
-                </a:solidFill>
-              </a:rPr>
-              <a:pPr algn="ctr"/>
-              <a:t>10</a:t>
-            </a:fld>
-            <a:r>
-              <a:rPr lang="ru-RU" sz="1400" dirty="0">
-                <a:solidFill>
-                  <a:schemeClr val="tx1"/>
-                </a:solidFill>
-              </a:rPr>
-              <a:t> из 17</a:t>
-            </a:r>
-          </a:p>
-        </p:txBody>
-      </p:sp>
-      <p:sp>
-        <p:nvSpPr>
-          <p:cNvPr id="14" name="Прямоугольник 13"/>
-          <p:cNvSpPr/>
-          <p:nvPr/>
-        </p:nvSpPr>
-        <p:spPr>
-          <a:xfrm flipV="1">
-            <a:off x="1475656" y="6481910"/>
-            <a:ext cx="7668344" cy="187449"/>
-          </a:xfrm>
-          <a:prstGeom prst="rect">
-            <a:avLst/>
-          </a:prstGeom>
-          <a:solidFill>
-            <a:schemeClr val="accent1">
-              <a:lumMod val="40000"/>
-              <a:lumOff val="60000"/>
-            </a:schemeClr>
-          </a:solidFill>
-          <a:ln>
-            <a:noFill/>
-          </a:ln>
-        </p:spPr>
-        <p:style>
-          <a:lnRef idx="2">
-            <a:schemeClr val="accent1">
-              <a:shade val="50000"/>
-            </a:schemeClr>
-          </a:lnRef>
-          <a:fillRef idx="1">
-            <a:schemeClr val="accent1"/>
-          </a:fillRef>
-          <a:effectRef idx="0">
-            <a:schemeClr val="accent1"/>
-          </a:effectRef>
-          <a:fontRef idx="minor">
-            <a:schemeClr val="lt1"/>
-          </a:fontRef>
-        </p:style>
-        <p:txBody>
-          <a:bodyPr rtlCol="0" anchor="ctr"/>
-          <a:lstStyle/>
-          <a:p>
-            <a:pPr indent="447675" algn="ctr"/>
-            <a:endParaRPr lang="ru-RU" sz="1400" dirty="0"/>
-          </a:p>
-        </p:txBody>
-      </p:sp>
-      <p:graphicFrame>
-        <p:nvGraphicFramePr>
-          <p:cNvPr id="12" name="Диаграмма 11">
-            <a:extLst>
-              <a:ext uri="{FF2B5EF4-FFF2-40B4-BE49-F238E27FC236}">
-                <a16:creationId xmlns:a16="http://schemas.microsoft.com/office/drawing/2014/main" id="{00000000-0008-0000-0000-000003000000}"/>
-              </a:ext>
-            </a:extLst>
-          </p:cNvPr>
-          <p:cNvGraphicFramePr/>
-          <p:nvPr>
-            <p:extLst>
-              <p:ext uri="{D42A27DB-BD31-4B8C-83A1-F6EECF244321}">
-                <p14:modId xmlns:p14="http://schemas.microsoft.com/office/powerpoint/2010/main" val="3716600916"/>
-              </p:ext>
-            </p:extLst>
-          </p:nvPr>
-        </p:nvGraphicFramePr>
-        <p:xfrm>
-          <a:off x="35496" y="1313386"/>
-          <a:ext cx="9108504" cy="4594965"/>
-        </p:xfrm>
-        <a:graphic>
-          <a:graphicData uri="http://schemas.openxmlformats.org/drawingml/2006/chart">
-            <c:chart xmlns:c="http://schemas.openxmlformats.org/drawingml/2006/chart" xmlns:r="http://schemas.openxmlformats.org/officeDocument/2006/relationships" r:id="rId4"/>
-          </a:graphicData>
-        </a:graphic>
-      </p:graphicFrame>
-      <p:sp>
-        <p:nvSpPr>
-          <p:cNvPr id="5" name="TextBox 4">
-            <a:extLst>
-              <a:ext uri="{FF2B5EF4-FFF2-40B4-BE49-F238E27FC236}">
-                <a16:creationId xmlns:a16="http://schemas.microsoft.com/office/drawing/2014/main" id="{BDFA97EC-064E-4262-9837-4DB118FB2EBE}"/>
-              </a:ext>
-            </a:extLst>
-          </p:cNvPr>
-          <p:cNvSpPr txBox="1"/>
-          <p:nvPr/>
-        </p:nvSpPr>
-        <p:spPr>
-          <a:xfrm>
-            <a:off x="610343" y="5908351"/>
-            <a:ext cx="7668344" cy="646331"/>
-          </a:xfrm>
-          <a:prstGeom prst="rect">
-            <a:avLst/>
-          </a:prstGeom>
-          <a:noFill/>
-        </p:spPr>
-        <p:txBody>
-          <a:bodyPr wrap="square" rtlCol="0">
-            <a:spAutoFit/>
-          </a:bodyPr>
-          <a:lstStyle/>
-          <a:p>
-            <a:r>
-              <a:rPr lang="ru-RU" sz="1200" dirty="0">
-                <a:solidFill>
-                  <a:srgbClr val="000000"/>
-                </a:solidFill>
-                <a:effectLst/>
-                <a:ea typeface="Batang" panose="02030600000101010101" pitchFamily="18" charset="-127"/>
-                <a:cs typeface="Source Sans Pro" panose="020B0503030403020204" pitchFamily="34" charset="0"/>
-              </a:rPr>
-              <a:t>Диаграмма зависимости значения метрики </a:t>
-            </a:r>
-            <a:r>
-              <a:rPr lang="en-US" sz="1200" dirty="0">
-                <a:solidFill>
-                  <a:srgbClr val="000000"/>
-                </a:solidFill>
-                <a:effectLst/>
-                <a:ea typeface="Batang" panose="02030600000101010101" pitchFamily="18" charset="-127"/>
-                <a:cs typeface="Source Sans Pro" panose="020B0503030403020204" pitchFamily="34" charset="0"/>
-              </a:rPr>
-              <a:t>AUC</a:t>
-            </a:r>
-            <a:r>
-              <a:rPr lang="ru-RU" sz="1200" dirty="0">
-                <a:solidFill>
-                  <a:srgbClr val="000000"/>
-                </a:solidFill>
-                <a:effectLst/>
-                <a:ea typeface="Batang" panose="02030600000101010101" pitchFamily="18" charset="-127"/>
-                <a:cs typeface="Source Sans Pro" panose="020B0503030403020204" pitchFamily="34" charset="0"/>
-              </a:rPr>
-              <a:t>-</a:t>
-            </a:r>
-            <a:r>
-              <a:rPr lang="en-US" sz="1200" dirty="0">
-                <a:solidFill>
-                  <a:srgbClr val="000000"/>
-                </a:solidFill>
-                <a:effectLst/>
-                <a:ea typeface="Batang" panose="02030600000101010101" pitchFamily="18" charset="-127"/>
-                <a:cs typeface="Source Sans Pro" panose="020B0503030403020204" pitchFamily="34" charset="0"/>
-              </a:rPr>
-              <a:t>ROC*</a:t>
-            </a:r>
-            <a:r>
-              <a:rPr lang="ru-RU" sz="1200" dirty="0">
-                <a:solidFill>
-                  <a:srgbClr val="000000"/>
-                </a:solidFill>
-                <a:effectLst/>
-                <a:ea typeface="Batang" panose="02030600000101010101" pitchFamily="18" charset="-127"/>
-                <a:cs typeface="Source Sans Pro" panose="020B0503030403020204" pitchFamily="34" charset="0"/>
-              </a:rPr>
-              <a:t> от размера скользящего окна для модуля </a:t>
-            </a:r>
-            <a:r>
-              <a:rPr lang="en-US" sz="1200" dirty="0">
-                <a:solidFill>
-                  <a:srgbClr val="000000"/>
-                </a:solidFill>
-                <a:effectLst/>
-                <a:ea typeface="Batang" panose="02030600000101010101" pitchFamily="18" charset="-127"/>
-                <a:cs typeface="Source Sans Pro" panose="020B0503030403020204" pitchFamily="34" charset="0"/>
-              </a:rPr>
-              <a:t>BT </a:t>
-            </a:r>
-            <a:r>
-              <a:rPr lang="ru-RU" sz="1200" dirty="0">
-                <a:solidFill>
-                  <a:srgbClr val="000000"/>
-                </a:solidFill>
-                <a:effectLst/>
-                <a:ea typeface="Batang" panose="02030600000101010101" pitchFamily="18" charset="-127"/>
-                <a:cs typeface="Source Sans Pro" panose="020B0503030403020204" pitchFamily="34" charset="0"/>
-              </a:rPr>
-              <a:t>на этапе финального тестирования</a:t>
-            </a:r>
-          </a:p>
-          <a:p>
-            <a:endParaRPr lang="ru-RU" sz="1200" dirty="0"/>
-          </a:p>
-        </p:txBody>
-      </p:sp>
-      <p:sp>
-        <p:nvSpPr>
-          <p:cNvPr id="16" name="TextBox 15">
-            <a:extLst>
-              <a:ext uri="{FF2B5EF4-FFF2-40B4-BE49-F238E27FC236}">
-                <a16:creationId xmlns:a16="http://schemas.microsoft.com/office/drawing/2014/main" id="{FEFAEF4C-9134-49AE-8BB6-68B0366A0565}"/>
-              </a:ext>
-            </a:extLst>
-          </p:cNvPr>
-          <p:cNvSpPr txBox="1"/>
-          <p:nvPr/>
-        </p:nvSpPr>
-        <p:spPr>
-          <a:xfrm>
-            <a:off x="6407696" y="6227485"/>
-            <a:ext cx="2916832" cy="276999"/>
-          </a:xfrm>
-          <a:prstGeom prst="rect">
-            <a:avLst/>
-          </a:prstGeom>
-          <a:noFill/>
-        </p:spPr>
-        <p:txBody>
-          <a:bodyPr wrap="square" rtlCol="0">
-            <a:spAutoFit/>
-          </a:bodyPr>
-          <a:lstStyle/>
-          <a:p>
-            <a:r>
-              <a:rPr lang="ru-RU" sz="1200" dirty="0"/>
-              <a:t>*</a:t>
-            </a:r>
-            <a:r>
-              <a:rPr lang="en-US" sz="1200" dirty="0"/>
-              <a:t>AUC-ROC </a:t>
-            </a:r>
-            <a:r>
-              <a:rPr lang="ru-RU" sz="1200" dirty="0"/>
-              <a:t>— площадь под </a:t>
-            </a:r>
-            <a:r>
-              <a:rPr lang="en-US" sz="1200" dirty="0"/>
-              <a:t>ROC-</a:t>
-            </a:r>
-            <a:r>
-              <a:rPr lang="ru-RU" sz="1200" dirty="0"/>
-              <a:t>кривой.</a:t>
-            </a:r>
-            <a:r>
-              <a:rPr lang="en-US" sz="1200" dirty="0"/>
-              <a:t> </a:t>
-            </a:r>
-            <a:endParaRPr lang="ru-RU" sz="1200" dirty="0"/>
-          </a:p>
-        </p:txBody>
-      </p:sp>
-    </p:spTree>
-    <p:extLst>
-      <p:ext uri="{BB962C8B-B14F-4D97-AF65-F5344CB8AC3E}">
-        <p14:creationId xmlns:p14="http://schemas.microsoft.com/office/powerpoint/2010/main" val="4087991616"/>
-      </p:ext>
-    </p:extLst>
-  </p:cSld>
-  <p:clrMapOvr>
-    <a:masterClrMapping/>
-  </p:clrMapOvr>
-</p:sld>
-</file>
-
-<file path=ppt/slides/slide11.xml><?xml version="1.0" encoding="utf-8"?>
-<p:sld xmlns:a="http://schemas.openxmlformats.org/drawingml/2006/main" xmlns:r="http://schemas.openxmlformats.org/officeDocument/2006/relationships" xmlns:p="http://schemas.openxmlformats.org/presentationml/2006/main">
-  <p:cSld>
-    <p:spTree>
-      <p:nvGrpSpPr>
-        <p:cNvPr id="1" name=""/>
-        <p:cNvGrpSpPr/>
-        <p:nvPr/>
-      </p:nvGrpSpPr>
-      <p:grpSpPr>
-        <a:xfrm>
-          <a:off x="0" y="0"/>
-          <a:ext cx="0" cy="0"/>
-          <a:chOff x="0" y="0"/>
-          <a:chExt cx="0" cy="0"/>
-        </a:xfrm>
-      </p:grpSpPr>
-      <p:sp>
-        <p:nvSpPr>
-          <p:cNvPr id="10" name="Прямоугольник 9"/>
-          <p:cNvSpPr/>
-          <p:nvPr/>
-        </p:nvSpPr>
-        <p:spPr>
-          <a:xfrm>
             <a:off x="0" y="1269993"/>
             <a:ext cx="9144000" cy="5589240"/>
           </a:xfrm>
@@ -46829,7 +43177,7 @@
                 </a:solidFill>
               </a:rPr>
               <a:pPr algn="ctr"/>
-              <a:t>11</a:t>
+              <a:t>10</a:t>
             </a:fld>
             <a:r>
               <a:rPr lang="ru-RU" sz="1400" dirty="0">
@@ -46837,7 +43185,7 @@
                   <a:schemeClr val="tx1"/>
                 </a:solidFill>
               </a:rPr>
-              <a:t> из 17</a:t>
+              <a:t> из 16</a:t>
             </a:r>
           </a:p>
         </p:txBody>
@@ -47143,7 +43491,7 @@
 </p:sld>
 </file>
 
-<file path=ppt/slides/slide12.xml><?xml version="1.0" encoding="utf-8"?>
+<file path=ppt/slides/slide11.xml><?xml version="1.0" encoding="utf-8"?>
 <p:sld xmlns:a="http://schemas.openxmlformats.org/drawingml/2006/main" xmlns:r="http://schemas.openxmlformats.org/officeDocument/2006/relationships" xmlns:p="http://schemas.openxmlformats.org/presentationml/2006/main">
   <p:cSld>
     <p:spTree>
@@ -47410,7 +43758,7 @@
                 </a:solidFill>
               </a:rPr>
               <a:pPr algn="ctr"/>
-              <a:t>12</a:t>
+              <a:t>11</a:t>
             </a:fld>
             <a:r>
               <a:rPr lang="ru-RU" sz="1400" dirty="0">
@@ -47418,7 +43766,7 @@
                   <a:schemeClr val="tx1"/>
                 </a:solidFill>
               </a:rPr>
-              <a:t> из 17</a:t>
+              <a:t> из 16</a:t>
             </a:r>
           </a:p>
         </p:txBody>
@@ -47798,7 +44146,7 @@
 </p:sld>
 </file>
 
-<file path=ppt/slides/slide13.xml><?xml version="1.0" encoding="utf-8"?>
+<file path=ppt/slides/slide12.xml><?xml version="1.0" encoding="utf-8"?>
 <p:sld xmlns:a="http://schemas.openxmlformats.org/drawingml/2006/main" xmlns:r="http://schemas.openxmlformats.org/officeDocument/2006/relationships" xmlns:p="http://schemas.openxmlformats.org/presentationml/2006/main">
   <p:cSld>
     <p:spTree>
@@ -48099,7 +44447,7 @@
                 </a:solidFill>
               </a:rPr>
               <a:pPr algn="ctr"/>
-              <a:t>13</a:t>
+              <a:t>12</a:t>
             </a:fld>
             <a:r>
               <a:rPr lang="ru-RU" sz="1400" dirty="0">
@@ -48107,7 +44455,7 @@
                   <a:schemeClr val="tx1"/>
                 </a:solidFill>
               </a:rPr>
-              <a:t> из 17</a:t>
+              <a:t> из 16</a:t>
             </a:r>
           </a:p>
         </p:txBody>
@@ -48336,7 +44684,7 @@
 </p:sld>
 </file>
 
-<file path=ppt/slides/slide14.xml><?xml version="1.0" encoding="utf-8"?>
+<file path=ppt/slides/slide13.xml><?xml version="1.0" encoding="utf-8"?>
 <p:sld xmlns:a="http://schemas.openxmlformats.org/drawingml/2006/main" xmlns:r="http://schemas.openxmlformats.org/officeDocument/2006/relationships" xmlns:p="http://schemas.openxmlformats.org/presentationml/2006/main">
   <p:cSld>
     <p:spTree>
@@ -48637,7 +44985,7 @@
                 </a:solidFill>
               </a:rPr>
               <a:pPr algn="ctr"/>
-              <a:t>14</a:t>
+              <a:t>13</a:t>
             </a:fld>
             <a:r>
               <a:rPr lang="ru-RU" sz="1400" dirty="0">
@@ -48645,7 +44993,7 @@
                   <a:schemeClr val="tx1"/>
                 </a:solidFill>
               </a:rPr>
-              <a:t> из 17</a:t>
+              <a:t> из 16</a:t>
             </a:r>
           </a:p>
         </p:txBody>
@@ -48784,6 +45132,511 @@
     <p:extLst>
       <p:ext uri="{BB962C8B-B14F-4D97-AF65-F5344CB8AC3E}">
         <p14:creationId xmlns:p14="http://schemas.microsoft.com/office/powerpoint/2010/main" val="3460122588"/>
+      </p:ext>
+    </p:extLst>
+  </p:cSld>
+  <p:clrMapOvr>
+    <a:masterClrMapping/>
+  </p:clrMapOvr>
+</p:sld>
+</file>
+
+<file path=ppt/slides/slide14.xml><?xml version="1.0" encoding="utf-8"?>
+<p:sld xmlns:a="http://schemas.openxmlformats.org/drawingml/2006/main" xmlns:r="http://schemas.openxmlformats.org/officeDocument/2006/relationships" xmlns:p="http://schemas.openxmlformats.org/presentationml/2006/main">
+  <p:cSld>
+    <p:spTree>
+      <p:nvGrpSpPr>
+        <p:cNvPr id="1" name=""/>
+        <p:cNvGrpSpPr/>
+        <p:nvPr/>
+      </p:nvGrpSpPr>
+      <p:grpSpPr>
+        <a:xfrm>
+          <a:off x="0" y="0"/>
+          <a:ext cx="0" cy="0"/>
+          <a:chOff x="0" y="0"/>
+          <a:chExt cx="0" cy="0"/>
+        </a:xfrm>
+      </p:grpSpPr>
+      <p:sp>
+        <p:nvSpPr>
+          <p:cNvPr id="10" name="Прямоугольник 9"/>
+          <p:cNvSpPr/>
+          <p:nvPr/>
+        </p:nvSpPr>
+        <p:spPr>
+          <a:xfrm>
+            <a:off x="0" y="1269993"/>
+            <a:ext cx="9144000" cy="5589240"/>
+          </a:xfrm>
+          <a:prstGeom prst="rect">
+            <a:avLst/>
+          </a:prstGeom>
+          <a:solidFill>
+            <a:srgbClr val="F8FCFA"/>
+          </a:solidFill>
+          <a:ln>
+            <a:noFill/>
+          </a:ln>
+        </p:spPr>
+        <p:style>
+          <a:lnRef idx="2">
+            <a:schemeClr val="accent1">
+              <a:shade val="50000"/>
+            </a:schemeClr>
+          </a:lnRef>
+          <a:fillRef idx="1">
+            <a:schemeClr val="accent1"/>
+          </a:fillRef>
+          <a:effectRef idx="0">
+            <a:schemeClr val="accent1"/>
+          </a:effectRef>
+          <a:fontRef idx="minor">
+            <a:schemeClr val="lt1"/>
+          </a:fontRef>
+        </p:style>
+        <p:txBody>
+          <a:bodyPr rtlCol="0" anchor="ctr"/>
+          <a:lstStyle/>
+          <a:p>
+            <a:pPr marL="5199063"/>
+            <a:endParaRPr lang="ru-RU" dirty="0">
+              <a:solidFill>
+                <a:schemeClr val="tx1">
+                  <a:lumMod val="65000"/>
+                  <a:lumOff val="35000"/>
+                </a:schemeClr>
+              </a:solidFill>
+            </a:endParaRPr>
+          </a:p>
+          <a:p>
+            <a:pPr marL="5199063"/>
+            <a:endParaRPr lang="ru-RU" dirty="0">
+              <a:solidFill>
+                <a:schemeClr val="tx1">
+                  <a:lumMod val="65000"/>
+                  <a:lumOff val="35000"/>
+                </a:schemeClr>
+              </a:solidFill>
+            </a:endParaRPr>
+          </a:p>
+          <a:p>
+            <a:pPr marL="5199063"/>
+            <a:endParaRPr lang="ru-RU" dirty="0">
+              <a:solidFill>
+                <a:schemeClr val="tx1">
+                  <a:lumMod val="65000"/>
+                  <a:lumOff val="35000"/>
+                </a:schemeClr>
+              </a:solidFill>
+            </a:endParaRPr>
+          </a:p>
+          <a:p>
+            <a:pPr marL="5199063"/>
+            <a:endParaRPr lang="ru-RU" dirty="0">
+              <a:solidFill>
+                <a:schemeClr val="tx1">
+                  <a:lumMod val="65000"/>
+                  <a:lumOff val="35000"/>
+                </a:schemeClr>
+              </a:solidFill>
+            </a:endParaRPr>
+          </a:p>
+        </p:txBody>
+      </p:sp>
+      <p:sp>
+        <p:nvSpPr>
+          <p:cNvPr id="4" name="Прямоугольник 3"/>
+          <p:cNvSpPr/>
+          <p:nvPr/>
+        </p:nvSpPr>
+        <p:spPr>
+          <a:xfrm>
+            <a:off x="0" y="0"/>
+            <a:ext cx="9144000" cy="1268760"/>
+          </a:xfrm>
+          <a:prstGeom prst="rect">
+            <a:avLst/>
+          </a:prstGeom>
+          <a:gradFill flip="none" rotWithShape="1">
+            <a:gsLst>
+              <a:gs pos="0">
+                <a:srgbClr val="345A88">
+                  <a:shade val="30000"/>
+                  <a:satMod val="115000"/>
+                </a:srgbClr>
+              </a:gs>
+              <a:gs pos="50000">
+                <a:srgbClr val="345A88">
+                  <a:shade val="67500"/>
+                  <a:satMod val="115000"/>
+                </a:srgbClr>
+              </a:gs>
+              <a:gs pos="100000">
+                <a:srgbClr val="345A88">
+                  <a:shade val="100000"/>
+                  <a:satMod val="115000"/>
+                </a:srgbClr>
+              </a:gs>
+            </a:gsLst>
+            <a:lin ang="5400000" scaled="1"/>
+            <a:tileRect/>
+          </a:gradFill>
+        </p:spPr>
+        <p:style>
+          <a:lnRef idx="2">
+            <a:schemeClr val="accent1">
+              <a:shade val="50000"/>
+            </a:schemeClr>
+          </a:lnRef>
+          <a:fillRef idx="1">
+            <a:schemeClr val="accent1"/>
+          </a:fillRef>
+          <a:effectRef idx="0">
+            <a:schemeClr val="accent1"/>
+          </a:effectRef>
+          <a:fontRef idx="minor">
+            <a:schemeClr val="lt1"/>
+          </a:fontRef>
+        </p:style>
+        <p:txBody>
+          <a:bodyPr rtlCol="0" anchor="ctr"/>
+          <a:lstStyle/>
+          <a:p>
+            <a:pPr algn="ctr"/>
+            <a:endParaRPr lang="ru-RU"/>
+          </a:p>
+        </p:txBody>
+      </p:sp>
+      <p:pic>
+        <p:nvPicPr>
+          <p:cNvPr id="6" name="Рисунок 5" descr="Logo_Mifi_V_Ryzhem_Na_Sinem.png"/>
+          <p:cNvPicPr>
+            <a:picLocks noChangeAspect="1"/>
+          </p:cNvPicPr>
+          <p:nvPr/>
+        </p:nvPicPr>
+        <p:blipFill>
+          <a:blip r:embed="rId3" cstate="print"/>
+          <a:stretch>
+            <a:fillRect/>
+          </a:stretch>
+        </p:blipFill>
+        <p:spPr>
+          <a:xfrm>
+            <a:off x="251521" y="188641"/>
+            <a:ext cx="957749" cy="936104"/>
+          </a:xfrm>
+          <a:prstGeom prst="rect">
+            <a:avLst/>
+          </a:prstGeom>
+        </p:spPr>
+      </p:pic>
+      <p:sp>
+        <p:nvSpPr>
+          <p:cNvPr id="9" name="Прямоугольник 8"/>
+          <p:cNvSpPr/>
+          <p:nvPr/>
+        </p:nvSpPr>
+        <p:spPr>
+          <a:xfrm>
+            <a:off x="0" y="6669360"/>
+            <a:ext cx="9144000" cy="188640"/>
+          </a:xfrm>
+          <a:prstGeom prst="rect">
+            <a:avLst/>
+          </a:prstGeom>
+          <a:solidFill>
+            <a:schemeClr val="accent1">
+              <a:lumMod val="50000"/>
+            </a:schemeClr>
+          </a:solidFill>
+          <a:ln>
+            <a:noFill/>
+          </a:ln>
+        </p:spPr>
+        <p:style>
+          <a:lnRef idx="2">
+            <a:schemeClr val="accent1">
+              <a:shade val="50000"/>
+            </a:schemeClr>
+          </a:lnRef>
+          <a:fillRef idx="1">
+            <a:schemeClr val="accent1"/>
+          </a:fillRef>
+          <a:effectRef idx="0">
+            <a:schemeClr val="accent1"/>
+          </a:effectRef>
+          <a:fontRef idx="minor">
+            <a:schemeClr val="lt1"/>
+          </a:fontRef>
+        </p:style>
+        <p:txBody>
+          <a:bodyPr rtlCol="0" anchor="ctr"/>
+          <a:lstStyle/>
+          <a:p>
+            <a:pPr indent="447675" algn="ctr"/>
+            <a:endParaRPr lang="ru-RU" sz="1400" dirty="0"/>
+          </a:p>
+        </p:txBody>
+      </p:sp>
+      <p:sp>
+        <p:nvSpPr>
+          <p:cNvPr id="13" name="Номер слайда 12"/>
+          <p:cNvSpPr>
+            <a:spLocks noGrp="1"/>
+          </p:cNvSpPr>
+          <p:nvPr>
+            <p:ph type="sldNum" sz="quarter" idx="12"/>
+          </p:nvPr>
+        </p:nvSpPr>
+        <p:spPr>
+          <a:xfrm>
+            <a:off x="-252536" y="6309320"/>
+            <a:ext cx="2133600" cy="365125"/>
+          </a:xfrm>
+        </p:spPr>
+        <p:txBody>
+          <a:bodyPr/>
+          <a:lstStyle/>
+          <a:p>
+            <a:pPr algn="ctr"/>
+            <a:fld id="{E31D776F-85F7-4D26-B2AD-3B3FF396047C}" type="slidenum">
+              <a:rPr lang="ru-RU" sz="1400" smtClean="0">
+                <a:solidFill>
+                  <a:schemeClr val="tx1"/>
+                </a:solidFill>
+              </a:rPr>
+              <a:pPr algn="ctr"/>
+              <a:t>14</a:t>
+            </a:fld>
+            <a:r>
+              <a:rPr lang="ru-RU" sz="1400" dirty="0">
+                <a:solidFill>
+                  <a:schemeClr val="tx1"/>
+                </a:solidFill>
+              </a:rPr>
+              <a:t> из 16</a:t>
+            </a:r>
+          </a:p>
+        </p:txBody>
+      </p:sp>
+      <p:sp>
+        <p:nvSpPr>
+          <p:cNvPr id="14" name="Прямоугольник 13"/>
+          <p:cNvSpPr/>
+          <p:nvPr/>
+        </p:nvSpPr>
+        <p:spPr>
+          <a:xfrm flipV="1">
+            <a:off x="1475656" y="6481910"/>
+            <a:ext cx="7668344" cy="187449"/>
+          </a:xfrm>
+          <a:prstGeom prst="rect">
+            <a:avLst/>
+          </a:prstGeom>
+          <a:solidFill>
+            <a:schemeClr val="accent1">
+              <a:lumMod val="40000"/>
+              <a:lumOff val="60000"/>
+            </a:schemeClr>
+          </a:solidFill>
+          <a:ln>
+            <a:noFill/>
+          </a:ln>
+        </p:spPr>
+        <p:style>
+          <a:lnRef idx="2">
+            <a:schemeClr val="accent1">
+              <a:shade val="50000"/>
+            </a:schemeClr>
+          </a:lnRef>
+          <a:fillRef idx="1">
+            <a:schemeClr val="accent1"/>
+          </a:fillRef>
+          <a:effectRef idx="0">
+            <a:schemeClr val="accent1"/>
+          </a:effectRef>
+          <a:fontRef idx="minor">
+            <a:schemeClr val="lt1"/>
+          </a:fontRef>
+        </p:style>
+        <p:txBody>
+          <a:bodyPr rtlCol="0" anchor="ctr"/>
+          <a:lstStyle/>
+          <a:p>
+            <a:pPr indent="447675" algn="ctr"/>
+            <a:endParaRPr lang="ru-RU" sz="1400" dirty="0"/>
+          </a:p>
+        </p:txBody>
+      </p:sp>
+      <p:pic>
+        <p:nvPicPr>
+          <p:cNvPr id="12" name="Рисунок 11">
+            <a:extLst>
+              <a:ext uri="{FF2B5EF4-FFF2-40B4-BE49-F238E27FC236}">
+                <a16:creationId xmlns:a16="http://schemas.microsoft.com/office/drawing/2014/main" id="{DF920DA3-1F6E-418D-AC67-E4EF5F83BD16}"/>
+              </a:ext>
+            </a:extLst>
+          </p:cNvPr>
+          <p:cNvPicPr/>
+          <p:nvPr/>
+        </p:nvPicPr>
+        <p:blipFill rotWithShape="1">
+          <a:blip r:embed="rId4" cstate="print">
+            <a:extLst>
+              <a:ext uri="{28A0092B-C50C-407E-A947-70E740481C1C}">
+                <a14:useLocalDpi xmlns:a14="http://schemas.microsoft.com/office/drawing/2010/main" val="0"/>
+              </a:ext>
+            </a:extLst>
+          </a:blip>
+          <a:srcRect l="7160" t="8743" r="8960" b="4978"/>
+          <a:stretch/>
+        </p:blipFill>
+        <p:spPr bwMode="auto">
+          <a:xfrm>
+            <a:off x="0" y="1313387"/>
+            <a:ext cx="9144000" cy="4850685"/>
+          </a:xfrm>
+          <a:prstGeom prst="rect">
+            <a:avLst/>
+          </a:prstGeom>
+          <a:noFill/>
+          <a:ln>
+            <a:noFill/>
+          </a:ln>
+          <a:extLst>
+            <a:ext uri="{53640926-AAD7-44D8-BBD7-CCE9431645EC}">
+              <a14:shadowObscured xmlns:a14="http://schemas.microsoft.com/office/drawing/2010/main"/>
+            </a:ext>
+          </a:extLst>
+        </p:spPr>
+      </p:pic>
+      <p:sp>
+        <p:nvSpPr>
+          <p:cNvPr id="17" name="TextBox 16">
+            <a:extLst>
+              <a:ext uri="{FF2B5EF4-FFF2-40B4-BE49-F238E27FC236}">
+                <a16:creationId xmlns:a16="http://schemas.microsoft.com/office/drawing/2014/main" id="{1F95E444-F4F3-4D59-AB2C-2F7CCF882668}"/>
+              </a:ext>
+            </a:extLst>
+          </p:cNvPr>
+          <p:cNvSpPr txBox="1"/>
+          <p:nvPr/>
+        </p:nvSpPr>
+        <p:spPr>
+          <a:xfrm>
+            <a:off x="488174" y="6124532"/>
+            <a:ext cx="8655826" cy="276999"/>
+          </a:xfrm>
+          <a:prstGeom prst="rect">
+            <a:avLst/>
+          </a:prstGeom>
+          <a:noFill/>
+        </p:spPr>
+        <p:txBody>
+          <a:bodyPr wrap="square" rtlCol="0">
+            <a:spAutoFit/>
+          </a:bodyPr>
+          <a:lstStyle/>
+          <a:p>
+            <a:r>
+              <a:rPr lang="ru-RU" sz="1200" dirty="0">
+                <a:effectLst/>
+                <a:ea typeface="Times New Roman" panose="02020603050405020304" pitchFamily="18" charset="0"/>
+              </a:rPr>
+              <a:t>График зависимости метрик </a:t>
+            </a:r>
+            <a:r>
+              <a:rPr lang="en-US" sz="1200" dirty="0">
+                <a:effectLst/>
+                <a:ea typeface="Times New Roman" panose="02020603050405020304" pitchFamily="18" charset="0"/>
+              </a:rPr>
+              <a:t>ANGA </a:t>
+            </a:r>
+            <a:r>
+              <a:rPr lang="ru-RU" sz="1200" dirty="0">
+                <a:effectLst/>
+                <a:ea typeface="Times New Roman" panose="02020603050405020304" pitchFamily="18" charset="0"/>
+              </a:rPr>
+              <a:t>и </a:t>
+            </a:r>
+            <a:r>
+              <a:rPr lang="en-US" sz="1200" dirty="0">
+                <a:effectLst/>
+                <a:ea typeface="Times New Roman" panose="02020603050405020304" pitchFamily="18" charset="0"/>
+              </a:rPr>
+              <a:t>ANIA </a:t>
+            </a:r>
+            <a:r>
+              <a:rPr lang="ru-RU" sz="1200" dirty="0">
+                <a:effectLst/>
+                <a:ea typeface="Times New Roman" panose="02020603050405020304" pitchFamily="18" charset="0"/>
+              </a:rPr>
+              <a:t>от значения порога для модуля </a:t>
+            </a:r>
+            <a:r>
+              <a:rPr lang="en-US" sz="1200" dirty="0">
+                <a:effectLst/>
+                <a:ea typeface="Times New Roman" panose="02020603050405020304" pitchFamily="18" charset="0"/>
+              </a:rPr>
+              <a:t>DECIDER </a:t>
+            </a:r>
+            <a:r>
+              <a:rPr lang="ru-RU" sz="1200" dirty="0">
+                <a:effectLst/>
+                <a:ea typeface="Times New Roman" panose="02020603050405020304" pitchFamily="18" charset="0"/>
+              </a:rPr>
+              <a:t>при размере скользящего окна 120 секунд</a:t>
+            </a:r>
+            <a:endParaRPr lang="ru-RU" sz="1200" dirty="0"/>
+          </a:p>
+        </p:txBody>
+      </p:sp>
+      <p:sp>
+        <p:nvSpPr>
+          <p:cNvPr id="11" name="TextBox 10">
+            <a:extLst>
+              <a:ext uri="{FF2B5EF4-FFF2-40B4-BE49-F238E27FC236}">
+                <a16:creationId xmlns:a16="http://schemas.microsoft.com/office/drawing/2014/main" id="{5070D340-9E7F-483D-933B-C6C05B84F46A}"/>
+              </a:ext>
+            </a:extLst>
+          </p:cNvPr>
+          <p:cNvSpPr txBox="1"/>
+          <p:nvPr/>
+        </p:nvSpPr>
+        <p:spPr>
+          <a:xfrm>
+            <a:off x="1460791" y="218881"/>
+            <a:ext cx="7287673" cy="830997"/>
+          </a:xfrm>
+          <a:prstGeom prst="rect">
+            <a:avLst/>
+          </a:prstGeom>
+          <a:noFill/>
+        </p:spPr>
+        <p:txBody>
+          <a:bodyPr wrap="square" rtlCol="0">
+            <a:spAutoFit/>
+          </a:bodyPr>
+          <a:lstStyle/>
+          <a:p>
+            <a:r>
+              <a:rPr lang="ru-RU" sz="2400" dirty="0">
+                <a:solidFill>
+                  <a:schemeClr val="bg1"/>
+                </a:solidFill>
+                <a:cs typeface="Arial" pitchFamily="34" charset="0"/>
+              </a:rPr>
+              <a:t>Результаты тестирования метода непрерывной аутентификации</a:t>
+            </a:r>
+          </a:p>
+        </p:txBody>
+      </p:sp>
+    </p:spTree>
+    <p:extLst>
+      <p:ext uri="{BB962C8B-B14F-4D97-AF65-F5344CB8AC3E}">
+        <p14:creationId xmlns:p14="http://schemas.microsoft.com/office/powerpoint/2010/main" val="955929635"/>
       </p:ext>
     </p:extLst>
   </p:cSld>
@@ -49068,512 +45921,7 @@
                   <a:schemeClr val="tx1"/>
                 </a:solidFill>
               </a:rPr>
-              <a:t> из 17</a:t>
-            </a:r>
-          </a:p>
-        </p:txBody>
-      </p:sp>
-      <p:sp>
-        <p:nvSpPr>
-          <p:cNvPr id="14" name="Прямоугольник 13"/>
-          <p:cNvSpPr/>
-          <p:nvPr/>
-        </p:nvSpPr>
-        <p:spPr>
-          <a:xfrm flipV="1">
-            <a:off x="1475656" y="6481910"/>
-            <a:ext cx="7668344" cy="187449"/>
-          </a:xfrm>
-          <a:prstGeom prst="rect">
-            <a:avLst/>
-          </a:prstGeom>
-          <a:solidFill>
-            <a:schemeClr val="accent1">
-              <a:lumMod val="40000"/>
-              <a:lumOff val="60000"/>
-            </a:schemeClr>
-          </a:solidFill>
-          <a:ln>
-            <a:noFill/>
-          </a:ln>
-        </p:spPr>
-        <p:style>
-          <a:lnRef idx="2">
-            <a:schemeClr val="accent1">
-              <a:shade val="50000"/>
-            </a:schemeClr>
-          </a:lnRef>
-          <a:fillRef idx="1">
-            <a:schemeClr val="accent1"/>
-          </a:fillRef>
-          <a:effectRef idx="0">
-            <a:schemeClr val="accent1"/>
-          </a:effectRef>
-          <a:fontRef idx="minor">
-            <a:schemeClr val="lt1"/>
-          </a:fontRef>
-        </p:style>
-        <p:txBody>
-          <a:bodyPr rtlCol="0" anchor="ctr"/>
-          <a:lstStyle/>
-          <a:p>
-            <a:pPr indent="447675" algn="ctr"/>
-            <a:endParaRPr lang="ru-RU" sz="1400" dirty="0"/>
-          </a:p>
-        </p:txBody>
-      </p:sp>
-      <p:pic>
-        <p:nvPicPr>
-          <p:cNvPr id="12" name="Рисунок 11">
-            <a:extLst>
-              <a:ext uri="{FF2B5EF4-FFF2-40B4-BE49-F238E27FC236}">
-                <a16:creationId xmlns:a16="http://schemas.microsoft.com/office/drawing/2014/main" id="{DF920DA3-1F6E-418D-AC67-E4EF5F83BD16}"/>
-              </a:ext>
-            </a:extLst>
-          </p:cNvPr>
-          <p:cNvPicPr/>
-          <p:nvPr/>
-        </p:nvPicPr>
-        <p:blipFill rotWithShape="1">
-          <a:blip r:embed="rId4" cstate="print">
-            <a:extLst>
-              <a:ext uri="{28A0092B-C50C-407E-A947-70E740481C1C}">
-                <a14:useLocalDpi xmlns:a14="http://schemas.microsoft.com/office/drawing/2010/main" val="0"/>
-              </a:ext>
-            </a:extLst>
-          </a:blip>
-          <a:srcRect l="7160" t="8743" r="8960" b="4978"/>
-          <a:stretch/>
-        </p:blipFill>
-        <p:spPr bwMode="auto">
-          <a:xfrm>
-            <a:off x="0" y="1313387"/>
-            <a:ext cx="9144000" cy="4850685"/>
-          </a:xfrm>
-          <a:prstGeom prst="rect">
-            <a:avLst/>
-          </a:prstGeom>
-          <a:noFill/>
-          <a:ln>
-            <a:noFill/>
-          </a:ln>
-          <a:extLst>
-            <a:ext uri="{53640926-AAD7-44D8-BBD7-CCE9431645EC}">
-              <a14:shadowObscured xmlns:a14="http://schemas.microsoft.com/office/drawing/2010/main"/>
-            </a:ext>
-          </a:extLst>
-        </p:spPr>
-      </p:pic>
-      <p:sp>
-        <p:nvSpPr>
-          <p:cNvPr id="17" name="TextBox 16">
-            <a:extLst>
-              <a:ext uri="{FF2B5EF4-FFF2-40B4-BE49-F238E27FC236}">
-                <a16:creationId xmlns:a16="http://schemas.microsoft.com/office/drawing/2014/main" id="{1F95E444-F4F3-4D59-AB2C-2F7CCF882668}"/>
-              </a:ext>
-            </a:extLst>
-          </p:cNvPr>
-          <p:cNvSpPr txBox="1"/>
-          <p:nvPr/>
-        </p:nvSpPr>
-        <p:spPr>
-          <a:xfrm>
-            <a:off x="488174" y="6124532"/>
-            <a:ext cx="8655826" cy="276999"/>
-          </a:xfrm>
-          <a:prstGeom prst="rect">
-            <a:avLst/>
-          </a:prstGeom>
-          <a:noFill/>
-        </p:spPr>
-        <p:txBody>
-          <a:bodyPr wrap="square" rtlCol="0">
-            <a:spAutoFit/>
-          </a:bodyPr>
-          <a:lstStyle/>
-          <a:p>
-            <a:r>
-              <a:rPr lang="ru-RU" sz="1200" dirty="0">
-                <a:effectLst/>
-                <a:ea typeface="Times New Roman" panose="02020603050405020304" pitchFamily="18" charset="0"/>
-              </a:rPr>
-              <a:t>График зависимости метрик </a:t>
-            </a:r>
-            <a:r>
-              <a:rPr lang="en-US" sz="1200" dirty="0">
-                <a:effectLst/>
-                <a:ea typeface="Times New Roman" panose="02020603050405020304" pitchFamily="18" charset="0"/>
-              </a:rPr>
-              <a:t>ANGA </a:t>
-            </a:r>
-            <a:r>
-              <a:rPr lang="ru-RU" sz="1200" dirty="0">
-                <a:effectLst/>
-                <a:ea typeface="Times New Roman" panose="02020603050405020304" pitchFamily="18" charset="0"/>
-              </a:rPr>
-              <a:t>и </a:t>
-            </a:r>
-            <a:r>
-              <a:rPr lang="en-US" sz="1200" dirty="0">
-                <a:effectLst/>
-                <a:ea typeface="Times New Roman" panose="02020603050405020304" pitchFamily="18" charset="0"/>
-              </a:rPr>
-              <a:t>ANIA </a:t>
-            </a:r>
-            <a:r>
-              <a:rPr lang="ru-RU" sz="1200" dirty="0">
-                <a:effectLst/>
-                <a:ea typeface="Times New Roman" panose="02020603050405020304" pitchFamily="18" charset="0"/>
-              </a:rPr>
-              <a:t>от значения порога для модуля </a:t>
-            </a:r>
-            <a:r>
-              <a:rPr lang="en-US" sz="1200" dirty="0">
-                <a:effectLst/>
-                <a:ea typeface="Times New Roman" panose="02020603050405020304" pitchFamily="18" charset="0"/>
-              </a:rPr>
-              <a:t>DECIDER </a:t>
-            </a:r>
-            <a:r>
-              <a:rPr lang="ru-RU" sz="1200" dirty="0">
-                <a:effectLst/>
-                <a:ea typeface="Times New Roman" panose="02020603050405020304" pitchFamily="18" charset="0"/>
-              </a:rPr>
-              <a:t>при размере скользящего окна 120 секунд</a:t>
-            </a:r>
-            <a:endParaRPr lang="ru-RU" sz="1200" dirty="0"/>
-          </a:p>
-        </p:txBody>
-      </p:sp>
-      <p:sp>
-        <p:nvSpPr>
-          <p:cNvPr id="11" name="TextBox 10">
-            <a:extLst>
-              <a:ext uri="{FF2B5EF4-FFF2-40B4-BE49-F238E27FC236}">
-                <a16:creationId xmlns:a16="http://schemas.microsoft.com/office/drawing/2014/main" id="{5070D340-9E7F-483D-933B-C6C05B84F46A}"/>
-              </a:ext>
-            </a:extLst>
-          </p:cNvPr>
-          <p:cNvSpPr txBox="1"/>
-          <p:nvPr/>
-        </p:nvSpPr>
-        <p:spPr>
-          <a:xfrm>
-            <a:off x="1460791" y="218881"/>
-            <a:ext cx="7287673" cy="830997"/>
-          </a:xfrm>
-          <a:prstGeom prst="rect">
-            <a:avLst/>
-          </a:prstGeom>
-          <a:noFill/>
-        </p:spPr>
-        <p:txBody>
-          <a:bodyPr wrap="square" rtlCol="0">
-            <a:spAutoFit/>
-          </a:bodyPr>
-          <a:lstStyle/>
-          <a:p>
-            <a:r>
-              <a:rPr lang="ru-RU" sz="2400" dirty="0">
-                <a:solidFill>
-                  <a:schemeClr val="bg1"/>
-                </a:solidFill>
-                <a:cs typeface="Arial" pitchFamily="34" charset="0"/>
-              </a:rPr>
-              <a:t>Результаты тестирования метода непрерывной аутентификации</a:t>
-            </a:r>
-          </a:p>
-        </p:txBody>
-      </p:sp>
-    </p:spTree>
-    <p:extLst>
-      <p:ext uri="{BB962C8B-B14F-4D97-AF65-F5344CB8AC3E}">
-        <p14:creationId xmlns:p14="http://schemas.microsoft.com/office/powerpoint/2010/main" val="955929635"/>
-      </p:ext>
-    </p:extLst>
-  </p:cSld>
-  <p:clrMapOvr>
-    <a:masterClrMapping/>
-  </p:clrMapOvr>
-</p:sld>
-</file>
-
-<file path=ppt/slides/slide16.xml><?xml version="1.0" encoding="utf-8"?>
-<p:sld xmlns:a="http://schemas.openxmlformats.org/drawingml/2006/main" xmlns:r="http://schemas.openxmlformats.org/officeDocument/2006/relationships" xmlns:p="http://schemas.openxmlformats.org/presentationml/2006/main">
-  <p:cSld>
-    <p:spTree>
-      <p:nvGrpSpPr>
-        <p:cNvPr id="1" name=""/>
-        <p:cNvGrpSpPr/>
-        <p:nvPr/>
-      </p:nvGrpSpPr>
-      <p:grpSpPr>
-        <a:xfrm>
-          <a:off x="0" y="0"/>
-          <a:ext cx="0" cy="0"/>
-          <a:chOff x="0" y="0"/>
-          <a:chExt cx="0" cy="0"/>
-        </a:xfrm>
-      </p:grpSpPr>
-      <p:sp>
-        <p:nvSpPr>
-          <p:cNvPr id="10" name="Прямоугольник 9"/>
-          <p:cNvSpPr/>
-          <p:nvPr/>
-        </p:nvSpPr>
-        <p:spPr>
-          <a:xfrm>
-            <a:off x="0" y="1269993"/>
-            <a:ext cx="9144000" cy="5589240"/>
-          </a:xfrm>
-          <a:prstGeom prst="rect">
-            <a:avLst/>
-          </a:prstGeom>
-          <a:solidFill>
-            <a:srgbClr val="F8FCFA"/>
-          </a:solidFill>
-          <a:ln>
-            <a:noFill/>
-          </a:ln>
-        </p:spPr>
-        <p:style>
-          <a:lnRef idx="2">
-            <a:schemeClr val="accent1">
-              <a:shade val="50000"/>
-            </a:schemeClr>
-          </a:lnRef>
-          <a:fillRef idx="1">
-            <a:schemeClr val="accent1"/>
-          </a:fillRef>
-          <a:effectRef idx="0">
-            <a:schemeClr val="accent1"/>
-          </a:effectRef>
-          <a:fontRef idx="minor">
-            <a:schemeClr val="lt1"/>
-          </a:fontRef>
-        </p:style>
-        <p:txBody>
-          <a:bodyPr rtlCol="0" anchor="ctr"/>
-          <a:lstStyle/>
-          <a:p>
-            <a:pPr marL="5199063"/>
-            <a:endParaRPr lang="ru-RU" dirty="0">
-              <a:solidFill>
-                <a:schemeClr val="tx1">
-                  <a:lumMod val="65000"/>
-                  <a:lumOff val="35000"/>
-                </a:schemeClr>
-              </a:solidFill>
-            </a:endParaRPr>
-          </a:p>
-          <a:p>
-            <a:pPr marL="5199063"/>
-            <a:endParaRPr lang="ru-RU" dirty="0">
-              <a:solidFill>
-                <a:schemeClr val="tx1">
-                  <a:lumMod val="65000"/>
-                  <a:lumOff val="35000"/>
-                </a:schemeClr>
-              </a:solidFill>
-            </a:endParaRPr>
-          </a:p>
-          <a:p>
-            <a:pPr marL="5199063"/>
-            <a:endParaRPr lang="ru-RU" dirty="0">
-              <a:solidFill>
-                <a:schemeClr val="tx1">
-                  <a:lumMod val="65000"/>
-                  <a:lumOff val="35000"/>
-                </a:schemeClr>
-              </a:solidFill>
-            </a:endParaRPr>
-          </a:p>
-          <a:p>
-            <a:pPr marL="5199063"/>
-            <a:endParaRPr lang="ru-RU" dirty="0">
-              <a:solidFill>
-                <a:schemeClr val="tx1">
-                  <a:lumMod val="65000"/>
-                  <a:lumOff val="35000"/>
-                </a:schemeClr>
-              </a:solidFill>
-            </a:endParaRPr>
-          </a:p>
-        </p:txBody>
-      </p:sp>
-      <p:sp>
-        <p:nvSpPr>
-          <p:cNvPr id="4" name="Прямоугольник 3"/>
-          <p:cNvSpPr/>
-          <p:nvPr/>
-        </p:nvSpPr>
-        <p:spPr>
-          <a:xfrm>
-            <a:off x="0" y="0"/>
-            <a:ext cx="9144000" cy="1268760"/>
-          </a:xfrm>
-          <a:prstGeom prst="rect">
-            <a:avLst/>
-          </a:prstGeom>
-          <a:gradFill flip="none" rotWithShape="1">
-            <a:gsLst>
-              <a:gs pos="0">
-                <a:srgbClr val="345A88">
-                  <a:shade val="30000"/>
-                  <a:satMod val="115000"/>
-                </a:srgbClr>
-              </a:gs>
-              <a:gs pos="50000">
-                <a:srgbClr val="345A88">
-                  <a:shade val="67500"/>
-                  <a:satMod val="115000"/>
-                </a:srgbClr>
-              </a:gs>
-              <a:gs pos="100000">
-                <a:srgbClr val="345A88">
-                  <a:shade val="100000"/>
-                  <a:satMod val="115000"/>
-                </a:srgbClr>
-              </a:gs>
-            </a:gsLst>
-            <a:lin ang="5400000" scaled="1"/>
-            <a:tileRect/>
-          </a:gradFill>
-        </p:spPr>
-        <p:style>
-          <a:lnRef idx="2">
-            <a:schemeClr val="accent1">
-              <a:shade val="50000"/>
-            </a:schemeClr>
-          </a:lnRef>
-          <a:fillRef idx="1">
-            <a:schemeClr val="accent1"/>
-          </a:fillRef>
-          <a:effectRef idx="0">
-            <a:schemeClr val="accent1"/>
-          </a:effectRef>
-          <a:fontRef idx="minor">
-            <a:schemeClr val="lt1"/>
-          </a:fontRef>
-        </p:style>
-        <p:txBody>
-          <a:bodyPr rtlCol="0" anchor="ctr"/>
-          <a:lstStyle/>
-          <a:p>
-            <a:pPr algn="ctr"/>
-            <a:endParaRPr lang="ru-RU"/>
-          </a:p>
-        </p:txBody>
-      </p:sp>
-      <p:pic>
-        <p:nvPicPr>
-          <p:cNvPr id="6" name="Рисунок 5" descr="Logo_Mifi_V_Ryzhem_Na_Sinem.png"/>
-          <p:cNvPicPr>
-            <a:picLocks noChangeAspect="1"/>
-          </p:cNvPicPr>
-          <p:nvPr/>
-        </p:nvPicPr>
-        <p:blipFill>
-          <a:blip r:embed="rId3" cstate="print"/>
-          <a:stretch>
-            <a:fillRect/>
-          </a:stretch>
-        </p:blipFill>
-        <p:spPr>
-          <a:xfrm>
-            <a:off x="251521" y="188641"/>
-            <a:ext cx="957749" cy="936104"/>
-          </a:xfrm>
-          <a:prstGeom prst="rect">
-            <a:avLst/>
-          </a:prstGeom>
-        </p:spPr>
-      </p:pic>
-      <p:sp>
-        <p:nvSpPr>
-          <p:cNvPr id="9" name="Прямоугольник 8"/>
-          <p:cNvSpPr/>
-          <p:nvPr/>
-        </p:nvSpPr>
-        <p:spPr>
-          <a:xfrm>
-            <a:off x="0" y="6669360"/>
-            <a:ext cx="9144000" cy="188640"/>
-          </a:xfrm>
-          <a:prstGeom prst="rect">
-            <a:avLst/>
-          </a:prstGeom>
-          <a:solidFill>
-            <a:schemeClr val="accent1">
-              <a:lumMod val="50000"/>
-            </a:schemeClr>
-          </a:solidFill>
-          <a:ln>
-            <a:noFill/>
-          </a:ln>
-        </p:spPr>
-        <p:style>
-          <a:lnRef idx="2">
-            <a:schemeClr val="accent1">
-              <a:shade val="50000"/>
-            </a:schemeClr>
-          </a:lnRef>
-          <a:fillRef idx="1">
-            <a:schemeClr val="accent1"/>
-          </a:fillRef>
-          <a:effectRef idx="0">
-            <a:schemeClr val="accent1"/>
-          </a:effectRef>
-          <a:fontRef idx="minor">
-            <a:schemeClr val="lt1"/>
-          </a:fontRef>
-        </p:style>
-        <p:txBody>
-          <a:bodyPr rtlCol="0" anchor="ctr"/>
-          <a:lstStyle/>
-          <a:p>
-            <a:pPr indent="447675" algn="ctr"/>
-            <a:endParaRPr lang="ru-RU" sz="1400" dirty="0"/>
-          </a:p>
-        </p:txBody>
-      </p:sp>
-      <p:sp>
-        <p:nvSpPr>
-          <p:cNvPr id="13" name="Номер слайда 12"/>
-          <p:cNvSpPr>
-            <a:spLocks noGrp="1"/>
-          </p:cNvSpPr>
-          <p:nvPr>
-            <p:ph type="sldNum" sz="quarter" idx="12"/>
-          </p:nvPr>
-        </p:nvSpPr>
-        <p:spPr>
-          <a:xfrm>
-            <a:off x="-252536" y="6309320"/>
-            <a:ext cx="2133600" cy="365125"/>
-          </a:xfrm>
-        </p:spPr>
-        <p:txBody>
-          <a:bodyPr/>
-          <a:lstStyle/>
-          <a:p>
-            <a:pPr algn="ctr"/>
-            <a:fld id="{E31D776F-85F7-4D26-B2AD-3B3FF396047C}" type="slidenum">
-              <a:rPr lang="ru-RU" sz="1400" smtClean="0">
-                <a:solidFill>
-                  <a:schemeClr val="tx1"/>
-                </a:solidFill>
-              </a:rPr>
-              <a:pPr algn="ctr"/>
-              <a:t>16</a:t>
-            </a:fld>
-            <a:r>
-              <a:rPr lang="ru-RU" sz="1400" dirty="0">
-                <a:solidFill>
-                  <a:schemeClr val="tx1"/>
-                </a:solidFill>
-              </a:rPr>
-              <a:t> из 17</a:t>
+              <a:t> из 16</a:t>
             </a:r>
           </a:p>
         </p:txBody>
@@ -49922,7 +46270,7 @@
 </p:sld>
 </file>
 
-<file path=ppt/slides/slide17.xml><?xml version="1.0" encoding="utf-8"?>
+<file path=ppt/slides/slide16.xml><?xml version="1.0" encoding="utf-8"?>
 <p:sld xmlns:a="http://schemas.openxmlformats.org/drawingml/2006/main" xmlns:r="http://schemas.openxmlformats.org/officeDocument/2006/relationships" xmlns:p="http://schemas.openxmlformats.org/presentationml/2006/main">
   <p:cSld>
     <p:spTree>
@@ -50247,7 +46595,7 @@
                 </a:solidFill>
               </a:rPr>
               <a:pPr algn="ctr"/>
-              <a:t>17</a:t>
+              <a:t>16</a:t>
             </a:fld>
             <a:r>
               <a:rPr lang="ru-RU" sz="1400" dirty="0">
@@ -50255,7 +46603,7 @@
                   <a:schemeClr val="tx1"/>
                 </a:solidFill>
               </a:rPr>
-              <a:t> из 17</a:t>
+              <a:t> из 16</a:t>
             </a:r>
           </a:p>
         </p:txBody>
@@ -50317,8 +46665,8 @@
         </p:nvSpPr>
         <p:spPr>
           <a:xfrm>
-            <a:off x="359532" y="1271927"/>
-            <a:ext cx="8424936" cy="4486100"/>
+            <a:off x="251521" y="1861396"/>
+            <a:ext cx="8424935" cy="2542363"/>
           </a:xfrm>
           <a:prstGeom prst="rect">
             <a:avLst/>
@@ -50339,8 +46687,8 @@
               <a:buChar char="•"/>
             </a:pPr>
             <a:r>
-              <a:rPr lang="ru-RU" sz="1600" dirty="0"/>
-              <a:t>Предложен метод непрерывной аутентификации по поведенческой биометрии на основе нескольких поведенческих характеристик</a:t>
+              <a:rPr lang="ru-RU" dirty="0"/>
+              <a:t>Предложен метод непрерывной аутентификации по поведенческой биометрии, основанный на отслеживании данных об окружающих пользователя WiFi-сетях и Bluetooth-устройствах, а также его местоположении</a:t>
             </a:r>
           </a:p>
           <a:p>
@@ -50352,8 +46700,8 @@
               <a:buChar char="•"/>
             </a:pPr>
             <a:r>
-              <a:rPr lang="ru-RU" sz="1600" dirty="0"/>
-              <a:t>Разработано приложение для сбора данных и проведён сбор данных с помощью 8 добровольцев</a:t>
+              <a:rPr lang="ru-RU" dirty="0"/>
+              <a:t>Разработано мобильное приложение для сбора данных</a:t>
             </a:r>
           </a:p>
           <a:p>
@@ -50365,22 +46713,8 @@
               <a:buChar char="•"/>
             </a:pPr>
             <a:r>
-              <a:rPr lang="ru-RU" sz="1600" dirty="0"/>
-              <a:t>Сформированы признаки на основе полученных данных</a:t>
-            </a:r>
-            <a:endParaRPr lang="en-US" sz="1600" dirty="0"/>
-          </a:p>
-          <a:p>
-            <a:pPr marL="449263" indent="-449263">
-              <a:lnSpc>
-                <a:spcPct val="150000"/>
-              </a:lnSpc>
-              <a:buFont typeface="Arial" pitchFamily="34" charset="0"/>
-              <a:buChar char="•"/>
-            </a:pPr>
-            <a:r>
-              <a:rPr lang="ru-RU" sz="1600" dirty="0"/>
-              <a:t>Проведено тестирование алгоритмов классификации</a:t>
+              <a:rPr lang="ru-RU" dirty="0"/>
+              <a:t>Разработан способ формирования признаков</a:t>
             </a:r>
           </a:p>
           <a:p>
@@ -50392,46 +46726,7 @@
               <a:buChar char="•"/>
             </a:pPr>
             <a:r>
-              <a:rPr lang="ru-RU" sz="1600" dirty="0"/>
-              <a:t>Выбран алгоритм случайного леса и метод формирования признаков с помощью скользящего окна для исследования</a:t>
-            </a:r>
-          </a:p>
-          <a:p>
-            <a:pPr marL="449263" indent="-449263">
-              <a:lnSpc>
-                <a:spcPct val="150000"/>
-              </a:lnSpc>
-              <a:buFont typeface="Arial" pitchFamily="34" charset="0"/>
-              <a:buChar char="•"/>
-            </a:pPr>
-            <a:r>
-              <a:rPr lang="ru-RU" sz="1600" dirty="0"/>
-              <a:t>Предложено смешивать вердикты классификаторов с помощью логистической регрессии</a:t>
-            </a:r>
-          </a:p>
-          <a:p>
-            <a:pPr marL="449263" indent="-449263">
-              <a:lnSpc>
-                <a:spcPct val="150000"/>
-              </a:lnSpc>
-              <a:buFont typeface="Arial" pitchFamily="34" charset="0"/>
-              <a:buChar char="•"/>
-            </a:pPr>
-            <a:r>
-              <a:rPr lang="ru-RU" sz="1600" dirty="0"/>
-              <a:t>Разработана схема формирования выборок и тестирования метода непрерывной аутентификации</a:t>
-            </a:r>
-          </a:p>
-          <a:p>
-            <a:pPr marL="449263" indent="-449263">
-              <a:lnSpc>
-                <a:spcPct val="150000"/>
-              </a:lnSpc>
-              <a:buFont typeface="Arial" pitchFamily="34" charset="0"/>
-              <a:buChar char="•"/>
-            </a:pPr>
-            <a:r>
-              <a:rPr lang="ru-RU" sz="1600" dirty="0"/>
+              <a:rPr lang="ru-RU" dirty="0"/>
               <a:t>Проведено тестирование предложенного метода</a:t>
             </a:r>
           </a:p>
@@ -50725,7 +47020,7 @@
                   <a:schemeClr val="tx1"/>
                 </a:solidFill>
               </a:rPr>
-              <a:t> из 17</a:t>
+              <a:t> из 16</a:t>
             </a:r>
           </a:p>
         </p:txBody>
@@ -51334,7 +47629,7 @@
                   <a:schemeClr val="tx1"/>
                 </a:solidFill>
               </a:rPr>
-              <a:t> из 17</a:t>
+              <a:t> из 16</a:t>
             </a:r>
           </a:p>
         </p:txBody>
@@ -51775,7 +48070,7 @@
                   <a:schemeClr val="tx1"/>
                 </a:solidFill>
               </a:rPr>
-              <a:t> из 17</a:t>
+              <a:t> из 16</a:t>
             </a:r>
           </a:p>
         </p:txBody>
@@ -52252,7 +48547,7 @@
                   <a:schemeClr val="tx1"/>
                 </a:solidFill>
               </a:rPr>
-              <a:t> из 17</a:t>
+              <a:t> из 16</a:t>
             </a:r>
           </a:p>
         </p:txBody>
@@ -52866,7 +49161,7 @@
                   <a:schemeClr val="tx1"/>
                 </a:solidFill>
               </a:rPr>
-              <a:t> из 17</a:t>
+              <a:t> из 16</a:t>
             </a:r>
           </a:p>
         </p:txBody>
@@ -53737,7 +50032,7 @@
                   <a:schemeClr val="tx1"/>
                 </a:solidFill>
               </a:rPr>
-              <a:t> из 17</a:t>
+              <a:t> из 16</a:t>
             </a:r>
           </a:p>
         </p:txBody>
@@ -54359,7 +50654,7 @@
                   <a:schemeClr val="tx1"/>
                 </a:solidFill>
               </a:rPr>
-              <a:t> из 17</a:t>
+              <a:t> из 16</a:t>
             </a:r>
           </a:p>
         </p:txBody>
@@ -54519,7 +50814,7 @@
         </p:nvSpPr>
         <p:spPr>
           <a:xfrm>
-            <a:off x="3768" y="1268760"/>
+            <a:off x="0" y="1268760"/>
             <a:ext cx="9144000" cy="5589240"/>
           </a:xfrm>
           <a:prstGeom prst="rect">
@@ -54553,7 +50848,7 @@
           <a:lstStyle/>
           <a:p>
             <a:pPr marL="5199063"/>
-            <a:endParaRPr lang="ru-RU" dirty="0">
+            <a:endParaRPr lang="ru-RU">
               <a:solidFill>
                 <a:schemeClr val="tx1">
                   <a:lumMod val="65000"/>
@@ -54564,7 +50859,7 @@
           </a:p>
           <a:p>
             <a:pPr marL="5199063"/>
-            <a:endParaRPr lang="ru-RU" dirty="0">
+            <a:endParaRPr lang="ru-RU">
               <a:solidFill>
                 <a:schemeClr val="tx1">
                   <a:lumMod val="65000"/>
@@ -54575,7 +50870,7 @@
           </a:p>
           <a:p>
             <a:pPr marL="5199063"/>
-            <a:endParaRPr lang="ru-RU" dirty="0">
+            <a:endParaRPr lang="ru-RU">
               <a:solidFill>
                 <a:schemeClr val="tx1">
                   <a:lumMod val="65000"/>
@@ -54685,30 +50980,40 @@
           </a:prstGeom>
         </p:spPr>
       </p:pic>
-      <p:pic>
-        <p:nvPicPr>
-          <p:cNvPr id="8" name="Рисунок 7" descr="Keys3.png"/>
-          <p:cNvPicPr>
-            <a:picLocks noChangeAspect="1"/>
-          </p:cNvPicPr>
+      <p:sp>
+        <p:nvSpPr>
+          <p:cNvPr id="7" name="TextBox 6"/>
+          <p:cNvSpPr txBox="1"/>
           <p:nvPr/>
-        </p:nvPicPr>
-        <p:blipFill>
-          <a:blip r:embed="rId4" cstate="print"/>
-          <a:stretch>
-            <a:fillRect/>
-          </a:stretch>
-        </p:blipFill>
+        </p:nvSpPr>
         <p:spPr>
           <a:xfrm>
-            <a:off x="7524328" y="5517232"/>
-            <a:ext cx="1514534" cy="908720"/>
+            <a:off x="1331640" y="425860"/>
+            <a:ext cx="7400293" cy="461665"/>
           </a:xfrm>
           <a:prstGeom prst="rect">
             <a:avLst/>
           </a:prstGeom>
+          <a:noFill/>
         </p:spPr>
-      </p:pic>
+        <p:txBody>
+          <a:bodyPr wrap="square" rtlCol="0">
+            <a:spAutoFit/>
+          </a:bodyPr>
+          <a:lstStyle/>
+          <a:p>
+            <a:r>
+              <a:rPr lang="ru-RU" sz="2400" dirty="0">
+                <a:solidFill>
+                  <a:schemeClr val="bg1"/>
+                </a:solidFill>
+                <a:cs typeface="Arial" pitchFamily="34" charset="0"/>
+              </a:rPr>
+              <a:t>Результаты тестирования алгоритмов классификации</a:t>
+            </a:r>
+          </a:p>
+        </p:txBody>
+      </p:sp>
       <p:sp>
         <p:nvSpPr>
           <p:cNvPr id="9" name="Прямоугольник 8"/>
@@ -54793,7 +51098,7 @@
                   <a:schemeClr val="tx1"/>
                 </a:solidFill>
               </a:rPr>
-              <a:t> из 17</a:t>
+              <a:t> из 16</a:t>
             </a:r>
           </a:p>
         </p:txBody>
@@ -54847,12 +51152,40 @@
           </a:p>
         </p:txBody>
       </p:sp>
+      <p:graphicFrame>
+        <p:nvGraphicFramePr>
+          <p:cNvPr id="12" name="Диаграмма 11">
+            <a:extLst>
+              <a:ext uri="{FF2B5EF4-FFF2-40B4-BE49-F238E27FC236}">
+                <a16:creationId xmlns:a16="http://schemas.microsoft.com/office/drawing/2014/main" id="{00000000-0008-0000-0000-000003000000}"/>
+              </a:ext>
+            </a:extLst>
+          </p:cNvPr>
+          <p:cNvGraphicFramePr/>
+          <p:nvPr>
+            <p:extLst>
+              <p:ext uri="{D42A27DB-BD31-4B8C-83A1-F6EECF244321}">
+                <p14:modId xmlns:p14="http://schemas.microsoft.com/office/powerpoint/2010/main" val="3716600916"/>
+              </p:ext>
+            </p:extLst>
+          </p:nvPr>
+        </p:nvGraphicFramePr>
+        <p:xfrm>
+          <a:off x="35496" y="1313386"/>
+          <a:ext cx="9108504" cy="4594965"/>
+        </p:xfrm>
+        <a:graphic>
+          <a:graphicData uri="http://schemas.openxmlformats.org/drawingml/2006/chart">
+            <c:chart xmlns:c="http://schemas.openxmlformats.org/drawingml/2006/chart" xmlns:r="http://schemas.openxmlformats.org/officeDocument/2006/relationships" r:id="rId4"/>
+          </a:graphicData>
+        </a:graphic>
+      </p:graphicFrame>
       <p:sp>
         <p:nvSpPr>
-          <p:cNvPr id="11" name="TextBox 10">
+          <p:cNvPr id="5" name="TextBox 4">
             <a:extLst>
               <a:ext uri="{FF2B5EF4-FFF2-40B4-BE49-F238E27FC236}">
-                <a16:creationId xmlns:a16="http://schemas.microsoft.com/office/drawing/2014/main" id="{246771FD-754D-4FCE-8EED-785D5C7CF6C9}"/>
+                <a16:creationId xmlns:a16="http://schemas.microsoft.com/office/drawing/2014/main" id="{BDFA97EC-064E-4262-9837-4DB118FB2EBE}"/>
               </a:ext>
             </a:extLst>
           </p:cNvPr>
@@ -54861,8 +51194,8 @@
         </p:nvSpPr>
         <p:spPr>
           <a:xfrm>
-            <a:off x="1459800" y="425860"/>
-            <a:ext cx="7224545" cy="461665"/>
+            <a:off x="610343" y="5908351"/>
+            <a:ext cx="7668344" cy="646331"/>
           </a:xfrm>
           <a:prstGeom prst="rect">
             <a:avLst/>
@@ -54876,49 +51209,148 @@
           <a:lstStyle/>
           <a:p>
             <a:r>
-              <a:rPr lang="ru-RU" sz="2400" dirty="0">
+              <a:rPr lang="ru-RU" sz="1200" dirty="0">
                 <a:solidFill>
-                  <a:schemeClr val="bg1"/>
+                  <a:srgbClr val="000000"/>
                 </a:solidFill>
-                <a:cs typeface="Arial" pitchFamily="34" charset="0"/>
+                <a:effectLst/>
+                <a:ea typeface="Batang" panose="02030600000101010101" pitchFamily="18" charset="-127"/>
+                <a:cs typeface="Source Sans Pro" panose="020B0503030403020204" pitchFamily="34" charset="0"/>
               </a:rPr>
-              <a:t>Обучение и тестирование моделей</a:t>
+              <a:t>Диаграмма зависимости значения метрики </a:t>
             </a:r>
+            <a:r>
+              <a:rPr lang="en-US" sz="1200" dirty="0">
+                <a:solidFill>
+                  <a:srgbClr val="000000"/>
+                </a:solidFill>
+                <a:effectLst/>
+                <a:ea typeface="Batang" panose="02030600000101010101" pitchFamily="18" charset="-127"/>
+                <a:cs typeface="Source Sans Pro" panose="020B0503030403020204" pitchFamily="34" charset="0"/>
+              </a:rPr>
+              <a:t>AUC</a:t>
+            </a:r>
+            <a:r>
+              <a:rPr lang="ru-RU" sz="1200" dirty="0">
+                <a:solidFill>
+                  <a:srgbClr val="000000"/>
+                </a:solidFill>
+                <a:effectLst/>
+                <a:ea typeface="Batang" panose="02030600000101010101" pitchFamily="18" charset="-127"/>
+                <a:cs typeface="Source Sans Pro" panose="020B0503030403020204" pitchFamily="34" charset="0"/>
+              </a:rPr>
+              <a:t>-</a:t>
+            </a:r>
+            <a:r>
+              <a:rPr lang="en-US" sz="1200" dirty="0">
+                <a:solidFill>
+                  <a:srgbClr val="000000"/>
+                </a:solidFill>
+                <a:effectLst/>
+                <a:ea typeface="Batang" panose="02030600000101010101" pitchFamily="18" charset="-127"/>
+                <a:cs typeface="Source Sans Pro" panose="020B0503030403020204" pitchFamily="34" charset="0"/>
+              </a:rPr>
+              <a:t>ROC*</a:t>
+            </a:r>
+            <a:r>
+              <a:rPr lang="ru-RU" sz="1200" dirty="0">
+                <a:solidFill>
+                  <a:srgbClr val="000000"/>
+                </a:solidFill>
+                <a:effectLst/>
+                <a:ea typeface="Batang" panose="02030600000101010101" pitchFamily="18" charset="-127"/>
+                <a:cs typeface="Source Sans Pro" panose="020B0503030403020204" pitchFamily="34" charset="0"/>
+              </a:rPr>
+              <a:t> от размера скользящего окна для модуля </a:t>
+            </a:r>
+            <a:r>
+              <a:rPr lang="en-US" sz="1200" dirty="0">
+                <a:solidFill>
+                  <a:srgbClr val="000000"/>
+                </a:solidFill>
+                <a:effectLst/>
+                <a:ea typeface="Batang" panose="02030600000101010101" pitchFamily="18" charset="-127"/>
+                <a:cs typeface="Source Sans Pro" panose="020B0503030403020204" pitchFamily="34" charset="0"/>
+              </a:rPr>
+              <a:t>BT </a:t>
+            </a:r>
+            <a:r>
+              <a:rPr lang="ru-RU" sz="1200" dirty="0">
+                <a:solidFill>
+                  <a:srgbClr val="000000"/>
+                </a:solidFill>
+                <a:effectLst/>
+                <a:ea typeface="Batang" panose="02030600000101010101" pitchFamily="18" charset="-127"/>
+                <a:cs typeface="Source Sans Pro" panose="020B0503030403020204" pitchFamily="34" charset="0"/>
+              </a:rPr>
+              <a:t>на этапе финального тестирования</a:t>
+            </a:r>
+          </a:p>
+          <a:p>
+            <a:endParaRPr lang="ru-RU" sz="1200" dirty="0"/>
           </a:p>
         </p:txBody>
       </p:sp>
-      <p:graphicFrame>
-        <p:nvGraphicFramePr>
-          <p:cNvPr id="5" name="Схема 4">
+      <p:sp>
+        <p:nvSpPr>
+          <p:cNvPr id="16" name="TextBox 15">
             <a:extLst>
               <a:ext uri="{FF2B5EF4-FFF2-40B4-BE49-F238E27FC236}">
-                <a16:creationId xmlns:a16="http://schemas.microsoft.com/office/drawing/2014/main" id="{4311BAB1-A79E-4C31-8076-882CA8B19D48}"/>
+                <a16:creationId xmlns:a16="http://schemas.microsoft.com/office/drawing/2014/main" id="{FEFAEF4C-9134-49AE-8BB6-68B0366A0565}"/>
               </a:ext>
             </a:extLst>
           </p:cNvPr>
-          <p:cNvGraphicFramePr/>
-          <p:nvPr>
-            <p:extLst>
-              <p:ext uri="{D42A27DB-BD31-4B8C-83A1-F6EECF244321}">
-                <p14:modId xmlns:p14="http://schemas.microsoft.com/office/powerpoint/2010/main" val="1783319683"/>
-              </p:ext>
-            </p:extLst>
-          </p:nvPr>
-        </p:nvGraphicFramePr>
-        <p:xfrm>
-          <a:off x="323528" y="1397000"/>
-          <a:ext cx="6984776" cy="4712140"/>
-        </p:xfrm>
-        <a:graphic>
-          <a:graphicData uri="http://schemas.openxmlformats.org/drawingml/2006/diagram">
-            <dgm:relIds xmlns:dgm="http://schemas.openxmlformats.org/drawingml/2006/diagram" xmlns:r="http://schemas.openxmlformats.org/officeDocument/2006/relationships" r:dm="rId5" r:lo="rId6" r:qs="rId7" r:cs="rId8"/>
-          </a:graphicData>
-        </a:graphic>
-      </p:graphicFrame>
+          <p:cNvSpPr txBox="1"/>
+          <p:nvPr/>
+        </p:nvSpPr>
+        <p:spPr>
+          <a:xfrm>
+            <a:off x="6407696" y="6227485"/>
+            <a:ext cx="2916832" cy="276999"/>
+          </a:xfrm>
+          <a:prstGeom prst="rect">
+            <a:avLst/>
+          </a:prstGeom>
+          <a:noFill/>
+        </p:spPr>
+        <p:txBody>
+          <a:bodyPr wrap="square" rtlCol="0">
+            <a:spAutoFit/>
+          </a:bodyPr>
+          <a:lstStyle/>
+          <a:p>
+            <a:r>
+              <a:rPr lang="ru-RU" sz="1200" dirty="0"/>
+              <a:t>*</a:t>
+            </a:r>
+            <a:r>
+              <a:rPr lang="en-US" sz="1200" dirty="0"/>
+              <a:t>AUC-ROC </a:t>
+            </a:r>
+            <a:r>
+              <a:rPr lang="ru-RU" sz="1200" dirty="0"/>
+              <a:t>— площадь под </a:t>
+            </a:r>
+            <a:r>
+              <a:rPr lang="en-US" sz="1200" dirty="0"/>
+              <a:t>ROC-</a:t>
+            </a:r>
+            <a:r>
+              <a:rPr lang="ru-RU" sz="1200" dirty="0"/>
+              <a:t>кривой.</a:t>
+            </a:r>
+            <a:r>
+              <a:rPr lang="en-US" sz="1200" dirty="0"/>
+              <a:t> </a:t>
+            </a:r>
+            <a:endParaRPr lang="ru-RU" sz="1200" dirty="0"/>
+          </a:p>
+        </p:txBody>
+      </p:sp>
     </p:spTree>
     <p:extLst>
       <p:ext uri="{BB962C8B-B14F-4D97-AF65-F5344CB8AC3E}">
-        <p14:creationId xmlns:p14="http://schemas.microsoft.com/office/powerpoint/2010/main" val="2931774300"/>
+        <p14:creationId xmlns:p14="http://schemas.microsoft.com/office/powerpoint/2010/main" val="4087991616"/>
       </p:ext>
     </p:extLst>
   </p:cSld>
